--- a/GerenciamentoBovinos/Documentação/Apresentação/SISTEMA DE GERENCIAMENTO DE BOVINOS.pptx
+++ b/GerenciamentoBovinos/Documentação/Apresentação/SISTEMA DE GERENCIAMENTO DE BOVINOS.pptx
@@ -10,7 +10,8 @@
     <p:sldId id="260" r:id="rId4"/>
     <p:sldId id="261" r:id="rId5"/>
     <p:sldId id="258" r:id="rId6"/>
-    <p:sldId id="259" r:id="rId7"/>
+    <p:sldId id="262" r:id="rId7"/>
+    <p:sldId id="259" r:id="rId8"/>
   </p:sldIdLst>
   <p:sldSz cx="12192000" cy="6858000"/>
   <p:notesSz cx="6858000" cy="9144000"/>
@@ -109,6 +110,11 @@
       </a:defRPr>
     </a:lvl9pPr>
   </p:defaultTextStyle>
+  <p:extLst>
+    <p:ext uri="{EFAFB233-063F-42B5-8137-9DF3F51BA10A}">
+      <p15:sldGuideLst xmlns:p15="http://schemas.microsoft.com/office/powerpoint/2012/main"/>
+    </p:ext>
+  </p:extLst>
 </p:presentation>
 </file>
 
@@ -162,7 +168,7 @@
           <a:noFill/>
           <a:extLst>
             <a:ext uri="{909E8E84-426E-40dd-AFC4-6F175D3DCCD1}">
-              <a14:hiddenFill xmlns:a14="http://schemas.microsoft.com/office/drawing/2010/main" xmlns="">
+              <a14:hiddenFill xmlns="" xmlns:a14="http://schemas.microsoft.com/office/drawing/2010/main">
                 <a:solidFill>
                   <a:srgbClr val="FFFFFF"/>
                 </a:solidFill>
@@ -222,7 +228,7 @@
             </a:ln>
             <a:extLst>
               <a:ext uri="{91240B29-F687-4f45-9708-019B960494DF}">
-                <a14:hiddenLine xmlns:a14="http://schemas.microsoft.com/office/drawing/2010/main" xmlns="" w="9525">
+                <a14:hiddenLine xmlns="" xmlns:a14="http://schemas.microsoft.com/office/drawing/2010/main" w="9525">
                   <a:solidFill>
                     <a:srgbClr val="000000"/>
                   </a:solidFill>
@@ -312,7 +318,7 @@
             </a:ln>
             <a:extLst>
               <a:ext uri="{91240B29-F687-4f45-9708-019B960494DF}">
-                <a14:hiddenLine xmlns:a14="http://schemas.microsoft.com/office/drawing/2010/main" xmlns="" w="9525">
+                <a14:hiddenLine xmlns="" xmlns:a14="http://schemas.microsoft.com/office/drawing/2010/main" w="9525">
                   <a:solidFill>
                     <a:srgbClr val="000000"/>
                   </a:solidFill>
@@ -402,7 +408,7 @@
             </a:ln>
             <a:extLst>
               <a:ext uri="{91240B29-F687-4f45-9708-019B960494DF}">
-                <a14:hiddenLine xmlns:a14="http://schemas.microsoft.com/office/drawing/2010/main" xmlns="" w="9525">
+                <a14:hiddenLine xmlns="" xmlns:a14="http://schemas.microsoft.com/office/drawing/2010/main" w="9525">
                   <a:solidFill>
                     <a:srgbClr val="000000"/>
                   </a:solidFill>
@@ -436,7 +442,7 @@
             </a:ln>
             <a:extLst>
               <a:ext uri="{91240B29-F687-4f45-9708-019B960494DF}">
-                <a14:hiddenLine xmlns:a14="http://schemas.microsoft.com/office/drawing/2010/main" xmlns="" w="9525">
+                <a14:hiddenLine xmlns="" xmlns:a14="http://schemas.microsoft.com/office/drawing/2010/main" w="9525">
                   <a:solidFill>
                     <a:srgbClr val="000000"/>
                   </a:solidFill>
@@ -526,7 +532,7 @@
             </a:ln>
             <a:extLst>
               <a:ext uri="{91240B29-F687-4f45-9708-019B960494DF}">
-                <a14:hiddenLine xmlns:a14="http://schemas.microsoft.com/office/drawing/2010/main" xmlns="" w="9525">
+                <a14:hiddenLine xmlns="" xmlns:a14="http://schemas.microsoft.com/office/drawing/2010/main" w="9525">
                   <a:solidFill>
                     <a:srgbClr val="000000"/>
                   </a:solidFill>
@@ -588,7 +594,7 @@
             </a:ln>
             <a:extLst>
               <a:ext uri="{91240B29-F687-4f45-9708-019B960494DF}">
-                <a14:hiddenLine xmlns:a14="http://schemas.microsoft.com/office/drawing/2010/main" xmlns="" w="9525">
+                <a14:hiddenLine xmlns="" xmlns:a14="http://schemas.microsoft.com/office/drawing/2010/main" w="9525">
                   <a:solidFill>
                     <a:srgbClr val="000000"/>
                   </a:solidFill>
@@ -650,7 +656,7 @@
             </a:ln>
             <a:extLst>
               <a:ext uri="{91240B29-F687-4f45-9708-019B960494DF}">
-                <a14:hiddenLine xmlns:a14="http://schemas.microsoft.com/office/drawing/2010/main" xmlns="" w="9525">
+                <a14:hiddenLine xmlns="" xmlns:a14="http://schemas.microsoft.com/office/drawing/2010/main" w="9525">
                   <a:solidFill>
                     <a:srgbClr val="000000"/>
                   </a:solidFill>
@@ -740,7 +746,7 @@
             </a:ln>
             <a:extLst>
               <a:ext uri="{91240B29-F687-4f45-9708-019B960494DF}">
-                <a14:hiddenLine xmlns:a14="http://schemas.microsoft.com/office/drawing/2010/main" xmlns="" w="9525">
+                <a14:hiddenLine xmlns="" xmlns:a14="http://schemas.microsoft.com/office/drawing/2010/main" w="9525">
                   <a:solidFill>
                     <a:srgbClr val="000000"/>
                   </a:solidFill>
@@ -802,7 +808,7 @@
             </a:ln>
             <a:extLst>
               <a:ext uri="{91240B29-F687-4f45-9708-019B960494DF}">
-                <a14:hiddenLine xmlns:a14="http://schemas.microsoft.com/office/drawing/2010/main" xmlns="" w="9525">
+                <a14:hiddenLine xmlns="" xmlns:a14="http://schemas.microsoft.com/office/drawing/2010/main" w="9525">
                   <a:solidFill>
                     <a:srgbClr val="000000"/>
                   </a:solidFill>
@@ -864,7 +870,7 @@
             </a:ln>
             <a:extLst>
               <a:ext uri="{91240B29-F687-4f45-9708-019B960494DF}">
-                <a14:hiddenLine xmlns:a14="http://schemas.microsoft.com/office/drawing/2010/main" xmlns="" w="9525">
+                <a14:hiddenLine xmlns="" xmlns:a14="http://schemas.microsoft.com/office/drawing/2010/main" w="9525">
                   <a:solidFill>
                     <a:srgbClr val="000000"/>
                   </a:solidFill>
@@ -954,7 +960,7 @@
             </a:ln>
             <a:extLst>
               <a:ext uri="{91240B29-F687-4f45-9708-019B960494DF}">
-                <a14:hiddenLine xmlns:a14="http://schemas.microsoft.com/office/drawing/2010/main" xmlns="" w="9525">
+                <a14:hiddenLine xmlns="" xmlns:a14="http://schemas.microsoft.com/office/drawing/2010/main" w="9525">
                   <a:solidFill>
                     <a:srgbClr val="000000"/>
                   </a:solidFill>
@@ -1044,7 +1050,7 @@
             </a:ln>
             <a:extLst>
               <a:ext uri="{91240B29-F687-4f45-9708-019B960494DF}">
-                <a14:hiddenLine xmlns:a14="http://schemas.microsoft.com/office/drawing/2010/main" xmlns="" w="9525">
+                <a14:hiddenLine xmlns="" xmlns:a14="http://schemas.microsoft.com/office/drawing/2010/main" w="9525">
                   <a:solidFill>
                     <a:srgbClr val="000000"/>
                   </a:solidFill>
@@ -1106,7 +1112,7 @@
             </a:ln>
             <a:extLst>
               <a:ext uri="{91240B29-F687-4f45-9708-019B960494DF}">
-                <a14:hiddenLine xmlns:a14="http://schemas.microsoft.com/office/drawing/2010/main" xmlns="" w="9525">
+                <a14:hiddenLine xmlns="" xmlns:a14="http://schemas.microsoft.com/office/drawing/2010/main" w="9525">
                   <a:solidFill>
                     <a:srgbClr val="000000"/>
                   </a:solidFill>
@@ -1216,7 +1222,7 @@
             </a:ln>
             <a:extLst>
               <a:ext uri="{91240B29-F687-4f45-9708-019B960494DF}">
-                <a14:hiddenLine xmlns:a14="http://schemas.microsoft.com/office/drawing/2010/main" xmlns="" w="9525">
+                <a14:hiddenLine xmlns="" xmlns:a14="http://schemas.microsoft.com/office/drawing/2010/main" w="9525">
                   <a:solidFill>
                     <a:srgbClr val="000000"/>
                   </a:solidFill>
@@ -1278,7 +1284,7 @@
             </a:ln>
             <a:extLst>
               <a:ext uri="{91240B29-F687-4f45-9708-019B960494DF}">
-                <a14:hiddenLine xmlns:a14="http://schemas.microsoft.com/office/drawing/2010/main" xmlns="" w="9525">
+                <a14:hiddenLine xmlns="" xmlns:a14="http://schemas.microsoft.com/office/drawing/2010/main" w="9525">
                   <a:solidFill>
                     <a:srgbClr val="000000"/>
                   </a:solidFill>
@@ -1368,7 +1374,7 @@
             </a:ln>
             <a:extLst>
               <a:ext uri="{91240B29-F687-4f45-9708-019B960494DF}">
-                <a14:hiddenLine xmlns:a14="http://schemas.microsoft.com/office/drawing/2010/main" xmlns="" w="9525">
+                <a14:hiddenLine xmlns="" xmlns:a14="http://schemas.microsoft.com/office/drawing/2010/main" w="9525">
                   <a:solidFill>
                     <a:srgbClr val="000000"/>
                   </a:solidFill>
@@ -1458,7 +1464,7 @@
             </a:ln>
             <a:extLst>
               <a:ext uri="{91240B29-F687-4f45-9708-019B960494DF}">
-                <a14:hiddenLine xmlns:a14="http://schemas.microsoft.com/office/drawing/2010/main" xmlns="" w="9525">
+                <a14:hiddenLine xmlns="" xmlns:a14="http://schemas.microsoft.com/office/drawing/2010/main" w="9525">
                   <a:solidFill>
                     <a:srgbClr val="000000"/>
                   </a:solidFill>
@@ -1520,7 +1526,7 @@
             </a:ln>
             <a:extLst>
               <a:ext uri="{91240B29-F687-4f45-9708-019B960494DF}">
-                <a14:hiddenLine xmlns:a14="http://schemas.microsoft.com/office/drawing/2010/main" xmlns="" w="9525">
+                <a14:hiddenLine xmlns="" xmlns:a14="http://schemas.microsoft.com/office/drawing/2010/main" w="9525">
                   <a:solidFill>
                     <a:srgbClr val="000000"/>
                   </a:solidFill>
@@ -1610,7 +1616,7 @@
             </a:ln>
             <a:extLst>
               <a:ext uri="{91240B29-F687-4f45-9708-019B960494DF}">
-                <a14:hiddenLine xmlns:a14="http://schemas.microsoft.com/office/drawing/2010/main" xmlns="" w="9525">
+                <a14:hiddenLine xmlns="" xmlns:a14="http://schemas.microsoft.com/office/drawing/2010/main" w="9525">
                   <a:solidFill>
                     <a:srgbClr val="000000"/>
                   </a:solidFill>
@@ -1700,7 +1706,7 @@
             </a:ln>
             <a:extLst>
               <a:ext uri="{91240B29-F687-4f45-9708-019B960494DF}">
-                <a14:hiddenLine xmlns:a14="http://schemas.microsoft.com/office/drawing/2010/main" xmlns="" w="9525">
+                <a14:hiddenLine xmlns="" xmlns:a14="http://schemas.microsoft.com/office/drawing/2010/main" w="9525">
                   <a:solidFill>
                     <a:srgbClr val="000000"/>
                   </a:solidFill>
@@ -1756,7 +1762,7 @@
             </a:ln>
             <a:extLst>
               <a:ext uri="{91240B29-F687-4f45-9708-019B960494DF}">
-                <a14:hiddenLine xmlns:a14="http://schemas.microsoft.com/office/drawing/2010/main" xmlns="" w="9525">
+                <a14:hiddenLine xmlns="" xmlns:a14="http://schemas.microsoft.com/office/drawing/2010/main" w="9525">
                   <a:solidFill>
                     <a:srgbClr val="000000"/>
                   </a:solidFill>
@@ -1846,7 +1852,7 @@
             </a:ln>
             <a:extLst>
               <a:ext uri="{91240B29-F687-4f45-9708-019B960494DF}">
-                <a14:hiddenLine xmlns:a14="http://schemas.microsoft.com/office/drawing/2010/main" xmlns="" w="9525">
+                <a14:hiddenLine xmlns="" xmlns:a14="http://schemas.microsoft.com/office/drawing/2010/main" w="9525">
                   <a:solidFill>
                     <a:srgbClr val="000000"/>
                   </a:solidFill>
@@ -1902,7 +1908,7 @@
             </a:ln>
             <a:extLst>
               <a:ext uri="{91240B29-F687-4f45-9708-019B960494DF}">
-                <a14:hiddenLine xmlns:a14="http://schemas.microsoft.com/office/drawing/2010/main" xmlns="" w="9525">
+                <a14:hiddenLine xmlns="" xmlns:a14="http://schemas.microsoft.com/office/drawing/2010/main" w="9525">
                   <a:solidFill>
                     <a:srgbClr val="000000"/>
                   </a:solidFill>
@@ -1992,7 +1998,7 @@
             </a:ln>
             <a:extLst>
               <a:ext uri="{91240B29-F687-4f45-9708-019B960494DF}">
-                <a14:hiddenLine xmlns:a14="http://schemas.microsoft.com/office/drawing/2010/main" xmlns="" w="9525">
+                <a14:hiddenLine xmlns="" xmlns:a14="http://schemas.microsoft.com/office/drawing/2010/main" w="9525">
                   <a:solidFill>
                     <a:srgbClr val="000000"/>
                   </a:solidFill>
@@ -2060,7 +2066,7 @@
             </a:ln>
             <a:extLst>
               <a:ext uri="{91240B29-F687-4f45-9708-019B960494DF}">
-                <a14:hiddenLine xmlns:a14="http://schemas.microsoft.com/office/drawing/2010/main" xmlns="" w="9525">
+                <a14:hiddenLine xmlns="" xmlns:a14="http://schemas.microsoft.com/office/drawing/2010/main" w="9525">
                   <a:solidFill>
                     <a:srgbClr val="000000"/>
                   </a:solidFill>
@@ -2150,7 +2156,7 @@
             </a:ln>
             <a:extLst>
               <a:ext uri="{91240B29-F687-4f45-9708-019B960494DF}">
-                <a14:hiddenLine xmlns:a14="http://schemas.microsoft.com/office/drawing/2010/main" xmlns="" w="9525">
+                <a14:hiddenLine xmlns="" xmlns:a14="http://schemas.microsoft.com/office/drawing/2010/main" w="9525">
                   <a:solidFill>
                     <a:srgbClr val="000000"/>
                   </a:solidFill>
@@ -2218,7 +2224,7 @@
             </a:ln>
             <a:extLst>
               <a:ext uri="{91240B29-F687-4f45-9708-019B960494DF}">
-                <a14:hiddenLine xmlns:a14="http://schemas.microsoft.com/office/drawing/2010/main" xmlns="" w="9525">
+                <a14:hiddenLine xmlns="" xmlns:a14="http://schemas.microsoft.com/office/drawing/2010/main" w="9525">
                   <a:solidFill>
                     <a:srgbClr val="000000"/>
                   </a:solidFill>
@@ -2308,7 +2314,7 @@
             </a:ln>
             <a:extLst>
               <a:ext uri="{91240B29-F687-4f45-9708-019B960494DF}">
-                <a14:hiddenLine xmlns:a14="http://schemas.microsoft.com/office/drawing/2010/main" xmlns="" w="9525">
+                <a14:hiddenLine xmlns="" xmlns:a14="http://schemas.microsoft.com/office/drawing/2010/main" w="9525">
                   <a:solidFill>
                     <a:srgbClr val="000000"/>
                   </a:solidFill>
@@ -2342,7 +2348,7 @@
             </a:ln>
             <a:extLst>
               <a:ext uri="{91240B29-F687-4f45-9708-019B960494DF}">
-                <a14:hiddenLine xmlns:a14="http://schemas.microsoft.com/office/drawing/2010/main" xmlns="" w="9525">
+                <a14:hiddenLine xmlns="" xmlns:a14="http://schemas.microsoft.com/office/drawing/2010/main" w="9525">
                   <a:solidFill>
                     <a:srgbClr val="000000"/>
                   </a:solidFill>
@@ -2432,7 +2438,7 @@
             </a:ln>
             <a:extLst>
               <a:ext uri="{91240B29-F687-4f45-9708-019B960494DF}">
-                <a14:hiddenLine xmlns:a14="http://schemas.microsoft.com/office/drawing/2010/main" xmlns="" w="9525">
+                <a14:hiddenLine xmlns="" xmlns:a14="http://schemas.microsoft.com/office/drawing/2010/main" w="9525">
                   <a:solidFill>
                     <a:srgbClr val="000000"/>
                   </a:solidFill>
@@ -2494,7 +2500,7 @@
             </a:ln>
             <a:extLst>
               <a:ext uri="{91240B29-F687-4f45-9708-019B960494DF}">
-                <a14:hiddenLine xmlns:a14="http://schemas.microsoft.com/office/drawing/2010/main" xmlns="" w="9525">
+                <a14:hiddenLine xmlns="" xmlns:a14="http://schemas.microsoft.com/office/drawing/2010/main" w="9525">
                   <a:solidFill>
                     <a:srgbClr val="000000"/>
                   </a:solidFill>
@@ -2556,7 +2562,7 @@
             </a:ln>
             <a:extLst>
               <a:ext uri="{91240B29-F687-4f45-9708-019B960494DF}">
-                <a14:hiddenLine xmlns:a14="http://schemas.microsoft.com/office/drawing/2010/main" xmlns="" w="9525">
+                <a14:hiddenLine xmlns="" xmlns:a14="http://schemas.microsoft.com/office/drawing/2010/main" w="9525">
                   <a:solidFill>
                     <a:srgbClr val="000000"/>
                   </a:solidFill>
@@ -2646,7 +2652,7 @@
             </a:ln>
             <a:extLst>
               <a:ext uri="{91240B29-F687-4f45-9708-019B960494DF}">
-                <a14:hiddenLine xmlns:a14="http://schemas.microsoft.com/office/drawing/2010/main" xmlns="" w="9525">
+                <a14:hiddenLine xmlns="" xmlns:a14="http://schemas.microsoft.com/office/drawing/2010/main" w="9525">
                   <a:solidFill>
                     <a:srgbClr val="000000"/>
                   </a:solidFill>
@@ -2714,7 +2720,7 @@
             </a:ln>
             <a:extLst>
               <a:ext uri="{91240B29-F687-4f45-9708-019B960494DF}">
-                <a14:hiddenLine xmlns:a14="http://schemas.microsoft.com/office/drawing/2010/main" xmlns="" w="9525">
+                <a14:hiddenLine xmlns="" xmlns:a14="http://schemas.microsoft.com/office/drawing/2010/main" w="9525">
                   <a:solidFill>
                     <a:srgbClr val="000000"/>
                   </a:solidFill>
@@ -2776,7 +2782,7 @@
             </a:ln>
             <a:extLst>
               <a:ext uri="{91240B29-F687-4f45-9708-019B960494DF}">
-                <a14:hiddenLine xmlns:a14="http://schemas.microsoft.com/office/drawing/2010/main" xmlns="" w="9525">
+                <a14:hiddenLine xmlns="" xmlns:a14="http://schemas.microsoft.com/office/drawing/2010/main" w="9525">
                   <a:solidFill>
                     <a:srgbClr val="000000"/>
                   </a:solidFill>
@@ -2866,7 +2872,7 @@
             </a:ln>
             <a:extLst>
               <a:ext uri="{91240B29-F687-4f45-9708-019B960494DF}">
-                <a14:hiddenLine xmlns:a14="http://schemas.microsoft.com/office/drawing/2010/main" xmlns="" w="9525">
+                <a14:hiddenLine xmlns="" xmlns:a14="http://schemas.microsoft.com/office/drawing/2010/main" w="9525">
                   <a:solidFill>
                     <a:srgbClr val="000000"/>
                   </a:solidFill>
@@ -2928,7 +2934,7 @@
             </a:ln>
             <a:extLst>
               <a:ext uri="{91240B29-F687-4f45-9708-019B960494DF}">
-                <a14:hiddenLine xmlns:a14="http://schemas.microsoft.com/office/drawing/2010/main" xmlns="" w="9525">
+                <a14:hiddenLine xmlns="" xmlns:a14="http://schemas.microsoft.com/office/drawing/2010/main" w="9525">
                   <a:solidFill>
                     <a:srgbClr val="000000"/>
                   </a:solidFill>
@@ -3018,7 +3024,7 @@
             </a:ln>
             <a:extLst>
               <a:ext uri="{91240B29-F687-4f45-9708-019B960494DF}">
-                <a14:hiddenLine xmlns:a14="http://schemas.microsoft.com/office/drawing/2010/main" xmlns="" w="9525">
+                <a14:hiddenLine xmlns="" xmlns:a14="http://schemas.microsoft.com/office/drawing/2010/main" w="9525">
                   <a:solidFill>
                     <a:srgbClr val="000000"/>
                   </a:solidFill>
@@ -3080,7 +3086,7 @@
             </a:ln>
             <a:extLst>
               <a:ext uri="{91240B29-F687-4f45-9708-019B960494DF}">
-                <a14:hiddenLine xmlns:a14="http://schemas.microsoft.com/office/drawing/2010/main" xmlns="" w="9525">
+                <a14:hiddenLine xmlns="" xmlns:a14="http://schemas.microsoft.com/office/drawing/2010/main" w="9525">
                   <a:solidFill>
                     <a:srgbClr val="000000"/>
                   </a:solidFill>
@@ -3170,7 +3176,7 @@
             </a:ln>
             <a:extLst>
               <a:ext uri="{91240B29-F687-4f45-9708-019B960494DF}">
-                <a14:hiddenLine xmlns:a14="http://schemas.microsoft.com/office/drawing/2010/main" xmlns="" w="9525">
+                <a14:hiddenLine xmlns="" xmlns:a14="http://schemas.microsoft.com/office/drawing/2010/main" w="9525">
                   <a:solidFill>
                     <a:srgbClr val="000000"/>
                   </a:solidFill>
@@ -3204,7 +3210,7 @@
             </a:ln>
             <a:extLst>
               <a:ext uri="{91240B29-F687-4f45-9708-019B960494DF}">
-                <a14:hiddenLine xmlns:a14="http://schemas.microsoft.com/office/drawing/2010/main" xmlns="" w="9525">
+                <a14:hiddenLine xmlns="" xmlns:a14="http://schemas.microsoft.com/office/drawing/2010/main" w="9525">
                   <a:solidFill>
                     <a:srgbClr val="000000"/>
                   </a:solidFill>
@@ -3269,7 +3275,7 @@
             </a:ln>
             <a:extLst>
               <a:ext uri="{91240B29-F687-4f45-9708-019B960494DF}">
-                <a14:hiddenLine xmlns:a14="http://schemas.microsoft.com/office/drawing/2010/main" xmlns="" w="9525">
+                <a14:hiddenLine xmlns="" xmlns:a14="http://schemas.microsoft.com/office/drawing/2010/main" w="9525">
                   <a:solidFill>
                     <a:srgbClr val="000000"/>
                   </a:solidFill>
@@ -3359,7 +3365,7 @@
             </a:ln>
             <a:extLst>
               <a:ext uri="{91240B29-F687-4f45-9708-019B960494DF}">
-                <a14:hiddenLine xmlns:a14="http://schemas.microsoft.com/office/drawing/2010/main" xmlns="" w="9525">
+                <a14:hiddenLine xmlns="" xmlns:a14="http://schemas.microsoft.com/office/drawing/2010/main" w="9525">
                   <a:solidFill>
                     <a:srgbClr val="000000"/>
                   </a:solidFill>
@@ -3421,7 +3427,7 @@
             </a:ln>
             <a:extLst>
               <a:ext uri="{91240B29-F687-4f45-9708-019B960494DF}">
-                <a14:hiddenLine xmlns:a14="http://schemas.microsoft.com/office/drawing/2010/main" xmlns="" w="9525">
+                <a14:hiddenLine xmlns="" xmlns:a14="http://schemas.microsoft.com/office/drawing/2010/main" w="9525">
                   <a:solidFill>
                     <a:srgbClr val="000000"/>
                   </a:solidFill>
@@ -3511,7 +3517,7 @@
             </a:ln>
             <a:extLst>
               <a:ext uri="{91240B29-F687-4f45-9708-019B960494DF}">
-                <a14:hiddenLine xmlns:a14="http://schemas.microsoft.com/office/drawing/2010/main" xmlns="" w="9525">
+                <a14:hiddenLine xmlns="" xmlns:a14="http://schemas.microsoft.com/office/drawing/2010/main" w="9525">
                   <a:solidFill>
                     <a:srgbClr val="000000"/>
                   </a:solidFill>
@@ -3601,7 +3607,7 @@
             </a:ln>
             <a:extLst>
               <a:ext uri="{91240B29-F687-4f45-9708-019B960494DF}">
-                <a14:hiddenLine xmlns:a14="http://schemas.microsoft.com/office/drawing/2010/main" xmlns="" w="9525">
+                <a14:hiddenLine xmlns="" xmlns:a14="http://schemas.microsoft.com/office/drawing/2010/main" w="9525">
                   <a:solidFill>
                     <a:srgbClr val="000000"/>
                   </a:solidFill>
@@ -3666,7 +3672,7 @@
             </a:ln>
             <a:extLst>
               <a:ext uri="{91240B29-F687-4f45-9708-019B960494DF}">
-                <a14:hiddenLine xmlns:a14="http://schemas.microsoft.com/office/drawing/2010/main" xmlns="" w="9525">
+                <a14:hiddenLine xmlns="" xmlns:a14="http://schemas.microsoft.com/office/drawing/2010/main" w="9525">
                   <a:solidFill>
                     <a:srgbClr val="000000"/>
                   </a:solidFill>
@@ -3728,7 +3734,7 @@
             </a:ln>
             <a:extLst>
               <a:ext uri="{91240B29-F687-4f45-9708-019B960494DF}">
-                <a14:hiddenLine xmlns:a14="http://schemas.microsoft.com/office/drawing/2010/main" xmlns="" w="9525">
+                <a14:hiddenLine xmlns="" xmlns:a14="http://schemas.microsoft.com/office/drawing/2010/main" w="9525">
                   <a:solidFill>
                     <a:srgbClr val="000000"/>
                   </a:solidFill>
@@ -3818,7 +3824,7 @@
             </a:ln>
             <a:extLst>
               <a:ext uri="{91240B29-F687-4f45-9708-019B960494DF}">
-                <a14:hiddenLine xmlns:a14="http://schemas.microsoft.com/office/drawing/2010/main" xmlns="" w="9525">
+                <a14:hiddenLine xmlns="" xmlns:a14="http://schemas.microsoft.com/office/drawing/2010/main" w="9525">
                   <a:solidFill>
                     <a:srgbClr val="000000"/>
                   </a:solidFill>
@@ -3908,7 +3914,7 @@
             </a:ln>
             <a:extLst>
               <a:ext uri="{91240B29-F687-4f45-9708-019B960494DF}">
-                <a14:hiddenLine xmlns:a14="http://schemas.microsoft.com/office/drawing/2010/main" xmlns="" w="9525">
+                <a14:hiddenLine xmlns="" xmlns:a14="http://schemas.microsoft.com/office/drawing/2010/main" w="9525">
                   <a:solidFill>
                     <a:srgbClr val="000000"/>
                   </a:solidFill>
@@ -3970,7 +3976,7 @@
             </a:ln>
             <a:extLst>
               <a:ext uri="{91240B29-F687-4f45-9708-019B960494DF}">
-                <a14:hiddenLine xmlns:a14="http://schemas.microsoft.com/office/drawing/2010/main" xmlns="" w="9525">
+                <a14:hiddenLine xmlns="" xmlns:a14="http://schemas.microsoft.com/office/drawing/2010/main" w="9525">
                   <a:solidFill>
                     <a:srgbClr val="000000"/>
                   </a:solidFill>
@@ -4090,7 +4096,7 @@
             </a:ln>
             <a:extLst>
               <a:ext uri="{91240B29-F687-4f45-9708-019B960494DF}">
-                <a14:hiddenLine xmlns:a14="http://schemas.microsoft.com/office/drawing/2010/main" xmlns="" w="9525">
+                <a14:hiddenLine xmlns="" xmlns:a14="http://schemas.microsoft.com/office/drawing/2010/main" w="9525">
                   <a:solidFill>
                     <a:srgbClr val="000000"/>
                   </a:solidFill>
@@ -4158,7 +4164,7 @@
             </a:ln>
             <a:extLst>
               <a:ext uri="{91240B29-F687-4f45-9708-019B960494DF}">
-                <a14:hiddenLine xmlns:a14="http://schemas.microsoft.com/office/drawing/2010/main" xmlns="" w="9525">
+                <a14:hiddenLine xmlns="" xmlns:a14="http://schemas.microsoft.com/office/drawing/2010/main" w="9525">
                   <a:solidFill>
                     <a:srgbClr val="000000"/>
                   </a:solidFill>
@@ -4248,7 +4254,7 @@
             </a:ln>
             <a:extLst>
               <a:ext uri="{91240B29-F687-4f45-9708-019B960494DF}">
-                <a14:hiddenLine xmlns:a14="http://schemas.microsoft.com/office/drawing/2010/main" xmlns="" w="9525">
+                <a14:hiddenLine xmlns="" xmlns:a14="http://schemas.microsoft.com/office/drawing/2010/main" w="9525">
                   <a:solidFill>
                     <a:srgbClr val="000000"/>
                   </a:solidFill>
@@ -4388,7 +4394,7 @@
           <a:p>
             <a:fld id="{48A87A34-81AB-432B-8DAE-1953F412C126}" type="datetimeFigureOut">
               <a:rPr lang="en-US" dirty="0"/>
-              <a:t>11/26/2019</a:t>
+              <a:t>11/27/2019</a:t>
             </a:fld>
             <a:endParaRPr lang="en-US" dirty="0"/>
           </a:p>
@@ -4650,7 +4656,7 @@
           <a:p>
             <a:fld id="{48A87A34-81AB-432B-8DAE-1953F412C126}" type="datetimeFigureOut">
               <a:rPr lang="en-US" dirty="0"/>
-              <a:t>11/26/2019</a:t>
+              <a:t>11/27/2019</a:t>
             </a:fld>
             <a:endParaRPr lang="en-US" dirty="0"/>
           </a:p>
@@ -4841,7 +4847,7 @@
           <a:p>
             <a:fld id="{48A87A34-81AB-432B-8DAE-1953F412C126}" type="datetimeFigureOut">
               <a:rPr lang="en-US" dirty="0"/>
-              <a:t>11/26/2019</a:t>
+              <a:t>11/27/2019</a:t>
             </a:fld>
             <a:endParaRPr lang="en-US" dirty="0"/>
           </a:p>
@@ -5099,7 +5105,7 @@
           <a:p>
             <a:fld id="{48A87A34-81AB-432B-8DAE-1953F412C126}" type="datetimeFigureOut">
               <a:rPr lang="en-US" dirty="0"/>
-              <a:t>11/26/2019</a:t>
+              <a:t>11/27/2019</a:t>
             </a:fld>
             <a:endParaRPr lang="en-US" dirty="0"/>
           </a:p>
@@ -5528,7 +5534,7 @@
           <a:p>
             <a:fld id="{48A87A34-81AB-432B-8DAE-1953F412C126}" type="datetimeFigureOut">
               <a:rPr lang="en-US" dirty="0"/>
-              <a:t>11/26/2019</a:t>
+              <a:t>11/27/2019</a:t>
             </a:fld>
             <a:endParaRPr lang="en-US" dirty="0"/>
           </a:p>
@@ -6069,7 +6075,7 @@
           <a:p>
             <a:fld id="{48A87A34-81AB-432B-8DAE-1953F412C126}" type="datetimeFigureOut">
               <a:rPr lang="en-US" dirty="0"/>
-              <a:t>11/26/2019</a:t>
+              <a:t>11/27/2019</a:t>
             </a:fld>
             <a:endParaRPr lang="en-US" dirty="0"/>
           </a:p>
@@ -6784,7 +6790,7 @@
           <a:p>
             <a:fld id="{48A87A34-81AB-432B-8DAE-1953F412C126}" type="datetimeFigureOut">
               <a:rPr lang="en-US" dirty="0"/>
-              <a:t>11/26/2019</a:t>
+              <a:t>11/27/2019</a:t>
             </a:fld>
             <a:endParaRPr lang="en-US" dirty="0"/>
           </a:p>
@@ -6949,7 +6955,7 @@
           <a:p>
             <a:fld id="{48A87A34-81AB-432B-8DAE-1953F412C126}" type="datetimeFigureOut">
               <a:rPr lang="en-US" dirty="0"/>
-              <a:t>11/26/2019</a:t>
+              <a:t>11/27/2019</a:t>
             </a:fld>
             <a:endParaRPr lang="en-US" dirty="0"/>
           </a:p>
@@ -7124,7 +7130,7 @@
           <a:p>
             <a:fld id="{48A87A34-81AB-432B-8DAE-1953F412C126}" type="datetimeFigureOut">
               <a:rPr lang="en-US" dirty="0"/>
-              <a:t>11/26/2019</a:t>
+              <a:t>11/27/2019</a:t>
             </a:fld>
             <a:endParaRPr lang="en-US" dirty="0"/>
           </a:p>
@@ -7289,7 +7295,7 @@
           <a:p>
             <a:fld id="{48A87A34-81AB-432B-8DAE-1953F412C126}" type="datetimeFigureOut">
               <a:rPr lang="en-US" dirty="0"/>
-              <a:t>11/26/2019</a:t>
+              <a:t>11/27/2019</a:t>
             </a:fld>
             <a:endParaRPr lang="en-US" dirty="0"/>
           </a:p>
@@ -7534,7 +7540,7 @@
           <a:p>
             <a:fld id="{48A87A34-81AB-432B-8DAE-1953F412C126}" type="datetimeFigureOut">
               <a:rPr lang="en-US" dirty="0"/>
-              <a:t>11/26/2019</a:t>
+              <a:t>11/27/2019</a:t>
             </a:fld>
             <a:endParaRPr lang="en-US" dirty="0"/>
           </a:p>
@@ -7761,7 +7767,7 @@
           <a:p>
             <a:fld id="{48A87A34-81AB-432B-8DAE-1953F412C126}" type="datetimeFigureOut">
               <a:rPr lang="en-US" dirty="0"/>
-              <a:t>11/26/2019</a:t>
+              <a:t>11/27/2019</a:t>
             </a:fld>
             <a:endParaRPr lang="en-US" dirty="0"/>
           </a:p>
@@ -8137,7 +8143,7 @@
           <a:p>
             <a:fld id="{48A87A34-81AB-432B-8DAE-1953F412C126}" type="datetimeFigureOut">
               <a:rPr lang="en-US" dirty="0"/>
-              <a:t>11/26/2019</a:t>
+              <a:t>11/27/2019</a:t>
             </a:fld>
             <a:endParaRPr lang="en-US" dirty="0"/>
           </a:p>
@@ -8250,7 +8256,7 @@
           <a:p>
             <a:fld id="{48A87A34-81AB-432B-8DAE-1953F412C126}" type="datetimeFigureOut">
               <a:rPr lang="en-US" dirty="0"/>
-              <a:t>11/26/2019</a:t>
+              <a:t>11/27/2019</a:t>
             </a:fld>
             <a:endParaRPr lang="en-US" dirty="0"/>
           </a:p>
@@ -8340,7 +8346,7 @@
           <a:p>
             <a:fld id="{48A87A34-81AB-432B-8DAE-1953F412C126}" type="datetimeFigureOut">
               <a:rPr lang="en-US" dirty="0"/>
-              <a:t>11/26/2019</a:t>
+              <a:t>11/27/2019</a:t>
             </a:fld>
             <a:endParaRPr lang="en-US" dirty="0"/>
           </a:p>
@@ -8584,7 +8590,7 @@
           <a:p>
             <a:fld id="{48A87A34-81AB-432B-8DAE-1953F412C126}" type="datetimeFigureOut">
               <a:rPr lang="en-US" dirty="0"/>
-              <a:t>11/26/2019</a:t>
+              <a:t>11/27/2019</a:t>
             </a:fld>
             <a:endParaRPr lang="en-US" dirty="0"/>
           </a:p>
@@ -8859,7 +8865,7 @@
           <a:p>
             <a:fld id="{48A87A34-81AB-432B-8DAE-1953F412C126}" type="datetimeFigureOut">
               <a:rPr lang="en-US" dirty="0"/>
-              <a:t>11/26/2019</a:t>
+              <a:t>11/27/2019</a:t>
             </a:fld>
             <a:endParaRPr lang="en-US" dirty="0"/>
           </a:p>
@@ -8970,7 +8976,7 @@
           <a:noFill/>
           <a:extLst>
             <a:ext uri="{909E8E84-426E-40dd-AFC4-6F175D3DCCD1}">
-              <a14:hiddenFill xmlns:a14="http://schemas.microsoft.com/office/drawing/2010/main" xmlns="">
+              <a14:hiddenFill xmlns="" xmlns:a14="http://schemas.microsoft.com/office/drawing/2010/main">
                 <a:solidFill>
                   <a:srgbClr val="FFFFFF"/>
                 </a:solidFill>
@@ -9044,7 +9050,7 @@
               </a:ln>
               <a:extLst>
                 <a:ext uri="{91240B29-F687-4f45-9708-019B960494DF}">
-                  <a14:hiddenLine xmlns:a14="http://schemas.microsoft.com/office/drawing/2010/main" xmlns="" w="9525">
+                  <a14:hiddenLine xmlns="" xmlns:a14="http://schemas.microsoft.com/office/drawing/2010/main" w="9525">
                     <a:solidFill>
                       <a:srgbClr val="000000"/>
                     </a:solidFill>
@@ -9134,7 +9140,7 @@
               </a:ln>
               <a:extLst>
                 <a:ext uri="{91240B29-F687-4f45-9708-019B960494DF}">
-                  <a14:hiddenLine xmlns:a14="http://schemas.microsoft.com/office/drawing/2010/main" xmlns="" w="9525">
+                  <a14:hiddenLine xmlns="" xmlns:a14="http://schemas.microsoft.com/office/drawing/2010/main" w="9525">
                     <a:solidFill>
                       <a:srgbClr val="000000"/>
                     </a:solidFill>
@@ -9224,7 +9230,7 @@
               </a:ln>
               <a:extLst>
                 <a:ext uri="{91240B29-F687-4f45-9708-019B960494DF}">
-                  <a14:hiddenLine xmlns:a14="http://schemas.microsoft.com/office/drawing/2010/main" xmlns="" w="9525">
+                  <a14:hiddenLine xmlns="" xmlns:a14="http://schemas.microsoft.com/office/drawing/2010/main" w="9525">
                     <a:solidFill>
                       <a:srgbClr val="000000"/>
                     </a:solidFill>
@@ -9286,7 +9292,7 @@
               </a:ln>
               <a:extLst>
                 <a:ext uri="{91240B29-F687-4f45-9708-019B960494DF}">
-                  <a14:hiddenLine xmlns:a14="http://schemas.microsoft.com/office/drawing/2010/main" xmlns="" w="9525">
+                  <a14:hiddenLine xmlns="" xmlns:a14="http://schemas.microsoft.com/office/drawing/2010/main" w="9525">
                     <a:solidFill>
                       <a:srgbClr val="000000"/>
                     </a:solidFill>
@@ -9376,7 +9382,7 @@
               </a:ln>
               <a:extLst>
                 <a:ext uri="{91240B29-F687-4f45-9708-019B960494DF}">
-                  <a14:hiddenLine xmlns:a14="http://schemas.microsoft.com/office/drawing/2010/main" xmlns="" w="9525">
+                  <a14:hiddenLine xmlns="" xmlns:a14="http://schemas.microsoft.com/office/drawing/2010/main" w="9525">
                     <a:solidFill>
                       <a:srgbClr val="000000"/>
                     </a:solidFill>
@@ -9438,7 +9444,7 @@
               </a:ln>
               <a:extLst>
                 <a:ext uri="{91240B29-F687-4f45-9708-019B960494DF}">
-                  <a14:hiddenLine xmlns:a14="http://schemas.microsoft.com/office/drawing/2010/main" xmlns="" w="9525">
+                  <a14:hiddenLine xmlns="" xmlns:a14="http://schemas.microsoft.com/office/drawing/2010/main" w="9525">
                     <a:solidFill>
                       <a:srgbClr val="000000"/>
                     </a:solidFill>
@@ -9500,7 +9506,7 @@
               </a:ln>
               <a:extLst>
                 <a:ext uri="{91240B29-F687-4f45-9708-019B960494DF}">
-                  <a14:hiddenLine xmlns:a14="http://schemas.microsoft.com/office/drawing/2010/main" xmlns="" w="9525">
+                  <a14:hiddenLine xmlns="" xmlns:a14="http://schemas.microsoft.com/office/drawing/2010/main" w="9525">
                     <a:solidFill>
                       <a:srgbClr val="000000"/>
                     </a:solidFill>
@@ -9590,7 +9596,7 @@
               </a:ln>
               <a:extLst>
                 <a:ext uri="{91240B29-F687-4f45-9708-019B960494DF}">
-                  <a14:hiddenLine xmlns:a14="http://schemas.microsoft.com/office/drawing/2010/main" xmlns="" w="9525">
+                  <a14:hiddenLine xmlns="" xmlns:a14="http://schemas.microsoft.com/office/drawing/2010/main" w="9525">
                     <a:solidFill>
                       <a:srgbClr val="000000"/>
                     </a:solidFill>
@@ -9680,7 +9686,7 @@
               </a:ln>
               <a:extLst>
                 <a:ext uri="{91240B29-F687-4f45-9708-019B960494DF}">
-                  <a14:hiddenLine xmlns:a14="http://schemas.microsoft.com/office/drawing/2010/main" xmlns="" w="9525">
+                  <a14:hiddenLine xmlns="" xmlns:a14="http://schemas.microsoft.com/office/drawing/2010/main" w="9525">
                     <a:solidFill>
                       <a:srgbClr val="000000"/>
                     </a:solidFill>
@@ -9742,7 +9748,7 @@
               </a:ln>
               <a:extLst>
                 <a:ext uri="{91240B29-F687-4f45-9708-019B960494DF}">
-                  <a14:hiddenLine xmlns:a14="http://schemas.microsoft.com/office/drawing/2010/main" xmlns="" w="9525">
+                  <a14:hiddenLine xmlns="" xmlns:a14="http://schemas.microsoft.com/office/drawing/2010/main" w="9525">
                     <a:solidFill>
                       <a:srgbClr val="000000"/>
                     </a:solidFill>
@@ -9852,7 +9858,7 @@
               </a:ln>
               <a:extLst>
                 <a:ext uri="{91240B29-F687-4f45-9708-019B960494DF}">
-                  <a14:hiddenLine xmlns:a14="http://schemas.microsoft.com/office/drawing/2010/main" xmlns="" w="9525">
+                  <a14:hiddenLine xmlns="" xmlns:a14="http://schemas.microsoft.com/office/drawing/2010/main" w="9525">
                     <a:solidFill>
                       <a:srgbClr val="000000"/>
                     </a:solidFill>
@@ -9936,7 +9942,7 @@
               </a:ln>
               <a:extLst>
                 <a:ext uri="{91240B29-F687-4f45-9708-019B960494DF}">
-                  <a14:hiddenLine xmlns:a14="http://schemas.microsoft.com/office/drawing/2010/main" xmlns="" w="9525">
+                  <a14:hiddenLine xmlns="" xmlns:a14="http://schemas.microsoft.com/office/drawing/2010/main" w="9525">
                     <a:solidFill>
                       <a:srgbClr val="000000"/>
                     </a:solidFill>
@@ -9998,7 +10004,7 @@
               </a:ln>
               <a:extLst>
                 <a:ext uri="{91240B29-F687-4f45-9708-019B960494DF}">
-                  <a14:hiddenLine xmlns:a14="http://schemas.microsoft.com/office/drawing/2010/main" xmlns="" w="9525">
+                  <a14:hiddenLine xmlns="" xmlns:a14="http://schemas.microsoft.com/office/drawing/2010/main" w="9525">
                     <a:solidFill>
                       <a:srgbClr val="000000"/>
                     </a:solidFill>
@@ -10060,7 +10066,7 @@
               </a:ln>
               <a:extLst>
                 <a:ext uri="{91240B29-F687-4f45-9708-019B960494DF}">
-                  <a14:hiddenLine xmlns:a14="http://schemas.microsoft.com/office/drawing/2010/main" xmlns="" w="9525">
+                  <a14:hiddenLine xmlns="" xmlns:a14="http://schemas.microsoft.com/office/drawing/2010/main" w="9525">
                     <a:solidFill>
                       <a:srgbClr val="000000"/>
                     </a:solidFill>
@@ -10150,7 +10156,7 @@
               </a:ln>
               <a:extLst>
                 <a:ext uri="{91240B29-F687-4f45-9708-019B960494DF}">
-                  <a14:hiddenLine xmlns:a14="http://schemas.microsoft.com/office/drawing/2010/main" xmlns="" w="9525">
+                  <a14:hiddenLine xmlns="" xmlns:a14="http://schemas.microsoft.com/office/drawing/2010/main" w="9525">
                     <a:solidFill>
                       <a:srgbClr val="000000"/>
                     </a:solidFill>
@@ -10184,7 +10190,7 @@
               </a:ln>
               <a:extLst>
                 <a:ext uri="{91240B29-F687-4f45-9708-019B960494DF}">
-                  <a14:hiddenLine xmlns:a14="http://schemas.microsoft.com/office/drawing/2010/main" xmlns="" w="9525">
+                  <a14:hiddenLine xmlns="" xmlns:a14="http://schemas.microsoft.com/office/drawing/2010/main" w="9525">
                     <a:solidFill>
                       <a:srgbClr val="000000"/>
                     </a:solidFill>
@@ -10249,7 +10255,7 @@
               </a:ln>
               <a:extLst>
                 <a:ext uri="{91240B29-F687-4f45-9708-019B960494DF}">
-                  <a14:hiddenLine xmlns:a14="http://schemas.microsoft.com/office/drawing/2010/main" xmlns="" w="9525">
+                  <a14:hiddenLine xmlns="" xmlns:a14="http://schemas.microsoft.com/office/drawing/2010/main" w="9525">
                     <a:solidFill>
                       <a:srgbClr val="000000"/>
                     </a:solidFill>
@@ -10339,7 +10345,7 @@
               </a:ln>
               <a:extLst>
                 <a:ext uri="{91240B29-F687-4f45-9708-019B960494DF}">
-                  <a14:hiddenLine xmlns:a14="http://schemas.microsoft.com/office/drawing/2010/main" xmlns="" w="9525">
+                  <a14:hiddenLine xmlns="" xmlns:a14="http://schemas.microsoft.com/office/drawing/2010/main" w="9525">
                     <a:solidFill>
                       <a:srgbClr val="000000"/>
                     </a:solidFill>
@@ -10401,7 +10407,7 @@
               </a:ln>
               <a:extLst>
                 <a:ext uri="{91240B29-F687-4f45-9708-019B960494DF}">
-                  <a14:hiddenLine xmlns:a14="http://schemas.microsoft.com/office/drawing/2010/main" xmlns="" w="9525">
+                  <a14:hiddenLine xmlns="" xmlns:a14="http://schemas.microsoft.com/office/drawing/2010/main" w="9525">
                     <a:solidFill>
                       <a:srgbClr val="000000"/>
                     </a:solidFill>
@@ -10491,7 +10497,7 @@
               </a:ln>
               <a:extLst>
                 <a:ext uri="{91240B29-F687-4f45-9708-019B960494DF}">
-                  <a14:hiddenLine xmlns:a14="http://schemas.microsoft.com/office/drawing/2010/main" xmlns="" w="9525">
+                  <a14:hiddenLine xmlns="" xmlns:a14="http://schemas.microsoft.com/office/drawing/2010/main" w="9525">
                     <a:solidFill>
                       <a:srgbClr val="000000"/>
                     </a:solidFill>
@@ -10556,7 +10562,7 @@
               </a:ln>
               <a:extLst>
                 <a:ext uri="{91240B29-F687-4f45-9708-019B960494DF}">
-                  <a14:hiddenLine xmlns:a14="http://schemas.microsoft.com/office/drawing/2010/main" xmlns="" w="9525">
+                  <a14:hiddenLine xmlns="" xmlns:a14="http://schemas.microsoft.com/office/drawing/2010/main" w="9525">
                     <a:solidFill>
                       <a:srgbClr val="000000"/>
                     </a:solidFill>
@@ -10618,7 +10624,7 @@
               </a:ln>
               <a:extLst>
                 <a:ext uri="{91240B29-F687-4f45-9708-019B960494DF}">
-                  <a14:hiddenLine xmlns:a14="http://schemas.microsoft.com/office/drawing/2010/main" xmlns="" w="9525">
+                  <a14:hiddenLine xmlns="" xmlns:a14="http://schemas.microsoft.com/office/drawing/2010/main" w="9525">
                     <a:solidFill>
                       <a:srgbClr val="000000"/>
                     </a:solidFill>
@@ -10708,7 +10714,7 @@
               </a:ln>
               <a:extLst>
                 <a:ext uri="{91240B29-F687-4f45-9708-019B960494DF}">
-                  <a14:hiddenLine xmlns:a14="http://schemas.microsoft.com/office/drawing/2010/main" xmlns="" w="9525">
+                  <a14:hiddenLine xmlns="" xmlns:a14="http://schemas.microsoft.com/office/drawing/2010/main" w="9525">
                     <a:solidFill>
                       <a:srgbClr val="000000"/>
                     </a:solidFill>
@@ -10798,7 +10804,7 @@
               </a:ln>
               <a:extLst>
                 <a:ext uri="{91240B29-F687-4f45-9708-019B960494DF}">
-                  <a14:hiddenLine xmlns:a14="http://schemas.microsoft.com/office/drawing/2010/main" xmlns="" w="9525">
+                  <a14:hiddenLine xmlns="" xmlns:a14="http://schemas.microsoft.com/office/drawing/2010/main" w="9525">
                     <a:solidFill>
                       <a:srgbClr val="000000"/>
                     </a:solidFill>
@@ -10863,7 +10869,7 @@
               </a:ln>
               <a:extLst>
                 <a:ext uri="{91240B29-F687-4f45-9708-019B960494DF}">
-                  <a14:hiddenLine xmlns:a14="http://schemas.microsoft.com/office/drawing/2010/main" xmlns="" w="9525">
+                  <a14:hiddenLine xmlns="" xmlns:a14="http://schemas.microsoft.com/office/drawing/2010/main" w="9525">
                     <a:solidFill>
                       <a:srgbClr val="000000"/>
                     </a:solidFill>
@@ -10983,7 +10989,7 @@
               </a:ln>
               <a:extLst>
                 <a:ext uri="{91240B29-F687-4f45-9708-019B960494DF}">
-                  <a14:hiddenLine xmlns:a14="http://schemas.microsoft.com/office/drawing/2010/main" xmlns="" w="9525">
+                  <a14:hiddenLine xmlns="" xmlns:a14="http://schemas.microsoft.com/office/drawing/2010/main" w="9525">
                     <a:solidFill>
                       <a:srgbClr val="000000"/>
                     </a:solidFill>
@@ -11081,7 +11087,7 @@
               </a:ln>
               <a:extLst>
                 <a:ext uri="{91240B29-F687-4f45-9708-019B960494DF}">
-                  <a14:hiddenLine xmlns:a14="http://schemas.microsoft.com/office/drawing/2010/main" xmlns="" w="9525">
+                  <a14:hiddenLine xmlns="" xmlns:a14="http://schemas.microsoft.com/office/drawing/2010/main" w="9525">
                     <a:solidFill>
                       <a:srgbClr val="000000"/>
                     </a:solidFill>
@@ -11196,7 +11202,7 @@
               </a:ln>
               <a:extLst>
                 <a:ext uri="{91240B29-F687-4f45-9708-019B960494DF}">
-                  <a14:hiddenLine xmlns:a14="http://schemas.microsoft.com/office/drawing/2010/main" xmlns="" w="9525">
+                  <a14:hiddenLine xmlns="" xmlns:a14="http://schemas.microsoft.com/office/drawing/2010/main" w="9525">
                     <a:solidFill>
                       <a:srgbClr val="000000"/>
                     </a:solidFill>
@@ -11286,7 +11292,7 @@
               </a:ln>
               <a:extLst>
                 <a:ext uri="{91240B29-F687-4f45-9708-019B960494DF}">
-                  <a14:hiddenLine xmlns:a14="http://schemas.microsoft.com/office/drawing/2010/main" xmlns="" w="9525">
+                  <a14:hiddenLine xmlns="" xmlns:a14="http://schemas.microsoft.com/office/drawing/2010/main" w="9525">
                     <a:solidFill>
                       <a:srgbClr val="000000"/>
                     </a:solidFill>
@@ -11351,7 +11357,7 @@
               </a:ln>
               <a:extLst>
                 <a:ext uri="{91240B29-F687-4f45-9708-019B960494DF}">
-                  <a14:hiddenLine xmlns:a14="http://schemas.microsoft.com/office/drawing/2010/main" xmlns="" w="9525">
+                  <a14:hiddenLine xmlns="" xmlns:a14="http://schemas.microsoft.com/office/drawing/2010/main" w="9525">
                     <a:solidFill>
                       <a:srgbClr val="000000"/>
                     </a:solidFill>
@@ -11441,7 +11447,7 @@
               </a:ln>
               <a:extLst>
                 <a:ext uri="{91240B29-F687-4f45-9708-019B960494DF}">
-                  <a14:hiddenLine xmlns:a14="http://schemas.microsoft.com/office/drawing/2010/main" xmlns="" w="9525">
+                  <a14:hiddenLine xmlns="" xmlns:a14="http://schemas.microsoft.com/office/drawing/2010/main" w="9525">
                     <a:solidFill>
                       <a:srgbClr val="000000"/>
                     </a:solidFill>
@@ -11509,7 +11515,7 @@
               </a:ln>
               <a:extLst>
                 <a:ext uri="{91240B29-F687-4f45-9708-019B960494DF}">
-                  <a14:hiddenLine xmlns:a14="http://schemas.microsoft.com/office/drawing/2010/main" xmlns="" w="9525">
+                  <a14:hiddenLine xmlns="" xmlns:a14="http://schemas.microsoft.com/office/drawing/2010/main" w="9525">
                     <a:solidFill>
                       <a:srgbClr val="000000"/>
                     </a:solidFill>
@@ -11599,7 +11605,7 @@
               </a:ln>
               <a:extLst>
                 <a:ext uri="{91240B29-F687-4f45-9708-019B960494DF}">
-                  <a14:hiddenLine xmlns:a14="http://schemas.microsoft.com/office/drawing/2010/main" xmlns="" w="9525">
+                  <a14:hiddenLine xmlns="" xmlns:a14="http://schemas.microsoft.com/office/drawing/2010/main" w="9525">
                     <a:solidFill>
                       <a:srgbClr val="000000"/>
                     </a:solidFill>
@@ -11667,7 +11673,7 @@
               </a:ln>
               <a:extLst>
                 <a:ext uri="{91240B29-F687-4f45-9708-019B960494DF}">
-                  <a14:hiddenLine xmlns:a14="http://schemas.microsoft.com/office/drawing/2010/main" xmlns="" w="9525">
+                  <a14:hiddenLine xmlns="" xmlns:a14="http://schemas.microsoft.com/office/drawing/2010/main" w="9525">
                     <a:solidFill>
                       <a:srgbClr val="000000"/>
                     </a:solidFill>
@@ -11757,7 +11763,7 @@
               </a:ln>
               <a:extLst>
                 <a:ext uri="{91240B29-F687-4f45-9708-019B960494DF}">
-                  <a14:hiddenLine xmlns:a14="http://schemas.microsoft.com/office/drawing/2010/main" xmlns="" w="9525">
+                  <a14:hiddenLine xmlns="" xmlns:a14="http://schemas.microsoft.com/office/drawing/2010/main" w="9525">
                     <a:solidFill>
                       <a:srgbClr val="000000"/>
                     </a:solidFill>
@@ -11791,7 +11797,7 @@
               </a:ln>
               <a:extLst>
                 <a:ext uri="{91240B29-F687-4f45-9708-019B960494DF}">
-                  <a14:hiddenLine xmlns:a14="http://schemas.microsoft.com/office/drawing/2010/main" xmlns="" w="9525">
+                  <a14:hiddenLine xmlns="" xmlns:a14="http://schemas.microsoft.com/office/drawing/2010/main" w="9525">
                     <a:solidFill>
                       <a:srgbClr val="000000"/>
                     </a:solidFill>
@@ -11932,7 +11938,7 @@
             <a:fld id="{48A87A34-81AB-432B-8DAE-1953F412C126}" type="datetimeFigureOut">
               <a:rPr lang="en-US" dirty="0"/>
               <a:pPr/>
-              <a:t>11/26/2019</a:t>
+              <a:t>11/27/2019</a:t>
             </a:fld>
             <a:endParaRPr lang="en-US" dirty="0"/>
           </a:p>
@@ -12501,7 +12507,7 @@
         </p:spPr>
         <p:txBody>
           <a:bodyPr>
-            <a:normAutofit fontScale="92500" lnSpcReduction="10000"/>
+            <a:normAutofit fontScale="92500" lnSpcReduction="20000"/>
           </a:bodyPr>
           <a:lstStyle/>
           <a:p>
@@ -12888,6 +12894,96 @@
       </p:grpSpPr>
       <p:sp>
         <p:nvSpPr>
+          <p:cNvPr id="3" name="Espaço Reservado para Conteúdo 2"/>
+          <p:cNvSpPr>
+            <a:spLocks noGrp="1"/>
+          </p:cNvSpPr>
+          <p:nvPr>
+            <p:ph idx="1"/>
+          </p:nvPr>
+        </p:nvSpPr>
+        <p:spPr>
+          <a:xfrm>
+            <a:off x="1141412" y="391886"/>
+            <a:ext cx="9905999" cy="5399315"/>
+          </a:xfrm>
+        </p:spPr>
+        <p:txBody>
+          <a:bodyPr/>
+          <a:lstStyle/>
+          <a:p>
+            <a:r>
+              <a:rPr lang="pt-BR" dirty="0" smtClean="0"/>
+              <a:t>Para o desenvolvimento do sistema foi entrevistado um funcionário da empresa que tem acesso a todas as etapas de funcionamento da empresa.</a:t>
+            </a:r>
+          </a:p>
+          <a:p>
+            <a:r>
+              <a:rPr lang="pt-BR" dirty="0" smtClean="0"/>
+              <a:t>Com base nessa entrevista foram feitas as historias de usuário, casos de uso, requisitos funcionais e não funcionais.</a:t>
+            </a:r>
+          </a:p>
+          <a:p>
+            <a:r>
+              <a:rPr lang="pt-BR" dirty="0" smtClean="0"/>
+              <a:t>Foi definido que o sistema seria desenvolvido na linguagem C# utilizando o </a:t>
+            </a:r>
+            <a:r>
+              <a:rPr lang="pt-BR" dirty="0" err="1" smtClean="0"/>
+              <a:t>.net</a:t>
+            </a:r>
+            <a:r>
+              <a:rPr lang="pt-BR" dirty="0" smtClean="0"/>
+              <a:t> Framework 4.8 e o padrão MVC (ASP .NET MVC 5).</a:t>
+            </a:r>
+          </a:p>
+          <a:p>
+            <a:r>
+              <a:rPr lang="pt-BR" dirty="0" smtClean="0"/>
+              <a:t>Com esses dados foi desenvolvido um fluxograma com todos os módulos do produto e suas classes. </a:t>
+            </a:r>
+          </a:p>
+          <a:p>
+            <a:r>
+              <a:rPr lang="pt-BR" dirty="0" smtClean="0"/>
+              <a:t>O sistema final contempla todos os módulos e usabilidades citados porem ainda ele ainda pode ter outras funcionalidades que não serão incluídas nessa versão.</a:t>
+            </a:r>
+            <a:endParaRPr lang="pt-BR" dirty="0"/>
+          </a:p>
+        </p:txBody>
+      </p:sp>
+    </p:spTree>
+    <p:extLst>
+      <p:ext uri="{BB962C8B-B14F-4D97-AF65-F5344CB8AC3E}">
+        <p14:creationId xmlns:p14="http://schemas.microsoft.com/office/powerpoint/2010/main" val="3015381960"/>
+      </p:ext>
+    </p:extLst>
+  </p:cSld>
+  <p:clrMapOvr>
+    <a:masterClrMapping/>
+  </p:clrMapOvr>
+</p:sld>
+</file>
+
+<file path=ppt/slides/slide7.xml><?xml version="1.0" encoding="utf-8"?>
+<p:sld xmlns:a="http://schemas.openxmlformats.org/drawingml/2006/main" xmlns:r="http://schemas.openxmlformats.org/officeDocument/2006/relationships" xmlns:p="http://schemas.openxmlformats.org/presentationml/2006/main">
+  <p:cSld>
+    <p:spTree>
+      <p:nvGrpSpPr>
+        <p:cNvPr id="1" name=""/>
+        <p:cNvGrpSpPr/>
+        <p:nvPr/>
+      </p:nvGrpSpPr>
+      <p:grpSpPr>
+        <a:xfrm>
+          <a:off x="0" y="0"/>
+          <a:ext cx="0" cy="0"/>
+          <a:chOff x="0" y="0"/>
+          <a:chExt cx="0" cy="0"/>
+        </a:xfrm>
+      </p:grpSpPr>
+      <p:sp>
+        <p:nvSpPr>
           <p:cNvPr id="2" name="Título 1">
             <a:extLst>
               <a:ext uri="{FF2B5EF4-FFF2-40B4-BE49-F238E27FC236}">
@@ -12908,9 +13004,10 @@
           <a:lstStyle/>
           <a:p>
             <a:r>
-              <a:rPr lang="pt-BR" dirty="0"/>
-              <a:t>sistema</a:t>
+              <a:rPr lang="pt-BR" dirty="0" smtClean="0"/>
+              <a:t>O sistema</a:t>
             </a:r>
+            <a:endParaRPr lang="pt-BR" dirty="0"/>
           </a:p>
         </p:txBody>
       </p:sp>

--- a/GerenciamentoBovinos/Documentação/Apresentação/SISTEMA DE GERENCIAMENTO DE BOVINOS.pptx
+++ b/GerenciamentoBovinos/Documentação/Apresentação/SISTEMA DE GERENCIAMENTO DE BOVINOS.pptx
@@ -12,6 +12,21 @@
     <p:sldId id="258" r:id="rId6"/>
     <p:sldId id="262" r:id="rId7"/>
     <p:sldId id="259" r:id="rId8"/>
+    <p:sldId id="263" r:id="rId9"/>
+    <p:sldId id="264" r:id="rId10"/>
+    <p:sldId id="265" r:id="rId11"/>
+    <p:sldId id="266" r:id="rId12"/>
+    <p:sldId id="267" r:id="rId13"/>
+    <p:sldId id="268" r:id="rId14"/>
+    <p:sldId id="269" r:id="rId15"/>
+    <p:sldId id="270" r:id="rId16"/>
+    <p:sldId id="271" r:id="rId17"/>
+    <p:sldId id="272" r:id="rId18"/>
+    <p:sldId id="273" r:id="rId19"/>
+    <p:sldId id="274" r:id="rId20"/>
+    <p:sldId id="275" r:id="rId21"/>
+    <p:sldId id="276" r:id="rId22"/>
+    <p:sldId id="277" r:id="rId23"/>
   </p:sldIdLst>
   <p:sldSz cx="12192000" cy="6858000"/>
   <p:notesSz cx="6858000" cy="9144000"/>
@@ -12427,6 +12442,1112 @@
 </p:sld>
 </file>
 
+<file path=ppt/slides/slide10.xml><?xml version="1.0" encoding="utf-8"?>
+<p:sld xmlns:a="http://schemas.openxmlformats.org/drawingml/2006/main" xmlns:r="http://schemas.openxmlformats.org/officeDocument/2006/relationships" xmlns:p="http://schemas.openxmlformats.org/presentationml/2006/main">
+  <p:cSld>
+    <p:spTree>
+      <p:nvGrpSpPr>
+        <p:cNvPr id="1" name=""/>
+        <p:cNvGrpSpPr/>
+        <p:nvPr/>
+      </p:nvGrpSpPr>
+      <p:grpSpPr>
+        <a:xfrm>
+          <a:off x="0" y="0"/>
+          <a:ext cx="0" cy="0"/>
+          <a:chOff x="0" y="0"/>
+          <a:chExt cx="0" cy="0"/>
+        </a:xfrm>
+      </p:grpSpPr>
+      <p:sp>
+        <p:nvSpPr>
+          <p:cNvPr id="3" name="Espaço Reservado para Conteúdo 2"/>
+          <p:cNvSpPr>
+            <a:spLocks noGrp="1"/>
+          </p:cNvSpPr>
+          <p:nvPr>
+            <p:ph idx="1"/>
+          </p:nvPr>
+        </p:nvSpPr>
+        <p:spPr>
+          <a:xfrm>
+            <a:off x="1141412" y="222069"/>
+            <a:ext cx="9905999" cy="5569132"/>
+          </a:xfrm>
+        </p:spPr>
+        <p:txBody>
+          <a:bodyPr/>
+          <a:lstStyle/>
+          <a:p>
+            <a:r>
+              <a:rPr lang="pt-BR" dirty="0" smtClean="0"/>
+              <a:t>Todas as telas de cadastros são semelhantes e tem seu uso praticamente iguais, sendo que os cadastros de “raças” e “tipos de produtos” são </a:t>
+            </a:r>
+            <a:r>
+              <a:rPr lang="pt-BR" dirty="0" err="1" smtClean="0"/>
+              <a:t>pré</a:t>
+            </a:r>
+            <a:r>
+              <a:rPr lang="pt-BR" dirty="0" smtClean="0"/>
+              <a:t> requisitos para outros tipos de cadastros.</a:t>
+            </a:r>
+          </a:p>
+          <a:p>
+            <a:r>
+              <a:rPr lang="pt-BR" dirty="0" smtClean="0"/>
+              <a:t>Modulo utilizado principalmente pelo setor administrativo da empresa nele temos acesso a todos os cadastros que antes eram feitos manualmente e arquivados em papel</a:t>
+            </a:r>
+          </a:p>
+          <a:p>
+            <a:r>
+              <a:rPr lang="pt-BR" dirty="0" smtClean="0"/>
+              <a:t>Nesse modulo temos os seguintes cadastros:</a:t>
+            </a:r>
+          </a:p>
+          <a:p>
+            <a:pPr lvl="1"/>
+            <a:r>
+              <a:rPr lang="pt-BR" dirty="0" smtClean="0"/>
+              <a:t>Raça</a:t>
+            </a:r>
+          </a:p>
+          <a:p>
+            <a:pPr lvl="1"/>
+            <a:r>
+              <a:rPr lang="pt-BR" dirty="0" smtClean="0"/>
+              <a:t>Tipo de produto</a:t>
+            </a:r>
+          </a:p>
+          <a:p>
+            <a:pPr lvl="1"/>
+            <a:r>
+              <a:rPr lang="pt-BR" dirty="0" smtClean="0"/>
+              <a:t>Clientes</a:t>
+            </a:r>
+          </a:p>
+          <a:p>
+            <a:pPr lvl="1"/>
+            <a:r>
+              <a:rPr lang="pt-BR" dirty="0" smtClean="0"/>
+              <a:t>Fornecedores</a:t>
+            </a:r>
+          </a:p>
+          <a:p>
+            <a:pPr lvl="1"/>
+            <a:r>
+              <a:rPr lang="pt-BR" dirty="0" smtClean="0"/>
+              <a:t>Veterinários</a:t>
+            </a:r>
+          </a:p>
+        </p:txBody>
+      </p:sp>
+    </p:spTree>
+    <p:extLst>
+      <p:ext uri="{BB962C8B-B14F-4D97-AF65-F5344CB8AC3E}">
+        <p14:creationId xmlns:p14="http://schemas.microsoft.com/office/powerpoint/2010/main" val="2947199847"/>
+      </p:ext>
+    </p:extLst>
+  </p:cSld>
+  <p:clrMapOvr>
+    <a:masterClrMapping/>
+  </p:clrMapOvr>
+</p:sld>
+</file>
+
+<file path=ppt/slides/slide11.xml><?xml version="1.0" encoding="utf-8"?>
+<p:sld xmlns:a="http://schemas.openxmlformats.org/drawingml/2006/main" xmlns:r="http://schemas.openxmlformats.org/officeDocument/2006/relationships" xmlns:p="http://schemas.openxmlformats.org/presentationml/2006/main">
+  <p:cSld>
+    <p:spTree>
+      <p:nvGrpSpPr>
+        <p:cNvPr id="1" name=""/>
+        <p:cNvGrpSpPr/>
+        <p:nvPr/>
+      </p:nvGrpSpPr>
+      <p:grpSpPr>
+        <a:xfrm>
+          <a:off x="0" y="0"/>
+          <a:ext cx="0" cy="0"/>
+          <a:chOff x="0" y="0"/>
+          <a:chExt cx="0" cy="0"/>
+        </a:xfrm>
+      </p:grpSpPr>
+      <p:sp>
+        <p:nvSpPr>
+          <p:cNvPr id="3" name="Espaço Reservado para Conteúdo 2"/>
+          <p:cNvSpPr>
+            <a:spLocks noGrp="1"/>
+          </p:cNvSpPr>
+          <p:nvPr>
+            <p:ph idx="1"/>
+          </p:nvPr>
+        </p:nvSpPr>
+        <p:spPr>
+          <a:xfrm>
+            <a:off x="1141412" y="287383"/>
+            <a:ext cx="9905999" cy="5943599"/>
+          </a:xfrm>
+        </p:spPr>
+        <p:txBody>
+          <a:bodyPr/>
+          <a:lstStyle/>
+          <a:p>
+            <a:r>
+              <a:rPr lang="pt-BR" dirty="0" smtClean="0"/>
+              <a:t>Vamos demonstrar um dos tipos de cadastro:</a:t>
+            </a:r>
+          </a:p>
+          <a:p>
+            <a:endParaRPr lang="pt-BR" dirty="0" smtClean="0"/>
+          </a:p>
+          <a:p>
+            <a:endParaRPr lang="pt-BR" dirty="0"/>
+          </a:p>
+          <a:p>
+            <a:endParaRPr lang="pt-BR" dirty="0" smtClean="0"/>
+          </a:p>
+          <a:p>
+            <a:endParaRPr lang="pt-BR" dirty="0"/>
+          </a:p>
+          <a:p>
+            <a:r>
+              <a:rPr lang="pt-BR" dirty="0" smtClean="0"/>
+              <a:t>Todas as telas de cadastro tem esse mesmo design e funcionalidades.</a:t>
+            </a:r>
+          </a:p>
+          <a:p>
+            <a:r>
+              <a:rPr lang="pt-BR" dirty="0" smtClean="0"/>
+              <a:t>Ao acessar a tela principal de cadastro temos acesso a uma lista com todos os cadastros já realizados e botões para editar e excluir cadastros, bem como o botão para um novo cadastro.</a:t>
+            </a:r>
+          </a:p>
+          <a:p>
+            <a:pPr marL="0" indent="0">
+              <a:buNone/>
+            </a:pPr>
+            <a:endParaRPr lang="pt-BR" dirty="0"/>
+          </a:p>
+        </p:txBody>
+      </p:sp>
+      <p:pic>
+        <p:nvPicPr>
+          <p:cNvPr id="5" name="Imagem 4"/>
+          <p:cNvPicPr/>
+          <p:nvPr/>
+        </p:nvPicPr>
+        <p:blipFill>
+          <a:blip r:embed="rId2"/>
+          <a:stretch>
+            <a:fillRect/>
+          </a:stretch>
+        </p:blipFill>
+        <p:spPr>
+          <a:xfrm>
+            <a:off x="3394391" y="1084399"/>
+            <a:ext cx="5400040" cy="1658620"/>
+          </a:xfrm>
+          <a:prstGeom prst="rect">
+            <a:avLst/>
+          </a:prstGeom>
+        </p:spPr>
+      </p:pic>
+    </p:spTree>
+    <p:extLst>
+      <p:ext uri="{BB962C8B-B14F-4D97-AF65-F5344CB8AC3E}">
+        <p14:creationId xmlns:p14="http://schemas.microsoft.com/office/powerpoint/2010/main" val="372491849"/>
+      </p:ext>
+    </p:extLst>
+  </p:cSld>
+  <p:clrMapOvr>
+    <a:masterClrMapping/>
+  </p:clrMapOvr>
+</p:sld>
+</file>
+
+<file path=ppt/slides/slide12.xml><?xml version="1.0" encoding="utf-8"?>
+<p:sld xmlns:a="http://schemas.openxmlformats.org/drawingml/2006/main" xmlns:r="http://schemas.openxmlformats.org/officeDocument/2006/relationships" xmlns:p="http://schemas.openxmlformats.org/presentationml/2006/main">
+  <p:cSld>
+    <p:spTree>
+      <p:nvGrpSpPr>
+        <p:cNvPr id="1" name=""/>
+        <p:cNvGrpSpPr/>
+        <p:nvPr/>
+      </p:nvGrpSpPr>
+      <p:grpSpPr>
+        <a:xfrm>
+          <a:off x="0" y="0"/>
+          <a:ext cx="0" cy="0"/>
+          <a:chOff x="0" y="0"/>
+          <a:chExt cx="0" cy="0"/>
+        </a:xfrm>
+      </p:grpSpPr>
+      <p:sp>
+        <p:nvSpPr>
+          <p:cNvPr id="3" name="Espaço Reservado para Conteúdo 2"/>
+          <p:cNvSpPr>
+            <a:spLocks noGrp="1"/>
+          </p:cNvSpPr>
+          <p:nvPr>
+            <p:ph idx="1"/>
+          </p:nvPr>
+        </p:nvSpPr>
+        <p:spPr>
+          <a:xfrm>
+            <a:off x="1141412" y="378823"/>
+            <a:ext cx="9905999" cy="5412378"/>
+          </a:xfrm>
+        </p:spPr>
+        <p:txBody>
+          <a:bodyPr>
+            <a:normAutofit fontScale="92500"/>
+          </a:bodyPr>
+          <a:lstStyle/>
+          <a:p>
+            <a:r>
+              <a:rPr lang="pt-BR" dirty="0" smtClean="0"/>
+              <a:t>Ao acessar a tela de novo cadastro temos:</a:t>
+            </a:r>
+          </a:p>
+          <a:p>
+            <a:endParaRPr lang="pt-BR" dirty="0"/>
+          </a:p>
+          <a:p>
+            <a:endParaRPr lang="pt-BR" dirty="0" smtClean="0"/>
+          </a:p>
+          <a:p>
+            <a:endParaRPr lang="pt-BR" dirty="0"/>
+          </a:p>
+          <a:p>
+            <a:endParaRPr lang="pt-BR" dirty="0" smtClean="0"/>
+          </a:p>
+          <a:p>
+            <a:endParaRPr lang="pt-BR" dirty="0"/>
+          </a:p>
+          <a:p>
+            <a:pPr algn="just"/>
+            <a:r>
+              <a:rPr lang="pt-BR" dirty="0" smtClean="0"/>
+              <a:t>Nesse exemplo será utilizado o cadastro de veterinário mas o uso é comum para todos os cadastros.</a:t>
+            </a:r>
+          </a:p>
+          <a:p>
+            <a:pPr algn="just"/>
+            <a:r>
+              <a:rPr lang="pt-BR" dirty="0" smtClean="0"/>
+              <a:t>Deve-se colocar os dados requisitados sendo que alguns são obrigatórios</a:t>
+            </a:r>
+          </a:p>
+          <a:p>
+            <a:pPr algn="just"/>
+            <a:r>
+              <a:rPr lang="pt-BR" dirty="0" smtClean="0"/>
+              <a:t>Ao selecionar Salvar o cadastro é realizado e o sistema retorna a tela anterior.</a:t>
+            </a:r>
+          </a:p>
+          <a:p>
+            <a:endParaRPr lang="pt-BR" dirty="0"/>
+          </a:p>
+        </p:txBody>
+      </p:sp>
+      <p:pic>
+        <p:nvPicPr>
+          <p:cNvPr id="4" name="Imagem 3"/>
+          <p:cNvPicPr/>
+          <p:nvPr/>
+        </p:nvPicPr>
+        <p:blipFill>
+          <a:blip r:embed="rId2"/>
+          <a:stretch>
+            <a:fillRect/>
+          </a:stretch>
+        </p:blipFill>
+        <p:spPr>
+          <a:xfrm>
+            <a:off x="3394391" y="957625"/>
+            <a:ext cx="5400040" cy="2591435"/>
+          </a:xfrm>
+          <a:prstGeom prst="rect">
+            <a:avLst/>
+          </a:prstGeom>
+        </p:spPr>
+      </p:pic>
+    </p:spTree>
+    <p:extLst>
+      <p:ext uri="{BB962C8B-B14F-4D97-AF65-F5344CB8AC3E}">
+        <p14:creationId xmlns:p14="http://schemas.microsoft.com/office/powerpoint/2010/main" val="3017514100"/>
+      </p:ext>
+    </p:extLst>
+  </p:cSld>
+  <p:clrMapOvr>
+    <a:masterClrMapping/>
+  </p:clrMapOvr>
+</p:sld>
+</file>
+
+<file path=ppt/slides/slide13.xml><?xml version="1.0" encoding="utf-8"?>
+<p:sld xmlns:a="http://schemas.openxmlformats.org/drawingml/2006/main" xmlns:r="http://schemas.openxmlformats.org/officeDocument/2006/relationships" xmlns:p="http://schemas.openxmlformats.org/presentationml/2006/main">
+  <p:cSld>
+    <p:spTree>
+      <p:nvGrpSpPr>
+        <p:cNvPr id="1" name=""/>
+        <p:cNvGrpSpPr/>
+        <p:nvPr/>
+      </p:nvGrpSpPr>
+      <p:grpSpPr>
+        <a:xfrm>
+          <a:off x="0" y="0"/>
+          <a:ext cx="0" cy="0"/>
+          <a:chOff x="0" y="0"/>
+          <a:chExt cx="0" cy="0"/>
+        </a:xfrm>
+      </p:grpSpPr>
+      <p:sp>
+        <p:nvSpPr>
+          <p:cNvPr id="2" name="Título 1"/>
+          <p:cNvSpPr>
+            <a:spLocks noGrp="1"/>
+          </p:cNvSpPr>
+          <p:nvPr>
+            <p:ph type="title"/>
+          </p:nvPr>
+        </p:nvSpPr>
+        <p:spPr/>
+        <p:txBody>
+          <a:bodyPr/>
+          <a:lstStyle/>
+          <a:p>
+            <a:r>
+              <a:rPr lang="pt-BR" dirty="0" smtClean="0"/>
+              <a:t>Compras</a:t>
+            </a:r>
+            <a:endParaRPr lang="pt-BR" dirty="0"/>
+          </a:p>
+        </p:txBody>
+      </p:sp>
+      <p:pic>
+        <p:nvPicPr>
+          <p:cNvPr id="4" name="Espaço Reservado para Conteúdo 3"/>
+          <p:cNvPicPr>
+            <a:picLocks noGrp="1"/>
+          </p:cNvPicPr>
+          <p:nvPr>
+            <p:ph idx="1"/>
+          </p:nvPr>
+        </p:nvPicPr>
+        <p:blipFill>
+          <a:blip r:embed="rId2"/>
+          <a:stretch>
+            <a:fillRect/>
+          </a:stretch>
+        </p:blipFill>
+        <p:spPr>
+          <a:xfrm>
+            <a:off x="4474937" y="2624736"/>
+            <a:ext cx="3238952" cy="2791215"/>
+          </a:xfrm>
+          <a:prstGeom prst="rect">
+            <a:avLst/>
+          </a:prstGeom>
+        </p:spPr>
+      </p:pic>
+    </p:spTree>
+    <p:extLst>
+      <p:ext uri="{BB962C8B-B14F-4D97-AF65-F5344CB8AC3E}">
+        <p14:creationId xmlns:p14="http://schemas.microsoft.com/office/powerpoint/2010/main" val="2070722550"/>
+      </p:ext>
+    </p:extLst>
+  </p:cSld>
+  <p:clrMapOvr>
+    <a:masterClrMapping/>
+  </p:clrMapOvr>
+</p:sld>
+</file>
+
+<file path=ppt/slides/slide14.xml><?xml version="1.0" encoding="utf-8"?>
+<p:sld xmlns:a="http://schemas.openxmlformats.org/drawingml/2006/main" xmlns:r="http://schemas.openxmlformats.org/officeDocument/2006/relationships" xmlns:p="http://schemas.openxmlformats.org/presentationml/2006/main">
+  <p:cSld>
+    <p:spTree>
+      <p:nvGrpSpPr>
+        <p:cNvPr id="1" name=""/>
+        <p:cNvGrpSpPr/>
+        <p:nvPr/>
+      </p:nvGrpSpPr>
+      <p:grpSpPr>
+        <a:xfrm>
+          <a:off x="0" y="0"/>
+          <a:ext cx="0" cy="0"/>
+          <a:chOff x="0" y="0"/>
+          <a:chExt cx="0" cy="0"/>
+        </a:xfrm>
+      </p:grpSpPr>
+      <p:sp>
+        <p:nvSpPr>
+          <p:cNvPr id="3" name="Espaço Reservado para Conteúdo 2"/>
+          <p:cNvSpPr>
+            <a:spLocks noGrp="1"/>
+          </p:cNvSpPr>
+          <p:nvPr>
+            <p:ph idx="1"/>
+          </p:nvPr>
+        </p:nvSpPr>
+        <p:spPr>
+          <a:xfrm>
+            <a:off x="1141412" y="457200"/>
+            <a:ext cx="9905999" cy="5721531"/>
+          </a:xfrm>
+        </p:spPr>
+        <p:txBody>
+          <a:bodyPr>
+            <a:normAutofit/>
+          </a:bodyPr>
+          <a:lstStyle/>
+          <a:p>
+            <a:r>
+              <a:rPr lang="pt-BR" dirty="0" smtClean="0"/>
+              <a:t>O modulo de compras é essencial para incluir produtos e bovinos no estoque da empresa.</a:t>
+            </a:r>
+          </a:p>
+          <a:p>
+            <a:r>
+              <a:rPr lang="pt-BR" dirty="0" smtClean="0"/>
+              <a:t>Ele foi dividido em</a:t>
+            </a:r>
+          </a:p>
+          <a:p>
+            <a:pPr lvl="1"/>
+            <a:r>
+              <a:rPr lang="pt-BR" dirty="0" smtClean="0"/>
+              <a:t>Compra de Produtos</a:t>
+            </a:r>
+          </a:p>
+          <a:p>
+            <a:pPr lvl="1"/>
+            <a:r>
+              <a:rPr lang="pt-BR" dirty="0" smtClean="0"/>
+              <a:t>Compra de Bovinos</a:t>
+            </a:r>
+          </a:p>
+          <a:p>
+            <a:r>
+              <a:rPr lang="pt-BR" dirty="0" smtClean="0"/>
+              <a:t>Assim como no modulo de cadastros, as duas divisões tem designe e funcionalidades parecidas, assim iremos abordar apenas um deles.</a:t>
+            </a:r>
+          </a:p>
+          <a:p>
+            <a:r>
+              <a:rPr lang="pt-BR" dirty="0" smtClean="0"/>
+              <a:t>Esse módulo também será utilizado principalmente pela parte administrativa da empresa.</a:t>
+            </a:r>
+          </a:p>
+          <a:p>
+            <a:r>
+              <a:rPr lang="pt-BR" dirty="0" smtClean="0"/>
+              <a:t>Todo produto cadastrado será incluído no estoque da empresa.</a:t>
+            </a:r>
+          </a:p>
+          <a:p>
+            <a:r>
+              <a:rPr lang="pt-BR" dirty="0" smtClean="0"/>
+              <a:t>Todos bovino cadastrado será incluído no Confinamento.</a:t>
+            </a:r>
+          </a:p>
+        </p:txBody>
+      </p:sp>
+    </p:spTree>
+    <p:extLst>
+      <p:ext uri="{BB962C8B-B14F-4D97-AF65-F5344CB8AC3E}">
+        <p14:creationId xmlns:p14="http://schemas.microsoft.com/office/powerpoint/2010/main" val="577600809"/>
+      </p:ext>
+    </p:extLst>
+  </p:cSld>
+  <p:clrMapOvr>
+    <a:masterClrMapping/>
+  </p:clrMapOvr>
+</p:sld>
+</file>
+
+<file path=ppt/slides/slide15.xml><?xml version="1.0" encoding="utf-8"?>
+<p:sld xmlns:a="http://schemas.openxmlformats.org/drawingml/2006/main" xmlns:r="http://schemas.openxmlformats.org/officeDocument/2006/relationships" xmlns:p="http://schemas.openxmlformats.org/presentationml/2006/main">
+  <p:cSld>
+    <p:spTree>
+      <p:nvGrpSpPr>
+        <p:cNvPr id="1" name=""/>
+        <p:cNvGrpSpPr/>
+        <p:nvPr/>
+      </p:nvGrpSpPr>
+      <p:grpSpPr>
+        <a:xfrm>
+          <a:off x="0" y="0"/>
+          <a:ext cx="0" cy="0"/>
+          <a:chOff x="0" y="0"/>
+          <a:chExt cx="0" cy="0"/>
+        </a:xfrm>
+      </p:grpSpPr>
+      <p:sp>
+        <p:nvSpPr>
+          <p:cNvPr id="3" name="Espaço Reservado para Conteúdo 2"/>
+          <p:cNvSpPr>
+            <a:spLocks noGrp="1"/>
+          </p:cNvSpPr>
+          <p:nvPr>
+            <p:ph idx="1"/>
+          </p:nvPr>
+        </p:nvSpPr>
+        <p:spPr>
+          <a:xfrm>
+            <a:off x="1141412" y="444137"/>
+            <a:ext cx="9905999" cy="5347064"/>
+          </a:xfrm>
+        </p:spPr>
+        <p:txBody>
+          <a:bodyPr>
+            <a:normAutofit/>
+          </a:bodyPr>
+          <a:lstStyle/>
+          <a:p>
+            <a:r>
+              <a:rPr lang="pt-BR" dirty="0" smtClean="0"/>
+              <a:t>Ao acessar a tela de compra de bovinos temos</a:t>
+            </a:r>
+          </a:p>
+          <a:p>
+            <a:endParaRPr lang="pt-BR" dirty="0" smtClean="0"/>
+          </a:p>
+          <a:p>
+            <a:endParaRPr lang="pt-BR" dirty="0"/>
+          </a:p>
+          <a:p>
+            <a:endParaRPr lang="pt-BR" dirty="0" smtClean="0"/>
+          </a:p>
+          <a:p>
+            <a:endParaRPr lang="pt-BR" dirty="0"/>
+          </a:p>
+          <a:p>
+            <a:r>
+              <a:rPr lang="pt-BR" dirty="0" smtClean="0"/>
+              <a:t>Listagem com todos os bovinos cadastrados no sistema, as funcionalidades de editar e excluir cadastros e a função para novo cadastro.</a:t>
+            </a:r>
+          </a:p>
+          <a:p>
+            <a:r>
+              <a:rPr lang="pt-BR" dirty="0" smtClean="0"/>
+              <a:t>No caso de cadastro de compra de um bovino, o dado mais importante é o brinco do animal, com ele será feito todo o controle dentro do confinamento.</a:t>
+            </a:r>
+          </a:p>
+        </p:txBody>
+      </p:sp>
+      <p:pic>
+        <p:nvPicPr>
+          <p:cNvPr id="5" name="Imagem 4"/>
+          <p:cNvPicPr/>
+          <p:nvPr/>
+        </p:nvPicPr>
+        <p:blipFill>
+          <a:blip r:embed="rId2"/>
+          <a:stretch>
+            <a:fillRect/>
+          </a:stretch>
+        </p:blipFill>
+        <p:spPr>
+          <a:xfrm>
+            <a:off x="3394391" y="1039585"/>
+            <a:ext cx="5400040" cy="2270760"/>
+          </a:xfrm>
+          <a:prstGeom prst="rect">
+            <a:avLst/>
+          </a:prstGeom>
+        </p:spPr>
+      </p:pic>
+    </p:spTree>
+    <p:extLst>
+      <p:ext uri="{BB962C8B-B14F-4D97-AF65-F5344CB8AC3E}">
+        <p14:creationId xmlns:p14="http://schemas.microsoft.com/office/powerpoint/2010/main" val="1206710301"/>
+      </p:ext>
+    </p:extLst>
+  </p:cSld>
+  <p:clrMapOvr>
+    <a:masterClrMapping/>
+  </p:clrMapOvr>
+</p:sld>
+</file>
+
+<file path=ppt/slides/slide16.xml><?xml version="1.0" encoding="utf-8"?>
+<p:sld xmlns:a="http://schemas.openxmlformats.org/drawingml/2006/main" xmlns:r="http://schemas.openxmlformats.org/officeDocument/2006/relationships" xmlns:p="http://schemas.openxmlformats.org/presentationml/2006/main">
+  <p:cSld>
+    <p:spTree>
+      <p:nvGrpSpPr>
+        <p:cNvPr id="1" name=""/>
+        <p:cNvGrpSpPr/>
+        <p:nvPr/>
+      </p:nvGrpSpPr>
+      <p:grpSpPr>
+        <a:xfrm>
+          <a:off x="0" y="0"/>
+          <a:ext cx="0" cy="0"/>
+          <a:chOff x="0" y="0"/>
+          <a:chExt cx="0" cy="0"/>
+        </a:xfrm>
+      </p:grpSpPr>
+      <p:sp>
+        <p:nvSpPr>
+          <p:cNvPr id="3" name="Espaço Reservado para Conteúdo 2"/>
+          <p:cNvSpPr>
+            <a:spLocks noGrp="1"/>
+          </p:cNvSpPr>
+          <p:nvPr>
+            <p:ph idx="1"/>
+          </p:nvPr>
+        </p:nvSpPr>
+        <p:spPr>
+          <a:xfrm>
+            <a:off x="1141412" y="235131"/>
+            <a:ext cx="9905999" cy="6244046"/>
+          </a:xfrm>
+        </p:spPr>
+        <p:txBody>
+          <a:bodyPr>
+            <a:normAutofit lnSpcReduction="10000"/>
+          </a:bodyPr>
+          <a:lstStyle/>
+          <a:p>
+            <a:pPr algn="just"/>
+            <a:r>
+              <a:rPr lang="pt-BR" dirty="0"/>
+              <a:t>Um animal cadastrado no sistema irá automaticamente ao Confinamento porém depois da sua venda, o animal saíra do confinamento mas irá continuar aparecendo aqui, assim temos o controle de todos os  animais que já passaram pela empresa</a:t>
+            </a:r>
+            <a:r>
+              <a:rPr lang="pt-BR" dirty="0" smtClean="0"/>
+              <a:t>.</a:t>
+            </a:r>
+          </a:p>
+          <a:p>
+            <a:endParaRPr lang="pt-BR" dirty="0"/>
+          </a:p>
+          <a:p>
+            <a:endParaRPr lang="pt-BR" dirty="0" smtClean="0"/>
+          </a:p>
+          <a:p>
+            <a:endParaRPr lang="pt-BR" dirty="0"/>
+          </a:p>
+          <a:p>
+            <a:endParaRPr lang="pt-BR" dirty="0" smtClean="0"/>
+          </a:p>
+          <a:p>
+            <a:endParaRPr lang="pt-BR" dirty="0"/>
+          </a:p>
+          <a:p>
+            <a:r>
+              <a:rPr lang="pt-BR" dirty="0" smtClean="0"/>
+              <a:t>Após incluir os dados pedidos basta selecionar Salvar para incluir no sistema e retornar a tela anterior.</a:t>
+            </a:r>
+            <a:endParaRPr lang="pt-BR" dirty="0"/>
+          </a:p>
+          <a:p>
+            <a:r>
+              <a:rPr lang="pt-BR" dirty="0" smtClean="0"/>
+              <a:t>Cada animal é um cadastro único e deve ser feito um cadastro por vez.</a:t>
+            </a:r>
+            <a:endParaRPr lang="pt-BR" dirty="0"/>
+          </a:p>
+        </p:txBody>
+      </p:sp>
+      <p:pic>
+        <p:nvPicPr>
+          <p:cNvPr id="4" name="Imagem 3"/>
+          <p:cNvPicPr/>
+          <p:nvPr/>
+        </p:nvPicPr>
+        <p:blipFill>
+          <a:blip r:embed="rId2"/>
+          <a:stretch>
+            <a:fillRect/>
+          </a:stretch>
+        </p:blipFill>
+        <p:spPr>
+          <a:xfrm>
+            <a:off x="3394391" y="1900782"/>
+            <a:ext cx="5400040" cy="2638425"/>
+          </a:xfrm>
+          <a:prstGeom prst="rect">
+            <a:avLst/>
+          </a:prstGeom>
+        </p:spPr>
+      </p:pic>
+    </p:spTree>
+    <p:extLst>
+      <p:ext uri="{BB962C8B-B14F-4D97-AF65-F5344CB8AC3E}">
+        <p14:creationId xmlns:p14="http://schemas.microsoft.com/office/powerpoint/2010/main" val="3555195033"/>
+      </p:ext>
+    </p:extLst>
+  </p:cSld>
+  <p:clrMapOvr>
+    <a:masterClrMapping/>
+  </p:clrMapOvr>
+</p:sld>
+</file>
+
+<file path=ppt/slides/slide17.xml><?xml version="1.0" encoding="utf-8"?>
+<p:sld xmlns:a="http://schemas.openxmlformats.org/drawingml/2006/main" xmlns:r="http://schemas.openxmlformats.org/officeDocument/2006/relationships" xmlns:p="http://schemas.openxmlformats.org/presentationml/2006/main">
+  <p:cSld>
+    <p:spTree>
+      <p:nvGrpSpPr>
+        <p:cNvPr id="1" name=""/>
+        <p:cNvGrpSpPr/>
+        <p:nvPr/>
+      </p:nvGrpSpPr>
+      <p:grpSpPr>
+        <a:xfrm>
+          <a:off x="0" y="0"/>
+          <a:ext cx="0" cy="0"/>
+          <a:chOff x="0" y="0"/>
+          <a:chExt cx="0" cy="0"/>
+        </a:xfrm>
+      </p:grpSpPr>
+      <p:sp>
+        <p:nvSpPr>
+          <p:cNvPr id="2" name="Título 1"/>
+          <p:cNvSpPr>
+            <a:spLocks noGrp="1"/>
+          </p:cNvSpPr>
+          <p:nvPr>
+            <p:ph type="title"/>
+          </p:nvPr>
+        </p:nvSpPr>
+        <p:spPr/>
+        <p:txBody>
+          <a:bodyPr/>
+          <a:lstStyle/>
+          <a:p>
+            <a:r>
+              <a:rPr lang="pt-BR" dirty="0" smtClean="0"/>
+              <a:t>VENDAS</a:t>
+            </a:r>
+            <a:endParaRPr lang="pt-BR" dirty="0"/>
+          </a:p>
+        </p:txBody>
+      </p:sp>
+      <p:pic>
+        <p:nvPicPr>
+          <p:cNvPr id="4" name="Espaço Reservado para Conteúdo 3"/>
+          <p:cNvPicPr>
+            <a:picLocks noGrp="1"/>
+          </p:cNvPicPr>
+          <p:nvPr>
+            <p:ph idx="1"/>
+          </p:nvPr>
+        </p:nvPicPr>
+        <p:blipFill>
+          <a:blip r:embed="rId2"/>
+          <a:stretch>
+            <a:fillRect/>
+          </a:stretch>
+        </p:blipFill>
+        <p:spPr>
+          <a:xfrm>
+            <a:off x="4251068" y="2710473"/>
+            <a:ext cx="3686689" cy="2619741"/>
+          </a:xfrm>
+          <a:prstGeom prst="rect">
+            <a:avLst/>
+          </a:prstGeom>
+        </p:spPr>
+      </p:pic>
+    </p:spTree>
+    <p:extLst>
+      <p:ext uri="{BB962C8B-B14F-4D97-AF65-F5344CB8AC3E}">
+        <p14:creationId xmlns:p14="http://schemas.microsoft.com/office/powerpoint/2010/main" val="157016594"/>
+      </p:ext>
+    </p:extLst>
+  </p:cSld>
+  <p:clrMapOvr>
+    <a:masterClrMapping/>
+  </p:clrMapOvr>
+</p:sld>
+</file>
+
+<file path=ppt/slides/slide18.xml><?xml version="1.0" encoding="utf-8"?>
+<p:sld xmlns:a="http://schemas.openxmlformats.org/drawingml/2006/main" xmlns:r="http://schemas.openxmlformats.org/officeDocument/2006/relationships" xmlns:p="http://schemas.openxmlformats.org/presentationml/2006/main">
+  <p:cSld>
+    <p:spTree>
+      <p:nvGrpSpPr>
+        <p:cNvPr id="1" name=""/>
+        <p:cNvGrpSpPr/>
+        <p:nvPr/>
+      </p:nvGrpSpPr>
+      <p:grpSpPr>
+        <a:xfrm>
+          <a:off x="0" y="0"/>
+          <a:ext cx="0" cy="0"/>
+          <a:chOff x="0" y="0"/>
+          <a:chExt cx="0" cy="0"/>
+        </a:xfrm>
+      </p:grpSpPr>
+      <p:sp>
+        <p:nvSpPr>
+          <p:cNvPr id="3" name="Espaço Reservado para Conteúdo 2"/>
+          <p:cNvSpPr>
+            <a:spLocks noGrp="1"/>
+          </p:cNvSpPr>
+          <p:nvPr>
+            <p:ph idx="1"/>
+          </p:nvPr>
+        </p:nvSpPr>
+        <p:spPr>
+          <a:xfrm>
+            <a:off x="1141412" y="326571"/>
+            <a:ext cx="9905999" cy="5464630"/>
+          </a:xfrm>
+        </p:spPr>
+        <p:txBody>
+          <a:bodyPr>
+            <a:normAutofit/>
+          </a:bodyPr>
+          <a:lstStyle/>
+          <a:p>
+            <a:r>
+              <a:rPr lang="pt-BR" dirty="0"/>
+              <a:t>O modulo de </a:t>
+            </a:r>
+            <a:r>
+              <a:rPr lang="pt-BR" dirty="0" smtClean="0"/>
+              <a:t>vendas foi desenvolvido para a parte comercial da empresa.</a:t>
+            </a:r>
+            <a:endParaRPr lang="pt-BR" dirty="0"/>
+          </a:p>
+          <a:p>
+            <a:r>
+              <a:rPr lang="pt-BR" dirty="0"/>
+              <a:t>Ele foi dividido em</a:t>
+            </a:r>
+          </a:p>
+          <a:p>
+            <a:pPr lvl="1"/>
+            <a:r>
+              <a:rPr lang="pt-BR" dirty="0" smtClean="0"/>
+              <a:t>Venda </a:t>
+            </a:r>
+            <a:r>
+              <a:rPr lang="pt-BR" dirty="0"/>
+              <a:t>de Produtos</a:t>
+            </a:r>
+          </a:p>
+          <a:p>
+            <a:pPr lvl="1"/>
+            <a:r>
+              <a:rPr lang="pt-BR" dirty="0" smtClean="0"/>
+              <a:t>Venda </a:t>
+            </a:r>
+            <a:r>
+              <a:rPr lang="pt-BR" dirty="0"/>
+              <a:t>de Bovinos</a:t>
+            </a:r>
+          </a:p>
+          <a:p>
+            <a:r>
+              <a:rPr lang="pt-BR" dirty="0"/>
+              <a:t>Assim como no modulo de cadastros, as duas divisões tem </a:t>
+            </a:r>
+            <a:r>
+              <a:rPr lang="pt-BR" dirty="0" smtClean="0"/>
+              <a:t>design </a:t>
+            </a:r>
+            <a:r>
+              <a:rPr lang="pt-BR" dirty="0"/>
+              <a:t>e funcionalidades parecidas, assim iremos abordar apenas um deles.</a:t>
+            </a:r>
+          </a:p>
+          <a:p>
+            <a:r>
+              <a:rPr lang="pt-BR" dirty="0"/>
+              <a:t>Esse módulo também será utilizado </a:t>
+            </a:r>
+            <a:r>
+              <a:rPr lang="pt-BR" dirty="0" smtClean="0"/>
+              <a:t>pela </a:t>
+            </a:r>
+            <a:r>
+              <a:rPr lang="pt-BR" dirty="0"/>
+              <a:t>parte administrativa </a:t>
+            </a:r>
+            <a:r>
+              <a:rPr lang="pt-BR" dirty="0" smtClean="0"/>
+              <a:t>e comercial da </a:t>
+            </a:r>
+            <a:r>
+              <a:rPr lang="pt-BR" dirty="0"/>
+              <a:t>empresa.</a:t>
+            </a:r>
+          </a:p>
+          <a:p>
+            <a:r>
+              <a:rPr lang="pt-BR" dirty="0"/>
+              <a:t>Todo produto </a:t>
+            </a:r>
+            <a:r>
+              <a:rPr lang="pt-BR" dirty="0" smtClean="0"/>
+              <a:t>vendido </a:t>
+            </a:r>
+            <a:r>
+              <a:rPr lang="pt-BR" dirty="0"/>
+              <a:t>será </a:t>
+            </a:r>
+            <a:r>
+              <a:rPr lang="pt-BR" dirty="0" smtClean="0"/>
+              <a:t>excluído estoque </a:t>
+            </a:r>
+            <a:r>
+              <a:rPr lang="pt-BR" dirty="0"/>
+              <a:t>da empresa.</a:t>
+            </a:r>
+          </a:p>
+          <a:p>
+            <a:r>
+              <a:rPr lang="pt-BR" dirty="0"/>
+              <a:t>Todos bovino </a:t>
+            </a:r>
+            <a:r>
+              <a:rPr lang="pt-BR" dirty="0" smtClean="0"/>
+              <a:t>vendido </a:t>
+            </a:r>
+            <a:r>
+              <a:rPr lang="pt-BR" dirty="0"/>
+              <a:t>será </a:t>
+            </a:r>
+            <a:r>
+              <a:rPr lang="pt-BR" dirty="0" smtClean="0"/>
+              <a:t>retirado do </a:t>
+            </a:r>
+            <a:r>
+              <a:rPr lang="pt-BR" dirty="0"/>
+              <a:t>Confinamento.</a:t>
+            </a:r>
+          </a:p>
+          <a:p>
+            <a:endParaRPr lang="pt-BR" dirty="0"/>
+          </a:p>
+        </p:txBody>
+      </p:sp>
+    </p:spTree>
+    <p:extLst>
+      <p:ext uri="{BB962C8B-B14F-4D97-AF65-F5344CB8AC3E}">
+        <p14:creationId xmlns:p14="http://schemas.microsoft.com/office/powerpoint/2010/main" val="2705674235"/>
+      </p:ext>
+    </p:extLst>
+  </p:cSld>
+  <p:clrMapOvr>
+    <a:masterClrMapping/>
+  </p:clrMapOvr>
+</p:sld>
+</file>
+
+<file path=ppt/slides/slide19.xml><?xml version="1.0" encoding="utf-8"?>
+<p:sld xmlns:a="http://schemas.openxmlformats.org/drawingml/2006/main" xmlns:r="http://schemas.openxmlformats.org/officeDocument/2006/relationships" xmlns:p="http://schemas.openxmlformats.org/presentationml/2006/main">
+  <p:cSld>
+    <p:spTree>
+      <p:nvGrpSpPr>
+        <p:cNvPr id="1" name=""/>
+        <p:cNvGrpSpPr/>
+        <p:nvPr/>
+      </p:nvGrpSpPr>
+      <p:grpSpPr>
+        <a:xfrm>
+          <a:off x="0" y="0"/>
+          <a:ext cx="0" cy="0"/>
+          <a:chOff x="0" y="0"/>
+          <a:chExt cx="0" cy="0"/>
+        </a:xfrm>
+      </p:grpSpPr>
+      <p:sp>
+        <p:nvSpPr>
+          <p:cNvPr id="3" name="Espaço Reservado para Conteúdo 2"/>
+          <p:cNvSpPr>
+            <a:spLocks noGrp="1"/>
+          </p:cNvSpPr>
+          <p:nvPr>
+            <p:ph idx="1"/>
+          </p:nvPr>
+        </p:nvSpPr>
+        <p:spPr>
+          <a:xfrm>
+            <a:off x="1141412" y="483326"/>
+            <a:ext cx="9905999" cy="5307875"/>
+          </a:xfrm>
+        </p:spPr>
+        <p:txBody>
+          <a:bodyPr/>
+          <a:lstStyle/>
+          <a:p>
+            <a:r>
+              <a:rPr lang="pt-BR" dirty="0" smtClean="0"/>
+              <a:t>Cadastro de venda de produtos:</a:t>
+            </a:r>
+          </a:p>
+          <a:p>
+            <a:endParaRPr lang="pt-BR" dirty="0"/>
+          </a:p>
+          <a:p>
+            <a:endParaRPr lang="pt-BR" dirty="0" smtClean="0"/>
+          </a:p>
+          <a:p>
+            <a:endParaRPr lang="pt-BR" dirty="0"/>
+          </a:p>
+          <a:p>
+            <a:r>
+              <a:rPr lang="pt-BR" dirty="0" smtClean="0"/>
+              <a:t>Aqui temos a listagem dos pedidos, cada pedido pode possuir vários produtos assim é necessário entrar no pedido caso se deseje detalhes.</a:t>
+            </a:r>
+          </a:p>
+          <a:p>
+            <a:r>
+              <a:rPr lang="pt-BR" dirty="0" smtClean="0"/>
+              <a:t>Ao iniciar um novo pedido o sistema irá mostrar ao usuário os itens e a quantidade em estoque e quando o pedido for finalizado os itens serão removidos do estoque.</a:t>
+            </a:r>
+          </a:p>
+          <a:p>
+            <a:pPr marL="0" indent="0">
+              <a:buNone/>
+            </a:pPr>
+            <a:endParaRPr lang="pt-BR" dirty="0" smtClean="0"/>
+          </a:p>
+          <a:p>
+            <a:endParaRPr lang="pt-BR" dirty="0"/>
+          </a:p>
+        </p:txBody>
+      </p:sp>
+      <p:pic>
+        <p:nvPicPr>
+          <p:cNvPr id="5" name="Imagem 4"/>
+          <p:cNvPicPr/>
+          <p:nvPr/>
+        </p:nvPicPr>
+        <p:blipFill>
+          <a:blip r:embed="rId2"/>
+          <a:stretch>
+            <a:fillRect/>
+          </a:stretch>
+        </p:blipFill>
+        <p:spPr>
+          <a:xfrm>
+            <a:off x="3394391" y="1184411"/>
+            <a:ext cx="5400040" cy="1458595"/>
+          </a:xfrm>
+          <a:prstGeom prst="rect">
+            <a:avLst/>
+          </a:prstGeom>
+        </p:spPr>
+      </p:pic>
+    </p:spTree>
+    <p:extLst>
+      <p:ext uri="{BB962C8B-B14F-4D97-AF65-F5344CB8AC3E}">
+        <p14:creationId xmlns:p14="http://schemas.microsoft.com/office/powerpoint/2010/main" val="1712271361"/>
+      </p:ext>
+    </p:extLst>
+  </p:cSld>
+  <p:clrMapOvr>
+    <a:masterClrMapping/>
+  </p:clrMapOvr>
+</p:sld>
+</file>
+
 <file path=ppt/slides/slide2.xml><?xml version="1.0" encoding="utf-8"?>
 <p:sld xmlns:a="http://schemas.openxmlformats.org/drawingml/2006/main" xmlns:r="http://schemas.openxmlformats.org/officeDocument/2006/relationships" xmlns:p="http://schemas.openxmlformats.org/presentationml/2006/main">
   <p:cSld>
@@ -12542,6 +13663,251 @@
     <p:extLst>
       <p:ext uri="{BB962C8B-B14F-4D97-AF65-F5344CB8AC3E}">
         <p14:creationId xmlns:p14="http://schemas.microsoft.com/office/powerpoint/2010/main" val="3389948147"/>
+      </p:ext>
+    </p:extLst>
+  </p:cSld>
+  <p:clrMapOvr>
+    <a:masterClrMapping/>
+  </p:clrMapOvr>
+</p:sld>
+</file>
+
+<file path=ppt/slides/slide20.xml><?xml version="1.0" encoding="utf-8"?>
+<p:sld xmlns:a="http://schemas.openxmlformats.org/drawingml/2006/main" xmlns:r="http://schemas.openxmlformats.org/officeDocument/2006/relationships" xmlns:p="http://schemas.openxmlformats.org/presentationml/2006/main">
+  <p:cSld>
+    <p:spTree>
+      <p:nvGrpSpPr>
+        <p:cNvPr id="1" name=""/>
+        <p:cNvGrpSpPr/>
+        <p:nvPr/>
+      </p:nvGrpSpPr>
+      <p:grpSpPr>
+        <a:xfrm>
+          <a:off x="0" y="0"/>
+          <a:ext cx="0" cy="0"/>
+          <a:chOff x="0" y="0"/>
+          <a:chExt cx="0" cy="0"/>
+        </a:xfrm>
+      </p:grpSpPr>
+      <p:sp>
+        <p:nvSpPr>
+          <p:cNvPr id="3" name="Espaço Reservado para Conteúdo 2"/>
+          <p:cNvSpPr>
+            <a:spLocks noGrp="1"/>
+          </p:cNvSpPr>
+          <p:nvPr>
+            <p:ph idx="1"/>
+          </p:nvPr>
+        </p:nvSpPr>
+        <p:spPr>
+          <a:xfrm>
+            <a:off x="1141412" y="522514"/>
+            <a:ext cx="9905999" cy="5268687"/>
+          </a:xfrm>
+        </p:spPr>
+        <p:txBody>
+          <a:bodyPr/>
+          <a:lstStyle/>
+          <a:p>
+            <a:r>
+              <a:rPr lang="pt-BR" dirty="0" smtClean="0"/>
+              <a:t>Ao iniciar o pedido temos a seguinte tela</a:t>
+            </a:r>
+          </a:p>
+          <a:p>
+            <a:endParaRPr lang="pt-BR" dirty="0"/>
+          </a:p>
+          <a:p>
+            <a:endParaRPr lang="pt-BR" dirty="0" smtClean="0"/>
+          </a:p>
+          <a:p>
+            <a:endParaRPr lang="pt-BR" dirty="0"/>
+          </a:p>
+          <a:p>
+            <a:endParaRPr lang="pt-BR" dirty="0" smtClean="0"/>
+          </a:p>
+          <a:p>
+            <a:endParaRPr lang="pt-BR" dirty="0"/>
+          </a:p>
+          <a:p>
+            <a:endParaRPr lang="pt-BR" dirty="0" smtClean="0"/>
+          </a:p>
+          <a:p>
+            <a:r>
+              <a:rPr lang="pt-BR" dirty="0" smtClean="0"/>
+              <a:t>Os itens do pedido são inseridos no sistema até finalizar o pedido.</a:t>
+            </a:r>
+          </a:p>
+          <a:p>
+            <a:r>
+              <a:rPr lang="pt-BR" dirty="0" smtClean="0"/>
+              <a:t>O pedido de venda de bovinos é similar a esse.</a:t>
+            </a:r>
+          </a:p>
+          <a:p>
+            <a:endParaRPr lang="pt-BR" dirty="0"/>
+          </a:p>
+        </p:txBody>
+      </p:sp>
+      <p:pic>
+        <p:nvPicPr>
+          <p:cNvPr id="4" name="Imagem 3"/>
+          <p:cNvPicPr/>
+          <p:nvPr/>
+        </p:nvPicPr>
+        <p:blipFill>
+          <a:blip r:embed="rId2"/>
+          <a:stretch>
+            <a:fillRect/>
+          </a:stretch>
+        </p:blipFill>
+        <p:spPr>
+          <a:xfrm>
+            <a:off x="3394391" y="1322478"/>
+            <a:ext cx="5400040" cy="2802255"/>
+          </a:xfrm>
+          <a:prstGeom prst="rect">
+            <a:avLst/>
+          </a:prstGeom>
+        </p:spPr>
+      </p:pic>
+    </p:spTree>
+    <p:extLst>
+      <p:ext uri="{BB962C8B-B14F-4D97-AF65-F5344CB8AC3E}">
+        <p14:creationId xmlns:p14="http://schemas.microsoft.com/office/powerpoint/2010/main" val="1404607978"/>
+      </p:ext>
+    </p:extLst>
+  </p:cSld>
+  <p:clrMapOvr>
+    <a:masterClrMapping/>
+  </p:clrMapOvr>
+</p:sld>
+</file>
+
+<file path=ppt/slides/slide21.xml><?xml version="1.0" encoding="utf-8"?>
+<p:sld xmlns:a="http://schemas.openxmlformats.org/drawingml/2006/main" xmlns:r="http://schemas.openxmlformats.org/officeDocument/2006/relationships" xmlns:p="http://schemas.openxmlformats.org/presentationml/2006/main">
+  <p:cSld>
+    <p:spTree>
+      <p:nvGrpSpPr>
+        <p:cNvPr id="1" name=""/>
+        <p:cNvGrpSpPr/>
+        <p:nvPr/>
+      </p:nvGrpSpPr>
+      <p:grpSpPr>
+        <a:xfrm>
+          <a:off x="0" y="0"/>
+          <a:ext cx="0" cy="0"/>
+          <a:chOff x="0" y="0"/>
+          <a:chExt cx="0" cy="0"/>
+        </a:xfrm>
+      </p:grpSpPr>
+      <p:sp>
+        <p:nvSpPr>
+          <p:cNvPr id="2" name="Título 1"/>
+          <p:cNvSpPr>
+            <a:spLocks noGrp="1"/>
+          </p:cNvSpPr>
+          <p:nvPr>
+            <p:ph type="title"/>
+          </p:nvPr>
+        </p:nvSpPr>
+        <p:spPr/>
+        <p:txBody>
+          <a:bodyPr/>
+          <a:lstStyle/>
+          <a:p>
+            <a:r>
+              <a:rPr lang="pt-BR" dirty="0" smtClean="0"/>
+              <a:t>Confinamento</a:t>
+            </a:r>
+            <a:endParaRPr lang="pt-BR" dirty="0"/>
+          </a:p>
+        </p:txBody>
+      </p:sp>
+      <p:pic>
+        <p:nvPicPr>
+          <p:cNvPr id="4" name="Espaço Reservado para Conteúdo 3"/>
+          <p:cNvPicPr>
+            <a:picLocks noGrp="1"/>
+          </p:cNvPicPr>
+          <p:nvPr>
+            <p:ph idx="1"/>
+          </p:nvPr>
+        </p:nvPicPr>
+        <p:blipFill>
+          <a:blip r:embed="rId2"/>
+          <a:stretch>
+            <a:fillRect/>
+          </a:stretch>
+        </p:blipFill>
+        <p:spPr>
+          <a:xfrm>
+            <a:off x="1753185" y="2249488"/>
+            <a:ext cx="8682455" cy="3541712"/>
+          </a:xfrm>
+          <a:prstGeom prst="rect">
+            <a:avLst/>
+          </a:prstGeom>
+        </p:spPr>
+      </p:pic>
+    </p:spTree>
+    <p:extLst>
+      <p:ext uri="{BB962C8B-B14F-4D97-AF65-F5344CB8AC3E}">
+        <p14:creationId xmlns:p14="http://schemas.microsoft.com/office/powerpoint/2010/main" val="2026513898"/>
+      </p:ext>
+    </p:extLst>
+  </p:cSld>
+  <p:clrMapOvr>
+    <a:masterClrMapping/>
+  </p:clrMapOvr>
+</p:sld>
+</file>
+
+<file path=ppt/slides/slide22.xml><?xml version="1.0" encoding="utf-8"?>
+<p:sld xmlns:a="http://schemas.openxmlformats.org/drawingml/2006/main" xmlns:r="http://schemas.openxmlformats.org/officeDocument/2006/relationships" xmlns:p="http://schemas.openxmlformats.org/presentationml/2006/main">
+  <p:cSld>
+    <p:spTree>
+      <p:nvGrpSpPr>
+        <p:cNvPr id="1" name=""/>
+        <p:cNvGrpSpPr/>
+        <p:nvPr/>
+      </p:nvGrpSpPr>
+      <p:grpSpPr>
+        <a:xfrm>
+          <a:off x="0" y="0"/>
+          <a:ext cx="0" cy="0"/>
+          <a:chOff x="0" y="0"/>
+          <a:chExt cx="0" cy="0"/>
+        </a:xfrm>
+      </p:grpSpPr>
+      <p:sp>
+        <p:nvSpPr>
+          <p:cNvPr id="3" name="Espaço Reservado para Conteúdo 2"/>
+          <p:cNvSpPr>
+            <a:spLocks noGrp="1"/>
+          </p:cNvSpPr>
+          <p:nvPr>
+            <p:ph idx="1"/>
+          </p:nvPr>
+        </p:nvSpPr>
+        <p:spPr>
+          <a:xfrm>
+            <a:off x="1141412" y="496389"/>
+            <a:ext cx="9905999" cy="5294812"/>
+          </a:xfrm>
+        </p:spPr>
+        <p:txBody>
+          <a:bodyPr/>
+          <a:lstStyle/>
+          <a:p>
+            <a:endParaRPr lang="pt-BR" dirty="0"/>
+          </a:p>
+        </p:txBody>
+      </p:sp>
+    </p:spTree>
+    <p:extLst>
+      <p:ext uri="{BB962C8B-B14F-4D97-AF65-F5344CB8AC3E}">
+        <p14:creationId xmlns:p14="http://schemas.microsoft.com/office/powerpoint/2010/main" val="1147229770"/>
       </p:ext>
     </p:extLst>
   </p:cSld>
@@ -12759,7 +14125,7 @@
         </p:nvSpPr>
         <p:spPr>
           <a:xfrm>
-            <a:off x="1141413" y="618518"/>
+            <a:off x="1141413" y="344198"/>
             <a:ext cx="9905998" cy="971743"/>
           </a:xfrm>
         </p:spPr>
@@ -12792,13 +14158,13 @@
         </p:nvSpPr>
         <p:spPr>
           <a:xfrm>
-            <a:off x="1141412" y="1683026"/>
-            <a:ext cx="9905999" cy="4108175"/>
+            <a:off x="1141412" y="1476104"/>
+            <a:ext cx="9905999" cy="4650376"/>
           </a:xfrm>
         </p:spPr>
         <p:txBody>
           <a:bodyPr>
-            <a:normAutofit lnSpcReduction="10000"/>
+            <a:normAutofit/>
           </a:bodyPr>
           <a:lstStyle/>
           <a:p>
@@ -12847,11 +14213,7 @@
             <a:pPr lvl="1" algn="just"/>
             <a:r>
               <a:rPr lang="pt-BR" dirty="0"/>
-              <a:t>Controle do uso de produtos e consultas veterinárias dentro </a:t>
-            </a:r>
-            <a:r>
-              <a:rPr lang="pt-BR"/>
-              <a:t>do confinamento</a:t>
+              <a:t>Controle do uso de produtos e consultas veterinárias dentro do confinamento</a:t>
             </a:r>
           </a:p>
           <a:p>
@@ -12912,18 +14274,21 @@
           <a:bodyPr/>
           <a:lstStyle/>
           <a:p>
+            <a:pPr algn="just"/>
             <a:r>
               <a:rPr lang="pt-BR" dirty="0" smtClean="0"/>
               <a:t>Para o desenvolvimento do sistema foi entrevistado um funcionário da empresa que tem acesso a todas as etapas de funcionamento da empresa.</a:t>
             </a:r>
           </a:p>
           <a:p>
+            <a:pPr algn="just"/>
             <a:r>
               <a:rPr lang="pt-BR" dirty="0" smtClean="0"/>
               <a:t>Com base nessa entrevista foram feitas as historias de usuário, casos de uso, requisitos funcionais e não funcionais.</a:t>
             </a:r>
           </a:p>
           <a:p>
+            <a:pPr algn="just"/>
             <a:r>
               <a:rPr lang="pt-BR" dirty="0" smtClean="0"/>
               <a:t>Foi definido que o sistema seria desenvolvido na linguagem C# utilizando o </a:t>
@@ -12938,12 +14303,14 @@
             </a:r>
           </a:p>
           <a:p>
+            <a:pPr algn="just"/>
             <a:r>
               <a:rPr lang="pt-BR" dirty="0" smtClean="0"/>
               <a:t>Com esses dados foi desenvolvido um fluxograma com todos os módulos do produto e suas classes. </a:t>
             </a:r>
           </a:p>
           <a:p>
+            <a:pPr algn="just"/>
             <a:r>
               <a:rPr lang="pt-BR" dirty="0" smtClean="0"/>
               <a:t>O sistema final contempla todos os módulos e usabilidades citados porem ainda ele ainda pode ter outras funcionalidades que não serão incluídas nessa versão.</a:t>
@@ -13011,15 +14378,65 @@
           </a:p>
         </p:txBody>
       </p:sp>
+      <p:pic>
+        <p:nvPicPr>
+          <p:cNvPr id="4" name="Espaço Reservado para Conteúdo 3"/>
+          <p:cNvPicPr>
+            <a:picLocks noGrp="1"/>
+          </p:cNvPicPr>
+          <p:nvPr>
+            <p:ph idx="1"/>
+          </p:nvPr>
+        </p:nvPicPr>
+        <p:blipFill>
+          <a:blip r:embed="rId2"/>
+          <a:stretch>
+            <a:fillRect/>
+          </a:stretch>
+        </p:blipFill>
+        <p:spPr>
+          <a:xfrm>
+            <a:off x="2403548" y="2249488"/>
+            <a:ext cx="7381730" cy="3541712"/>
+          </a:xfrm>
+          <a:prstGeom prst="rect">
+            <a:avLst/>
+          </a:prstGeom>
+        </p:spPr>
+      </p:pic>
+    </p:spTree>
+    <p:extLst>
+      <p:ext uri="{BB962C8B-B14F-4D97-AF65-F5344CB8AC3E}">
+        <p14:creationId xmlns:p14="http://schemas.microsoft.com/office/powerpoint/2010/main" val="953277695"/>
+      </p:ext>
+    </p:extLst>
+  </p:cSld>
+  <p:clrMapOvr>
+    <a:masterClrMapping/>
+  </p:clrMapOvr>
+</p:sld>
+</file>
+
+<file path=ppt/slides/slide8.xml><?xml version="1.0" encoding="utf-8"?>
+<p:sld xmlns:a="http://schemas.openxmlformats.org/drawingml/2006/main" xmlns:r="http://schemas.openxmlformats.org/officeDocument/2006/relationships" xmlns:p="http://schemas.openxmlformats.org/presentationml/2006/main">
+  <p:cSld>
+    <p:spTree>
+      <p:nvGrpSpPr>
+        <p:cNvPr id="1" name=""/>
+        <p:cNvGrpSpPr/>
+        <p:nvPr/>
+      </p:nvGrpSpPr>
+      <p:grpSpPr>
+        <a:xfrm>
+          <a:off x="0" y="0"/>
+          <a:ext cx="0" cy="0"/>
+          <a:chOff x="0" y="0"/>
+          <a:chExt cx="0" cy="0"/>
+        </a:xfrm>
+      </p:grpSpPr>
       <p:sp>
         <p:nvSpPr>
-          <p:cNvPr id="3" name="Espaço Reservado para Conteúdo 2">
-            <a:extLst>
-              <a:ext uri="{FF2B5EF4-FFF2-40B4-BE49-F238E27FC236}">
-                <a16:creationId xmlns:a16="http://schemas.microsoft.com/office/drawing/2014/main" id="{F69CAB5C-18BA-473E-AFC4-81FAD8A8E61A}"/>
-              </a:ext>
-            </a:extLst>
-          </p:cNvPr>
+          <p:cNvPr id="3" name="Espaço Reservado para Conteúdo 2"/>
           <p:cNvSpPr>
             <a:spLocks noGrp="1"/>
           </p:cNvSpPr>
@@ -13027,19 +14444,171 @@
             <p:ph idx="1"/>
           </p:nvPr>
         </p:nvSpPr>
-        <p:spPr/>
+        <p:spPr>
+          <a:xfrm>
+            <a:off x="1141412" y="431074"/>
+            <a:ext cx="9905999" cy="5865223"/>
+          </a:xfrm>
+        </p:spPr>
         <p:txBody>
-          <a:bodyPr/>
+          <a:bodyPr>
+            <a:normAutofit/>
+          </a:bodyPr>
           <a:lstStyle/>
           <a:p>
-            <a:endParaRPr lang="pt-BR"/>
+            <a:r>
+              <a:rPr lang="pt-BR" dirty="0" smtClean="0"/>
+              <a:t>O sistema foi desenvolvido para ser de fácil utilização por todos os funcionários da empresa</a:t>
+            </a:r>
+          </a:p>
+          <a:p>
+            <a:r>
+              <a:rPr lang="pt-BR" dirty="0" smtClean="0"/>
+              <a:t>Os usuários tem que ter um </a:t>
+            </a:r>
+            <a:r>
+              <a:rPr lang="pt-BR" dirty="0" err="1" smtClean="0"/>
+              <a:t>login</a:t>
+            </a:r>
+            <a:r>
+              <a:rPr lang="pt-BR" dirty="0" smtClean="0"/>
+              <a:t> para usar o sistema</a:t>
+            </a:r>
+          </a:p>
+          <a:p>
+            <a:r>
+              <a:rPr lang="pt-BR" dirty="0" smtClean="0"/>
+              <a:t>Foram criados alguns tipos de usuários com acessos distintos a partes do sistema</a:t>
+            </a:r>
+          </a:p>
+          <a:p>
+            <a:r>
+              <a:rPr lang="pt-BR" dirty="0" smtClean="0"/>
+              <a:t>No momento o banco de dados é local porem ele pode ser colocado em um servidor online externo.</a:t>
+            </a:r>
+          </a:p>
+          <a:p>
+            <a:r>
+              <a:rPr lang="pt-BR" dirty="0" smtClean="0"/>
+              <a:t>O sistema foi dividido em 4 grandes módulos:</a:t>
+            </a:r>
+          </a:p>
+          <a:p>
+            <a:pPr lvl="1"/>
+            <a:r>
+              <a:rPr lang="pt-BR" dirty="0" smtClean="0"/>
+              <a:t>Cadastros</a:t>
+            </a:r>
+          </a:p>
+          <a:p>
+            <a:pPr lvl="1"/>
+            <a:r>
+              <a:rPr lang="pt-BR" dirty="0" smtClean="0"/>
+              <a:t>Compras</a:t>
+            </a:r>
+          </a:p>
+          <a:p>
+            <a:pPr lvl="1"/>
+            <a:r>
+              <a:rPr lang="pt-BR" dirty="0" smtClean="0"/>
+              <a:t>Vendas</a:t>
+            </a:r>
+          </a:p>
+          <a:p>
+            <a:pPr lvl="1"/>
+            <a:r>
+              <a:rPr lang="pt-BR" dirty="0" smtClean="0"/>
+              <a:t>Confinamento</a:t>
+            </a:r>
+          </a:p>
+          <a:p>
+            <a:endParaRPr lang="pt-BR" dirty="0"/>
           </a:p>
         </p:txBody>
       </p:sp>
     </p:spTree>
     <p:extLst>
       <p:ext uri="{BB962C8B-B14F-4D97-AF65-F5344CB8AC3E}">
-        <p14:creationId xmlns:p14="http://schemas.microsoft.com/office/powerpoint/2010/main" val="953277695"/>
+        <p14:creationId xmlns:p14="http://schemas.microsoft.com/office/powerpoint/2010/main" val="3256220571"/>
+      </p:ext>
+    </p:extLst>
+  </p:cSld>
+  <p:clrMapOvr>
+    <a:masterClrMapping/>
+  </p:clrMapOvr>
+</p:sld>
+</file>
+
+<file path=ppt/slides/slide9.xml><?xml version="1.0" encoding="utf-8"?>
+<p:sld xmlns:a="http://schemas.openxmlformats.org/drawingml/2006/main" xmlns:r="http://schemas.openxmlformats.org/officeDocument/2006/relationships" xmlns:p="http://schemas.openxmlformats.org/presentationml/2006/main">
+  <p:cSld>
+    <p:spTree>
+      <p:nvGrpSpPr>
+        <p:cNvPr id="1" name=""/>
+        <p:cNvGrpSpPr/>
+        <p:nvPr/>
+      </p:nvGrpSpPr>
+      <p:grpSpPr>
+        <a:xfrm>
+          <a:off x="0" y="0"/>
+          <a:ext cx="0" cy="0"/>
+          <a:chOff x="0" y="0"/>
+          <a:chExt cx="0" cy="0"/>
+        </a:xfrm>
+      </p:grpSpPr>
+      <p:sp>
+        <p:nvSpPr>
+          <p:cNvPr id="2" name="Título 1"/>
+          <p:cNvSpPr>
+            <a:spLocks noGrp="1"/>
+          </p:cNvSpPr>
+          <p:nvPr>
+            <p:ph type="title"/>
+          </p:nvPr>
+        </p:nvSpPr>
+        <p:spPr/>
+        <p:txBody>
+          <a:bodyPr/>
+          <a:lstStyle/>
+          <a:p>
+            <a:r>
+              <a:rPr lang="pt-BR" dirty="0" smtClean="0"/>
+              <a:t>Cadastros</a:t>
+            </a:r>
+            <a:endParaRPr lang="pt-BR" dirty="0"/>
+          </a:p>
+        </p:txBody>
+      </p:sp>
+      <p:pic>
+        <p:nvPicPr>
+          <p:cNvPr id="4" name="Espaço Reservado para Conteúdo 3"/>
+          <p:cNvPicPr>
+            <a:picLocks noGrp="1"/>
+          </p:cNvPicPr>
+          <p:nvPr>
+            <p:ph idx="1"/>
+          </p:nvPr>
+        </p:nvPicPr>
+        <p:blipFill>
+          <a:blip r:embed="rId2"/>
+          <a:stretch>
+            <a:fillRect/>
+          </a:stretch>
+        </p:blipFill>
+        <p:spPr>
+          <a:xfrm>
+            <a:off x="3832225" y="2477294"/>
+            <a:ext cx="4524375" cy="3086100"/>
+          </a:xfrm>
+          <a:prstGeom prst="rect">
+            <a:avLst/>
+          </a:prstGeom>
+        </p:spPr>
+      </p:pic>
+    </p:spTree>
+    <p:extLst>
+      <p:ext uri="{BB962C8B-B14F-4D97-AF65-F5344CB8AC3E}">
+        <p14:creationId xmlns:p14="http://schemas.microsoft.com/office/powerpoint/2010/main" val="2858965470"/>
       </p:ext>
     </p:extLst>
   </p:cSld>

--- a/GerenciamentoBovinos/Documentação/Apresentação/SISTEMA DE GERENCIAMENTO DE BOVINOS.pptx
+++ b/GerenciamentoBovinos/Documentação/Apresentação/SISTEMA DE GERENCIAMENTO DE BOVINOS.pptx
@@ -12559,7 +12559,9 @@
           </a:xfrm>
         </p:spPr>
         <p:txBody>
-          <a:bodyPr/>
+          <a:bodyPr>
+            <a:normAutofit lnSpcReduction="10000"/>
+          </a:bodyPr>
           <a:lstStyle/>
           <a:p>
             <a:r>
@@ -12590,35 +12592,35 @@
           <a:p>
             <a:pPr lvl="1"/>
             <a:r>
-              <a:rPr lang="pt-BR" dirty="0"/>
+              <a:rPr lang="pt-BR" sz="2400" dirty="0"/>
               <a:t>Raça</a:t>
             </a:r>
           </a:p>
           <a:p>
             <a:pPr lvl="1"/>
             <a:r>
-              <a:rPr lang="pt-BR" dirty="0"/>
+              <a:rPr lang="pt-BR" sz="2400" dirty="0"/>
               <a:t>Tipo de produto</a:t>
             </a:r>
           </a:p>
           <a:p>
             <a:pPr lvl="1"/>
             <a:r>
-              <a:rPr lang="pt-BR" dirty="0"/>
+              <a:rPr lang="pt-BR" sz="2400" dirty="0"/>
               <a:t>Clientes</a:t>
             </a:r>
           </a:p>
           <a:p>
             <a:pPr lvl="1"/>
             <a:r>
-              <a:rPr lang="pt-BR" dirty="0"/>
+              <a:rPr lang="pt-BR" sz="2400" dirty="0"/>
               <a:t>Fornecedores</a:t>
             </a:r>
           </a:p>
           <a:p>
             <a:pPr lvl="1"/>
             <a:r>
-              <a:rPr lang="pt-BR" dirty="0"/>
+              <a:rPr lang="pt-BR" sz="2400" dirty="0"/>
               <a:t>Veterinários</a:t>
             </a:r>
           </a:p>
@@ -12776,7 +12778,7 @@
         <p:spPr>
           <a:xfrm>
             <a:off x="1141412" y="378823"/>
-            <a:ext cx="9905999" cy="5412378"/>
+            <a:ext cx="9905999" cy="5915960"/>
           </a:xfrm>
         </p:spPr>
         <p:txBody>
@@ -12786,7 +12788,7 @@
           <a:lstStyle/>
           <a:p>
             <a:r>
-              <a:rPr lang="pt-BR" dirty="0"/>
+              <a:rPr lang="pt-BR" sz="2600" dirty="0"/>
               <a:t>Ao acessar a tela de novo cadastro temos:</a:t>
             </a:r>
           </a:p>
@@ -12808,21 +12810,21 @@
           <a:p>
             <a:pPr algn="just"/>
             <a:r>
-              <a:rPr lang="pt-BR" dirty="0"/>
+              <a:rPr lang="pt-BR" sz="2600" dirty="0"/>
               <a:t>Nesse exemplo será utilizado o cadastro de veterinário mas o uso é comum para todos os cadastros.</a:t>
             </a:r>
           </a:p>
           <a:p>
             <a:pPr algn="just"/>
             <a:r>
-              <a:rPr lang="pt-BR" dirty="0"/>
+              <a:rPr lang="pt-BR" sz="2600" dirty="0"/>
               <a:t>Deve-se colocar os dados requisitados sendo que alguns são obrigatórios</a:t>
             </a:r>
           </a:p>
           <a:p>
             <a:pPr algn="just"/>
             <a:r>
-              <a:rPr lang="pt-BR" dirty="0"/>
+              <a:rPr lang="pt-BR" sz="2600" dirty="0"/>
               <a:t>Ao selecionar Salvar o cadastro é realizado e o sistema retorna a tela anterior.</a:t>
             </a:r>
           </a:p>
@@ -12997,14 +12999,14 @@
           <a:p>
             <a:pPr lvl="1"/>
             <a:r>
-              <a:rPr lang="pt-BR" dirty="0"/>
+              <a:rPr lang="pt-BR" sz="2400" dirty="0"/>
               <a:t>Compra de Produtos</a:t>
             </a:r>
           </a:p>
           <a:p>
             <a:pPr lvl="1"/>
             <a:r>
-              <a:rPr lang="pt-BR" dirty="0"/>
+              <a:rPr lang="pt-BR" sz="2400" dirty="0"/>
               <a:t>Compra de Bovinos</a:t>
             </a:r>
           </a:p>
@@ -13029,7 +13031,7 @@
           <a:p>
             <a:r>
               <a:rPr lang="pt-BR" dirty="0"/>
-              <a:t>Todos bovino cadastrado será incluído no Confinamento.</a:t>
+              <a:t>Todo bovino cadastrado será incluído no Confinamento.</a:t>
             </a:r>
           </a:p>
         </p:txBody>
@@ -24218,20 +24220,12 @@
           <a:p>
             <a:pPr algn="just"/>
             <a:r>
-              <a:rPr lang="pt-BR" dirty="0" err="1">
-                <a:solidFill>
-                  <a:srgbClr val="FFFFFF"/>
-                </a:solidFill>
-              </a:rPr>
-              <a:t>Similiar</a:t>
-            </a:r>
-            <a:r>
               <a:rPr lang="pt-BR" dirty="0">
                 <a:solidFill>
                   <a:srgbClr val="FFFFFF"/>
                 </a:solidFill>
               </a:rPr>
-              <a:t> ao cadastro de produto nessa funcionalidade o usuário irá verificar os atendimento já realizados no bovino e poderá cadastrar novos.</a:t>
+              <a:t>Similar ao cadastro de produto nessa funcionalidade o usuário irá verificar os atendimento já realizados no bovino e poderá cadastrar novos.</a:t>
             </a:r>
           </a:p>
           <a:p>
@@ -28168,30 +28162,32 @@
         <p:spPr>
           <a:xfrm>
             <a:off x="1141412" y="278296"/>
-            <a:ext cx="9905999" cy="5512905"/>
+            <a:ext cx="9905999" cy="5989982"/>
           </a:xfrm>
         </p:spPr>
         <p:txBody>
-          <a:bodyPr/>
+          <a:bodyPr>
+            <a:normAutofit/>
+          </a:bodyPr>
           <a:lstStyle/>
           <a:p>
             <a:pPr algn="just"/>
             <a:r>
-              <a:rPr lang="pt-BR" dirty="0"/>
+              <a:rPr lang="pt-BR" sz="2600" dirty="0"/>
               <a:t>Essa falta de controle gera constantes prejuízos ao dono da empresa pois muitas vezes, bovinos são vendidos com valores abaixo do custo, produtos são comprados repetidos e deixam de ser vendidos por falhas no estoque.</a:t>
             </a:r>
           </a:p>
           <a:p>
             <a:pPr algn="just"/>
             <a:r>
-              <a:rPr lang="pt-BR" dirty="0"/>
+              <a:rPr lang="pt-BR" sz="2600" dirty="0"/>
               <a:t>O grande volume de papeis gerados no dia a dia além de requerer um local de armazenamento físico gera lentidão nos processos e podem ser facilmente perdidos.</a:t>
             </a:r>
           </a:p>
           <a:p>
             <a:pPr algn="just"/>
             <a:r>
-              <a:rPr lang="pt-BR" dirty="0"/>
+              <a:rPr lang="pt-BR" sz="2600" dirty="0"/>
               <a:t>Para melhorar sua gestão, diminuindo custos e a burocracia, e enfim melhorar sua lucratividade o dono da empresa procurou uma empresa de desenvolvimento de software para fazer um sistema próprio que atenda o dia a dia da empresa.</a:t>
             </a:r>
           </a:p>
@@ -28278,8 +28274,8 @@
         </p:nvSpPr>
         <p:spPr>
           <a:xfrm>
-            <a:off x="1141412" y="1476104"/>
-            <a:ext cx="9905999" cy="4650376"/>
+            <a:off x="1141412" y="1152939"/>
+            <a:ext cx="9905999" cy="5360863"/>
           </a:xfrm>
         </p:spPr>
         <p:txBody>
@@ -28304,35 +28300,35 @@
           <a:p>
             <a:pPr lvl="1" algn="just"/>
             <a:r>
-              <a:rPr lang="pt-BR" dirty="0"/>
+              <a:rPr lang="pt-BR" sz="2400" dirty="0"/>
               <a:t>Controle de Clientes, Funcionários, Fornecedores e Veterinários</a:t>
             </a:r>
           </a:p>
           <a:p>
             <a:pPr lvl="1" algn="just"/>
             <a:r>
-              <a:rPr lang="pt-BR" dirty="0"/>
+              <a:rPr lang="pt-BR" sz="2400" dirty="0"/>
               <a:t>Controle de Estoque com sistema de compra e venda de produtos</a:t>
             </a:r>
           </a:p>
           <a:p>
             <a:pPr lvl="1" algn="just"/>
             <a:r>
-              <a:rPr lang="pt-BR" dirty="0"/>
+              <a:rPr lang="pt-BR" sz="2400" dirty="0"/>
               <a:t>Controle de bovinos com sistema de compra e venda de Bovinos</a:t>
             </a:r>
           </a:p>
           <a:p>
             <a:pPr lvl="1" algn="just"/>
             <a:r>
-              <a:rPr lang="pt-BR" dirty="0"/>
+              <a:rPr lang="pt-BR" sz="2400" dirty="0"/>
               <a:t>Controle do Confinamento com calculo de custo unitário de cada bovino</a:t>
             </a:r>
           </a:p>
           <a:p>
             <a:pPr lvl="1" algn="just"/>
             <a:r>
-              <a:rPr lang="pt-BR" dirty="0"/>
+              <a:rPr lang="pt-BR" sz="2400" dirty="0"/>
               <a:t>Controle do uso de produtos e consultas veterinárias dentro do confinamento</a:t>
             </a:r>
           </a:p>
@@ -28433,7 +28429,7 @@
             <a:pPr algn="just"/>
             <a:r>
               <a:rPr lang="pt-BR" dirty="0"/>
-              <a:t>O sistema final contempla todos os módulos e usabilidades citados porem ainda ele ainda pode ter outras funcionalidades que não serão incluídas nessa versão.</a:t>
+              <a:t>O sistema final contempla todos os módulos e usabilidades citados e um sistema de controle de acesso por usuário com perfis de acesso diferentes conforme sua necessidade dentro da empresa.</a:t>
             </a:r>
           </a:p>
         </p:txBody>
@@ -28733,14 +28729,14 @@
             <a:pPr lvl="1" algn="just"/>
             <a:r>
               <a:rPr lang="pt-BR" sz="2400" dirty="0"/>
-              <a:t>Comercial (Acesso aos módulos de compra e venda de produtos)</a:t>
+              <a:t>Comercial (Acesso aos módulos de compra e venda)</a:t>
             </a:r>
           </a:p>
           <a:p>
             <a:pPr lvl="1" algn="just"/>
             <a:r>
               <a:rPr lang="pt-BR" sz="2400" dirty="0"/>
-              <a:t>Administrativo (Acesso ao modulo de cadastro)</a:t>
+              <a:t>Administrativo (Acesso ao modulo de cadastro, compra e venda.)</a:t>
             </a:r>
           </a:p>
           <a:p>

--- a/GerenciamentoBovinos/Documentação/Apresentação/SISTEMA DE GERENCIAMENTO DE BOVINOS.pptx
+++ b/GerenciamentoBovinos/Documentação/Apresentação/SISTEMA DE GERENCIAMENTO DE BOVINOS.pptx
@@ -13,27 +13,29 @@
     <p:sldId id="262" r:id="rId7"/>
     <p:sldId id="283" r:id="rId8"/>
     <p:sldId id="284" r:id="rId9"/>
-    <p:sldId id="259" r:id="rId10"/>
-    <p:sldId id="263" r:id="rId11"/>
-    <p:sldId id="282" r:id="rId12"/>
-    <p:sldId id="264" r:id="rId13"/>
-    <p:sldId id="265" r:id="rId14"/>
-    <p:sldId id="266" r:id="rId15"/>
-    <p:sldId id="267" r:id="rId16"/>
-    <p:sldId id="268" r:id="rId17"/>
-    <p:sldId id="269" r:id="rId18"/>
-    <p:sldId id="270" r:id="rId19"/>
-    <p:sldId id="271" r:id="rId20"/>
-    <p:sldId id="272" r:id="rId21"/>
-    <p:sldId id="273" r:id="rId22"/>
-    <p:sldId id="274" r:id="rId23"/>
-    <p:sldId id="275" r:id="rId24"/>
-    <p:sldId id="276" r:id="rId25"/>
-    <p:sldId id="277" r:id="rId26"/>
-    <p:sldId id="278" r:id="rId27"/>
-    <p:sldId id="279" r:id="rId28"/>
-    <p:sldId id="280" r:id="rId29"/>
-    <p:sldId id="281" r:id="rId30"/>
+    <p:sldId id="286" r:id="rId10"/>
+    <p:sldId id="259" r:id="rId11"/>
+    <p:sldId id="263" r:id="rId12"/>
+    <p:sldId id="282" r:id="rId13"/>
+    <p:sldId id="285" r:id="rId14"/>
+    <p:sldId id="264" r:id="rId15"/>
+    <p:sldId id="265" r:id="rId16"/>
+    <p:sldId id="266" r:id="rId17"/>
+    <p:sldId id="267" r:id="rId18"/>
+    <p:sldId id="268" r:id="rId19"/>
+    <p:sldId id="269" r:id="rId20"/>
+    <p:sldId id="270" r:id="rId21"/>
+    <p:sldId id="271" r:id="rId22"/>
+    <p:sldId id="272" r:id="rId23"/>
+    <p:sldId id="273" r:id="rId24"/>
+    <p:sldId id="274" r:id="rId25"/>
+    <p:sldId id="275" r:id="rId26"/>
+    <p:sldId id="276" r:id="rId27"/>
+    <p:sldId id="277" r:id="rId28"/>
+    <p:sldId id="278" r:id="rId29"/>
+    <p:sldId id="279" r:id="rId30"/>
+    <p:sldId id="280" r:id="rId31"/>
+    <p:sldId id="281" r:id="rId32"/>
   </p:sldIdLst>
   <p:sldSz cx="12192000" cy="6858000"/>
   <p:notesSz cx="6858000" cy="9144000"/>
@@ -190,7 +192,7 @@
           <a:noFill/>
           <a:extLst>
             <a:ext uri="{909E8E84-426E-40dd-AFC4-6F175D3DCCD1}">
-              <a14:hiddenFill xmlns="" xmlns:a14="http://schemas.microsoft.com/office/drawing/2010/main">
+              <a14:hiddenFill xmlns:a14="http://schemas.microsoft.com/office/drawing/2010/main" xmlns="">
                 <a:solidFill>
                   <a:srgbClr val="FFFFFF"/>
                 </a:solidFill>
@@ -250,7 +252,7 @@
             </a:ln>
             <a:extLst>
               <a:ext uri="{91240B29-F687-4f45-9708-019B960494DF}">
-                <a14:hiddenLine xmlns="" xmlns:a14="http://schemas.microsoft.com/office/drawing/2010/main" w="9525">
+                <a14:hiddenLine xmlns:a14="http://schemas.microsoft.com/office/drawing/2010/main" xmlns="" w="9525">
                   <a:solidFill>
                     <a:srgbClr val="000000"/>
                   </a:solidFill>
@@ -340,7 +342,7 @@
             </a:ln>
             <a:extLst>
               <a:ext uri="{91240B29-F687-4f45-9708-019B960494DF}">
-                <a14:hiddenLine xmlns="" xmlns:a14="http://schemas.microsoft.com/office/drawing/2010/main" w="9525">
+                <a14:hiddenLine xmlns:a14="http://schemas.microsoft.com/office/drawing/2010/main" xmlns="" w="9525">
                   <a:solidFill>
                     <a:srgbClr val="000000"/>
                   </a:solidFill>
@@ -430,7 +432,7 @@
             </a:ln>
             <a:extLst>
               <a:ext uri="{91240B29-F687-4f45-9708-019B960494DF}">
-                <a14:hiddenLine xmlns="" xmlns:a14="http://schemas.microsoft.com/office/drawing/2010/main" w="9525">
+                <a14:hiddenLine xmlns:a14="http://schemas.microsoft.com/office/drawing/2010/main" xmlns="" w="9525">
                   <a:solidFill>
                     <a:srgbClr val="000000"/>
                   </a:solidFill>
@@ -464,7 +466,7 @@
             </a:ln>
             <a:extLst>
               <a:ext uri="{91240B29-F687-4f45-9708-019B960494DF}">
-                <a14:hiddenLine xmlns="" xmlns:a14="http://schemas.microsoft.com/office/drawing/2010/main" w="9525">
+                <a14:hiddenLine xmlns:a14="http://schemas.microsoft.com/office/drawing/2010/main" xmlns="" w="9525">
                   <a:solidFill>
                     <a:srgbClr val="000000"/>
                   </a:solidFill>
@@ -554,7 +556,7 @@
             </a:ln>
             <a:extLst>
               <a:ext uri="{91240B29-F687-4f45-9708-019B960494DF}">
-                <a14:hiddenLine xmlns="" xmlns:a14="http://schemas.microsoft.com/office/drawing/2010/main" w="9525">
+                <a14:hiddenLine xmlns:a14="http://schemas.microsoft.com/office/drawing/2010/main" xmlns="" w="9525">
                   <a:solidFill>
                     <a:srgbClr val="000000"/>
                   </a:solidFill>
@@ -616,7 +618,7 @@
             </a:ln>
             <a:extLst>
               <a:ext uri="{91240B29-F687-4f45-9708-019B960494DF}">
-                <a14:hiddenLine xmlns="" xmlns:a14="http://schemas.microsoft.com/office/drawing/2010/main" w="9525">
+                <a14:hiddenLine xmlns:a14="http://schemas.microsoft.com/office/drawing/2010/main" xmlns="" w="9525">
                   <a:solidFill>
                     <a:srgbClr val="000000"/>
                   </a:solidFill>
@@ -678,7 +680,7 @@
             </a:ln>
             <a:extLst>
               <a:ext uri="{91240B29-F687-4f45-9708-019B960494DF}">
-                <a14:hiddenLine xmlns="" xmlns:a14="http://schemas.microsoft.com/office/drawing/2010/main" w="9525">
+                <a14:hiddenLine xmlns:a14="http://schemas.microsoft.com/office/drawing/2010/main" xmlns="" w="9525">
                   <a:solidFill>
                     <a:srgbClr val="000000"/>
                   </a:solidFill>
@@ -768,7 +770,7 @@
             </a:ln>
             <a:extLst>
               <a:ext uri="{91240B29-F687-4f45-9708-019B960494DF}">
-                <a14:hiddenLine xmlns="" xmlns:a14="http://schemas.microsoft.com/office/drawing/2010/main" w="9525">
+                <a14:hiddenLine xmlns:a14="http://schemas.microsoft.com/office/drawing/2010/main" xmlns="" w="9525">
                   <a:solidFill>
                     <a:srgbClr val="000000"/>
                   </a:solidFill>
@@ -830,7 +832,7 @@
             </a:ln>
             <a:extLst>
               <a:ext uri="{91240B29-F687-4f45-9708-019B960494DF}">
-                <a14:hiddenLine xmlns="" xmlns:a14="http://schemas.microsoft.com/office/drawing/2010/main" w="9525">
+                <a14:hiddenLine xmlns:a14="http://schemas.microsoft.com/office/drawing/2010/main" xmlns="" w="9525">
                   <a:solidFill>
                     <a:srgbClr val="000000"/>
                   </a:solidFill>
@@ -892,7 +894,7 @@
             </a:ln>
             <a:extLst>
               <a:ext uri="{91240B29-F687-4f45-9708-019B960494DF}">
-                <a14:hiddenLine xmlns="" xmlns:a14="http://schemas.microsoft.com/office/drawing/2010/main" w="9525">
+                <a14:hiddenLine xmlns:a14="http://schemas.microsoft.com/office/drawing/2010/main" xmlns="" w="9525">
                   <a:solidFill>
                     <a:srgbClr val="000000"/>
                   </a:solidFill>
@@ -982,7 +984,7 @@
             </a:ln>
             <a:extLst>
               <a:ext uri="{91240B29-F687-4f45-9708-019B960494DF}">
-                <a14:hiddenLine xmlns="" xmlns:a14="http://schemas.microsoft.com/office/drawing/2010/main" w="9525">
+                <a14:hiddenLine xmlns:a14="http://schemas.microsoft.com/office/drawing/2010/main" xmlns="" w="9525">
                   <a:solidFill>
                     <a:srgbClr val="000000"/>
                   </a:solidFill>
@@ -1072,7 +1074,7 @@
             </a:ln>
             <a:extLst>
               <a:ext uri="{91240B29-F687-4f45-9708-019B960494DF}">
-                <a14:hiddenLine xmlns="" xmlns:a14="http://schemas.microsoft.com/office/drawing/2010/main" w="9525">
+                <a14:hiddenLine xmlns:a14="http://schemas.microsoft.com/office/drawing/2010/main" xmlns="" w="9525">
                   <a:solidFill>
                     <a:srgbClr val="000000"/>
                   </a:solidFill>
@@ -1134,7 +1136,7 @@
             </a:ln>
             <a:extLst>
               <a:ext uri="{91240B29-F687-4f45-9708-019B960494DF}">
-                <a14:hiddenLine xmlns="" xmlns:a14="http://schemas.microsoft.com/office/drawing/2010/main" w="9525">
+                <a14:hiddenLine xmlns:a14="http://schemas.microsoft.com/office/drawing/2010/main" xmlns="" w="9525">
                   <a:solidFill>
                     <a:srgbClr val="000000"/>
                   </a:solidFill>
@@ -1244,7 +1246,7 @@
             </a:ln>
             <a:extLst>
               <a:ext uri="{91240B29-F687-4f45-9708-019B960494DF}">
-                <a14:hiddenLine xmlns="" xmlns:a14="http://schemas.microsoft.com/office/drawing/2010/main" w="9525">
+                <a14:hiddenLine xmlns:a14="http://schemas.microsoft.com/office/drawing/2010/main" xmlns="" w="9525">
                   <a:solidFill>
                     <a:srgbClr val="000000"/>
                   </a:solidFill>
@@ -1306,7 +1308,7 @@
             </a:ln>
             <a:extLst>
               <a:ext uri="{91240B29-F687-4f45-9708-019B960494DF}">
-                <a14:hiddenLine xmlns="" xmlns:a14="http://schemas.microsoft.com/office/drawing/2010/main" w="9525">
+                <a14:hiddenLine xmlns:a14="http://schemas.microsoft.com/office/drawing/2010/main" xmlns="" w="9525">
                   <a:solidFill>
                     <a:srgbClr val="000000"/>
                   </a:solidFill>
@@ -1396,7 +1398,7 @@
             </a:ln>
             <a:extLst>
               <a:ext uri="{91240B29-F687-4f45-9708-019B960494DF}">
-                <a14:hiddenLine xmlns="" xmlns:a14="http://schemas.microsoft.com/office/drawing/2010/main" w="9525">
+                <a14:hiddenLine xmlns:a14="http://schemas.microsoft.com/office/drawing/2010/main" xmlns="" w="9525">
                   <a:solidFill>
                     <a:srgbClr val="000000"/>
                   </a:solidFill>
@@ -1486,7 +1488,7 @@
             </a:ln>
             <a:extLst>
               <a:ext uri="{91240B29-F687-4f45-9708-019B960494DF}">
-                <a14:hiddenLine xmlns="" xmlns:a14="http://schemas.microsoft.com/office/drawing/2010/main" w="9525">
+                <a14:hiddenLine xmlns:a14="http://schemas.microsoft.com/office/drawing/2010/main" xmlns="" w="9525">
                   <a:solidFill>
                     <a:srgbClr val="000000"/>
                   </a:solidFill>
@@ -1548,7 +1550,7 @@
             </a:ln>
             <a:extLst>
               <a:ext uri="{91240B29-F687-4f45-9708-019B960494DF}">
-                <a14:hiddenLine xmlns="" xmlns:a14="http://schemas.microsoft.com/office/drawing/2010/main" w="9525">
+                <a14:hiddenLine xmlns:a14="http://schemas.microsoft.com/office/drawing/2010/main" xmlns="" w="9525">
                   <a:solidFill>
                     <a:srgbClr val="000000"/>
                   </a:solidFill>
@@ -1638,7 +1640,7 @@
             </a:ln>
             <a:extLst>
               <a:ext uri="{91240B29-F687-4f45-9708-019B960494DF}">
-                <a14:hiddenLine xmlns="" xmlns:a14="http://schemas.microsoft.com/office/drawing/2010/main" w="9525">
+                <a14:hiddenLine xmlns:a14="http://schemas.microsoft.com/office/drawing/2010/main" xmlns="" w="9525">
                   <a:solidFill>
                     <a:srgbClr val="000000"/>
                   </a:solidFill>
@@ -1728,7 +1730,7 @@
             </a:ln>
             <a:extLst>
               <a:ext uri="{91240B29-F687-4f45-9708-019B960494DF}">
-                <a14:hiddenLine xmlns="" xmlns:a14="http://schemas.microsoft.com/office/drawing/2010/main" w="9525">
+                <a14:hiddenLine xmlns:a14="http://schemas.microsoft.com/office/drawing/2010/main" xmlns="" w="9525">
                   <a:solidFill>
                     <a:srgbClr val="000000"/>
                   </a:solidFill>
@@ -1784,7 +1786,7 @@
             </a:ln>
             <a:extLst>
               <a:ext uri="{91240B29-F687-4f45-9708-019B960494DF}">
-                <a14:hiddenLine xmlns="" xmlns:a14="http://schemas.microsoft.com/office/drawing/2010/main" w="9525">
+                <a14:hiddenLine xmlns:a14="http://schemas.microsoft.com/office/drawing/2010/main" xmlns="" w="9525">
                   <a:solidFill>
                     <a:srgbClr val="000000"/>
                   </a:solidFill>
@@ -1874,7 +1876,7 @@
             </a:ln>
             <a:extLst>
               <a:ext uri="{91240B29-F687-4f45-9708-019B960494DF}">
-                <a14:hiddenLine xmlns="" xmlns:a14="http://schemas.microsoft.com/office/drawing/2010/main" w="9525">
+                <a14:hiddenLine xmlns:a14="http://schemas.microsoft.com/office/drawing/2010/main" xmlns="" w="9525">
                   <a:solidFill>
                     <a:srgbClr val="000000"/>
                   </a:solidFill>
@@ -1930,7 +1932,7 @@
             </a:ln>
             <a:extLst>
               <a:ext uri="{91240B29-F687-4f45-9708-019B960494DF}">
-                <a14:hiddenLine xmlns="" xmlns:a14="http://schemas.microsoft.com/office/drawing/2010/main" w="9525">
+                <a14:hiddenLine xmlns:a14="http://schemas.microsoft.com/office/drawing/2010/main" xmlns="" w="9525">
                   <a:solidFill>
                     <a:srgbClr val="000000"/>
                   </a:solidFill>
@@ -2020,7 +2022,7 @@
             </a:ln>
             <a:extLst>
               <a:ext uri="{91240B29-F687-4f45-9708-019B960494DF}">
-                <a14:hiddenLine xmlns="" xmlns:a14="http://schemas.microsoft.com/office/drawing/2010/main" w="9525">
+                <a14:hiddenLine xmlns:a14="http://schemas.microsoft.com/office/drawing/2010/main" xmlns="" w="9525">
                   <a:solidFill>
                     <a:srgbClr val="000000"/>
                   </a:solidFill>
@@ -2088,7 +2090,7 @@
             </a:ln>
             <a:extLst>
               <a:ext uri="{91240B29-F687-4f45-9708-019B960494DF}">
-                <a14:hiddenLine xmlns="" xmlns:a14="http://schemas.microsoft.com/office/drawing/2010/main" w="9525">
+                <a14:hiddenLine xmlns:a14="http://schemas.microsoft.com/office/drawing/2010/main" xmlns="" w="9525">
                   <a:solidFill>
                     <a:srgbClr val="000000"/>
                   </a:solidFill>
@@ -2178,7 +2180,7 @@
             </a:ln>
             <a:extLst>
               <a:ext uri="{91240B29-F687-4f45-9708-019B960494DF}">
-                <a14:hiddenLine xmlns="" xmlns:a14="http://schemas.microsoft.com/office/drawing/2010/main" w="9525">
+                <a14:hiddenLine xmlns:a14="http://schemas.microsoft.com/office/drawing/2010/main" xmlns="" w="9525">
                   <a:solidFill>
                     <a:srgbClr val="000000"/>
                   </a:solidFill>
@@ -2246,7 +2248,7 @@
             </a:ln>
             <a:extLst>
               <a:ext uri="{91240B29-F687-4f45-9708-019B960494DF}">
-                <a14:hiddenLine xmlns="" xmlns:a14="http://schemas.microsoft.com/office/drawing/2010/main" w="9525">
+                <a14:hiddenLine xmlns:a14="http://schemas.microsoft.com/office/drawing/2010/main" xmlns="" w="9525">
                   <a:solidFill>
                     <a:srgbClr val="000000"/>
                   </a:solidFill>
@@ -2336,7 +2338,7 @@
             </a:ln>
             <a:extLst>
               <a:ext uri="{91240B29-F687-4f45-9708-019B960494DF}">
-                <a14:hiddenLine xmlns="" xmlns:a14="http://schemas.microsoft.com/office/drawing/2010/main" w="9525">
+                <a14:hiddenLine xmlns:a14="http://schemas.microsoft.com/office/drawing/2010/main" xmlns="" w="9525">
                   <a:solidFill>
                     <a:srgbClr val="000000"/>
                   </a:solidFill>
@@ -2370,7 +2372,7 @@
             </a:ln>
             <a:extLst>
               <a:ext uri="{91240B29-F687-4f45-9708-019B960494DF}">
-                <a14:hiddenLine xmlns="" xmlns:a14="http://schemas.microsoft.com/office/drawing/2010/main" w="9525">
+                <a14:hiddenLine xmlns:a14="http://schemas.microsoft.com/office/drawing/2010/main" xmlns="" w="9525">
                   <a:solidFill>
                     <a:srgbClr val="000000"/>
                   </a:solidFill>
@@ -2460,7 +2462,7 @@
             </a:ln>
             <a:extLst>
               <a:ext uri="{91240B29-F687-4f45-9708-019B960494DF}">
-                <a14:hiddenLine xmlns="" xmlns:a14="http://schemas.microsoft.com/office/drawing/2010/main" w="9525">
+                <a14:hiddenLine xmlns:a14="http://schemas.microsoft.com/office/drawing/2010/main" xmlns="" w="9525">
                   <a:solidFill>
                     <a:srgbClr val="000000"/>
                   </a:solidFill>
@@ -2522,7 +2524,7 @@
             </a:ln>
             <a:extLst>
               <a:ext uri="{91240B29-F687-4f45-9708-019B960494DF}">
-                <a14:hiddenLine xmlns="" xmlns:a14="http://schemas.microsoft.com/office/drawing/2010/main" w="9525">
+                <a14:hiddenLine xmlns:a14="http://schemas.microsoft.com/office/drawing/2010/main" xmlns="" w="9525">
                   <a:solidFill>
                     <a:srgbClr val="000000"/>
                   </a:solidFill>
@@ -2584,7 +2586,7 @@
             </a:ln>
             <a:extLst>
               <a:ext uri="{91240B29-F687-4f45-9708-019B960494DF}">
-                <a14:hiddenLine xmlns="" xmlns:a14="http://schemas.microsoft.com/office/drawing/2010/main" w="9525">
+                <a14:hiddenLine xmlns:a14="http://schemas.microsoft.com/office/drawing/2010/main" xmlns="" w="9525">
                   <a:solidFill>
                     <a:srgbClr val="000000"/>
                   </a:solidFill>
@@ -2674,7 +2676,7 @@
             </a:ln>
             <a:extLst>
               <a:ext uri="{91240B29-F687-4f45-9708-019B960494DF}">
-                <a14:hiddenLine xmlns="" xmlns:a14="http://schemas.microsoft.com/office/drawing/2010/main" w="9525">
+                <a14:hiddenLine xmlns:a14="http://schemas.microsoft.com/office/drawing/2010/main" xmlns="" w="9525">
                   <a:solidFill>
                     <a:srgbClr val="000000"/>
                   </a:solidFill>
@@ -2742,7 +2744,7 @@
             </a:ln>
             <a:extLst>
               <a:ext uri="{91240B29-F687-4f45-9708-019B960494DF}">
-                <a14:hiddenLine xmlns="" xmlns:a14="http://schemas.microsoft.com/office/drawing/2010/main" w="9525">
+                <a14:hiddenLine xmlns:a14="http://schemas.microsoft.com/office/drawing/2010/main" xmlns="" w="9525">
                   <a:solidFill>
                     <a:srgbClr val="000000"/>
                   </a:solidFill>
@@ -2804,7 +2806,7 @@
             </a:ln>
             <a:extLst>
               <a:ext uri="{91240B29-F687-4f45-9708-019B960494DF}">
-                <a14:hiddenLine xmlns="" xmlns:a14="http://schemas.microsoft.com/office/drawing/2010/main" w="9525">
+                <a14:hiddenLine xmlns:a14="http://schemas.microsoft.com/office/drawing/2010/main" xmlns="" w="9525">
                   <a:solidFill>
                     <a:srgbClr val="000000"/>
                   </a:solidFill>
@@ -2894,7 +2896,7 @@
             </a:ln>
             <a:extLst>
               <a:ext uri="{91240B29-F687-4f45-9708-019B960494DF}">
-                <a14:hiddenLine xmlns="" xmlns:a14="http://schemas.microsoft.com/office/drawing/2010/main" w="9525">
+                <a14:hiddenLine xmlns:a14="http://schemas.microsoft.com/office/drawing/2010/main" xmlns="" w="9525">
                   <a:solidFill>
                     <a:srgbClr val="000000"/>
                   </a:solidFill>
@@ -2956,7 +2958,7 @@
             </a:ln>
             <a:extLst>
               <a:ext uri="{91240B29-F687-4f45-9708-019B960494DF}">
-                <a14:hiddenLine xmlns="" xmlns:a14="http://schemas.microsoft.com/office/drawing/2010/main" w="9525">
+                <a14:hiddenLine xmlns:a14="http://schemas.microsoft.com/office/drawing/2010/main" xmlns="" w="9525">
                   <a:solidFill>
                     <a:srgbClr val="000000"/>
                   </a:solidFill>
@@ -3046,7 +3048,7 @@
             </a:ln>
             <a:extLst>
               <a:ext uri="{91240B29-F687-4f45-9708-019B960494DF}">
-                <a14:hiddenLine xmlns="" xmlns:a14="http://schemas.microsoft.com/office/drawing/2010/main" w="9525">
+                <a14:hiddenLine xmlns:a14="http://schemas.microsoft.com/office/drawing/2010/main" xmlns="" w="9525">
                   <a:solidFill>
                     <a:srgbClr val="000000"/>
                   </a:solidFill>
@@ -3108,7 +3110,7 @@
             </a:ln>
             <a:extLst>
               <a:ext uri="{91240B29-F687-4f45-9708-019B960494DF}">
-                <a14:hiddenLine xmlns="" xmlns:a14="http://schemas.microsoft.com/office/drawing/2010/main" w="9525">
+                <a14:hiddenLine xmlns:a14="http://schemas.microsoft.com/office/drawing/2010/main" xmlns="" w="9525">
                   <a:solidFill>
                     <a:srgbClr val="000000"/>
                   </a:solidFill>
@@ -3198,7 +3200,7 @@
             </a:ln>
             <a:extLst>
               <a:ext uri="{91240B29-F687-4f45-9708-019B960494DF}">
-                <a14:hiddenLine xmlns="" xmlns:a14="http://schemas.microsoft.com/office/drawing/2010/main" w="9525">
+                <a14:hiddenLine xmlns:a14="http://schemas.microsoft.com/office/drawing/2010/main" xmlns="" w="9525">
                   <a:solidFill>
                     <a:srgbClr val="000000"/>
                   </a:solidFill>
@@ -3232,7 +3234,7 @@
             </a:ln>
             <a:extLst>
               <a:ext uri="{91240B29-F687-4f45-9708-019B960494DF}">
-                <a14:hiddenLine xmlns="" xmlns:a14="http://schemas.microsoft.com/office/drawing/2010/main" w="9525">
+                <a14:hiddenLine xmlns:a14="http://schemas.microsoft.com/office/drawing/2010/main" xmlns="" w="9525">
                   <a:solidFill>
                     <a:srgbClr val="000000"/>
                   </a:solidFill>
@@ -3297,7 +3299,7 @@
             </a:ln>
             <a:extLst>
               <a:ext uri="{91240B29-F687-4f45-9708-019B960494DF}">
-                <a14:hiddenLine xmlns="" xmlns:a14="http://schemas.microsoft.com/office/drawing/2010/main" w="9525">
+                <a14:hiddenLine xmlns:a14="http://schemas.microsoft.com/office/drawing/2010/main" xmlns="" w="9525">
                   <a:solidFill>
                     <a:srgbClr val="000000"/>
                   </a:solidFill>
@@ -3387,7 +3389,7 @@
             </a:ln>
             <a:extLst>
               <a:ext uri="{91240B29-F687-4f45-9708-019B960494DF}">
-                <a14:hiddenLine xmlns="" xmlns:a14="http://schemas.microsoft.com/office/drawing/2010/main" w="9525">
+                <a14:hiddenLine xmlns:a14="http://schemas.microsoft.com/office/drawing/2010/main" xmlns="" w="9525">
                   <a:solidFill>
                     <a:srgbClr val="000000"/>
                   </a:solidFill>
@@ -3449,7 +3451,7 @@
             </a:ln>
             <a:extLst>
               <a:ext uri="{91240B29-F687-4f45-9708-019B960494DF}">
-                <a14:hiddenLine xmlns="" xmlns:a14="http://schemas.microsoft.com/office/drawing/2010/main" w="9525">
+                <a14:hiddenLine xmlns:a14="http://schemas.microsoft.com/office/drawing/2010/main" xmlns="" w="9525">
                   <a:solidFill>
                     <a:srgbClr val="000000"/>
                   </a:solidFill>
@@ -3539,7 +3541,7 @@
             </a:ln>
             <a:extLst>
               <a:ext uri="{91240B29-F687-4f45-9708-019B960494DF}">
-                <a14:hiddenLine xmlns="" xmlns:a14="http://schemas.microsoft.com/office/drawing/2010/main" w="9525">
+                <a14:hiddenLine xmlns:a14="http://schemas.microsoft.com/office/drawing/2010/main" xmlns="" w="9525">
                   <a:solidFill>
                     <a:srgbClr val="000000"/>
                   </a:solidFill>
@@ -3629,7 +3631,7 @@
             </a:ln>
             <a:extLst>
               <a:ext uri="{91240B29-F687-4f45-9708-019B960494DF}">
-                <a14:hiddenLine xmlns="" xmlns:a14="http://schemas.microsoft.com/office/drawing/2010/main" w="9525">
+                <a14:hiddenLine xmlns:a14="http://schemas.microsoft.com/office/drawing/2010/main" xmlns="" w="9525">
                   <a:solidFill>
                     <a:srgbClr val="000000"/>
                   </a:solidFill>
@@ -3694,7 +3696,7 @@
             </a:ln>
             <a:extLst>
               <a:ext uri="{91240B29-F687-4f45-9708-019B960494DF}">
-                <a14:hiddenLine xmlns="" xmlns:a14="http://schemas.microsoft.com/office/drawing/2010/main" w="9525">
+                <a14:hiddenLine xmlns:a14="http://schemas.microsoft.com/office/drawing/2010/main" xmlns="" w="9525">
                   <a:solidFill>
                     <a:srgbClr val="000000"/>
                   </a:solidFill>
@@ -3756,7 +3758,7 @@
             </a:ln>
             <a:extLst>
               <a:ext uri="{91240B29-F687-4f45-9708-019B960494DF}">
-                <a14:hiddenLine xmlns="" xmlns:a14="http://schemas.microsoft.com/office/drawing/2010/main" w="9525">
+                <a14:hiddenLine xmlns:a14="http://schemas.microsoft.com/office/drawing/2010/main" xmlns="" w="9525">
                   <a:solidFill>
                     <a:srgbClr val="000000"/>
                   </a:solidFill>
@@ -3846,7 +3848,7 @@
             </a:ln>
             <a:extLst>
               <a:ext uri="{91240B29-F687-4f45-9708-019B960494DF}">
-                <a14:hiddenLine xmlns="" xmlns:a14="http://schemas.microsoft.com/office/drawing/2010/main" w="9525">
+                <a14:hiddenLine xmlns:a14="http://schemas.microsoft.com/office/drawing/2010/main" xmlns="" w="9525">
                   <a:solidFill>
                     <a:srgbClr val="000000"/>
                   </a:solidFill>
@@ -3936,7 +3938,7 @@
             </a:ln>
             <a:extLst>
               <a:ext uri="{91240B29-F687-4f45-9708-019B960494DF}">
-                <a14:hiddenLine xmlns="" xmlns:a14="http://schemas.microsoft.com/office/drawing/2010/main" w="9525">
+                <a14:hiddenLine xmlns:a14="http://schemas.microsoft.com/office/drawing/2010/main" xmlns="" w="9525">
                   <a:solidFill>
                     <a:srgbClr val="000000"/>
                   </a:solidFill>
@@ -3998,7 +4000,7 @@
             </a:ln>
             <a:extLst>
               <a:ext uri="{91240B29-F687-4f45-9708-019B960494DF}">
-                <a14:hiddenLine xmlns="" xmlns:a14="http://schemas.microsoft.com/office/drawing/2010/main" w="9525">
+                <a14:hiddenLine xmlns:a14="http://schemas.microsoft.com/office/drawing/2010/main" xmlns="" w="9525">
                   <a:solidFill>
                     <a:srgbClr val="000000"/>
                   </a:solidFill>
@@ -4118,7 +4120,7 @@
             </a:ln>
             <a:extLst>
               <a:ext uri="{91240B29-F687-4f45-9708-019B960494DF}">
-                <a14:hiddenLine xmlns="" xmlns:a14="http://schemas.microsoft.com/office/drawing/2010/main" w="9525">
+                <a14:hiddenLine xmlns:a14="http://schemas.microsoft.com/office/drawing/2010/main" xmlns="" w="9525">
                   <a:solidFill>
                     <a:srgbClr val="000000"/>
                   </a:solidFill>
@@ -4186,7 +4188,7 @@
             </a:ln>
             <a:extLst>
               <a:ext uri="{91240B29-F687-4f45-9708-019B960494DF}">
-                <a14:hiddenLine xmlns="" xmlns:a14="http://schemas.microsoft.com/office/drawing/2010/main" w="9525">
+                <a14:hiddenLine xmlns:a14="http://schemas.microsoft.com/office/drawing/2010/main" xmlns="" w="9525">
                   <a:solidFill>
                     <a:srgbClr val="000000"/>
                   </a:solidFill>
@@ -4276,7 +4278,7 @@
             </a:ln>
             <a:extLst>
               <a:ext uri="{91240B29-F687-4f45-9708-019B960494DF}">
-                <a14:hiddenLine xmlns="" xmlns:a14="http://schemas.microsoft.com/office/drawing/2010/main" w="9525">
+                <a14:hiddenLine xmlns:a14="http://schemas.microsoft.com/office/drawing/2010/main" xmlns="" w="9525">
                   <a:solidFill>
                     <a:srgbClr val="000000"/>
                   </a:solidFill>
@@ -4416,7 +4418,7 @@
           <a:p>
             <a:fld id="{48A87A34-81AB-432B-8DAE-1953F412C126}" type="datetimeFigureOut">
               <a:rPr lang="en-US" dirty="0"/>
-              <a:t>11/29/2019</a:t>
+              <a:t>12/2/2019</a:t>
             </a:fld>
             <a:endParaRPr lang="en-US" dirty="0"/>
           </a:p>
@@ -4678,7 +4680,7 @@
           <a:p>
             <a:fld id="{48A87A34-81AB-432B-8DAE-1953F412C126}" type="datetimeFigureOut">
               <a:rPr lang="en-US" dirty="0"/>
-              <a:t>11/29/2019</a:t>
+              <a:t>12/2/2019</a:t>
             </a:fld>
             <a:endParaRPr lang="en-US" dirty="0"/>
           </a:p>
@@ -4869,7 +4871,7 @@
           <a:p>
             <a:fld id="{48A87A34-81AB-432B-8DAE-1953F412C126}" type="datetimeFigureOut">
               <a:rPr lang="en-US" dirty="0"/>
-              <a:t>11/29/2019</a:t>
+              <a:t>12/2/2019</a:t>
             </a:fld>
             <a:endParaRPr lang="en-US" dirty="0"/>
           </a:p>
@@ -5127,7 +5129,7 @@
           <a:p>
             <a:fld id="{48A87A34-81AB-432B-8DAE-1953F412C126}" type="datetimeFigureOut">
               <a:rPr lang="en-US" dirty="0"/>
-              <a:t>11/29/2019</a:t>
+              <a:t>12/2/2019</a:t>
             </a:fld>
             <a:endParaRPr lang="en-US" dirty="0"/>
           </a:p>
@@ -5556,7 +5558,7 @@
           <a:p>
             <a:fld id="{48A87A34-81AB-432B-8DAE-1953F412C126}" type="datetimeFigureOut">
               <a:rPr lang="en-US" dirty="0"/>
-              <a:t>11/29/2019</a:t>
+              <a:t>12/2/2019</a:t>
             </a:fld>
             <a:endParaRPr lang="en-US" dirty="0"/>
           </a:p>
@@ -6097,7 +6099,7 @@
           <a:p>
             <a:fld id="{48A87A34-81AB-432B-8DAE-1953F412C126}" type="datetimeFigureOut">
               <a:rPr lang="en-US" dirty="0"/>
-              <a:t>11/29/2019</a:t>
+              <a:t>12/2/2019</a:t>
             </a:fld>
             <a:endParaRPr lang="en-US" dirty="0"/>
           </a:p>
@@ -6812,7 +6814,7 @@
           <a:p>
             <a:fld id="{48A87A34-81AB-432B-8DAE-1953F412C126}" type="datetimeFigureOut">
               <a:rPr lang="en-US" dirty="0"/>
-              <a:t>11/29/2019</a:t>
+              <a:t>12/2/2019</a:t>
             </a:fld>
             <a:endParaRPr lang="en-US" dirty="0"/>
           </a:p>
@@ -6977,7 +6979,7 @@
           <a:p>
             <a:fld id="{48A87A34-81AB-432B-8DAE-1953F412C126}" type="datetimeFigureOut">
               <a:rPr lang="en-US" dirty="0"/>
-              <a:t>11/29/2019</a:t>
+              <a:t>12/2/2019</a:t>
             </a:fld>
             <a:endParaRPr lang="en-US" dirty="0"/>
           </a:p>
@@ -7152,7 +7154,7 @@
           <a:p>
             <a:fld id="{48A87A34-81AB-432B-8DAE-1953F412C126}" type="datetimeFigureOut">
               <a:rPr lang="en-US" dirty="0"/>
-              <a:t>11/29/2019</a:t>
+              <a:t>12/2/2019</a:t>
             </a:fld>
             <a:endParaRPr lang="en-US" dirty="0"/>
           </a:p>
@@ -7317,7 +7319,7 @@
           <a:p>
             <a:fld id="{48A87A34-81AB-432B-8DAE-1953F412C126}" type="datetimeFigureOut">
               <a:rPr lang="en-US" dirty="0"/>
-              <a:t>11/29/2019</a:t>
+              <a:t>12/2/2019</a:t>
             </a:fld>
             <a:endParaRPr lang="en-US" dirty="0"/>
           </a:p>
@@ -7562,7 +7564,7 @@
           <a:p>
             <a:fld id="{48A87A34-81AB-432B-8DAE-1953F412C126}" type="datetimeFigureOut">
               <a:rPr lang="en-US" dirty="0"/>
-              <a:t>11/29/2019</a:t>
+              <a:t>12/2/2019</a:t>
             </a:fld>
             <a:endParaRPr lang="en-US" dirty="0"/>
           </a:p>
@@ -7789,7 +7791,7 @@
           <a:p>
             <a:fld id="{48A87A34-81AB-432B-8DAE-1953F412C126}" type="datetimeFigureOut">
               <a:rPr lang="en-US" dirty="0"/>
-              <a:t>11/29/2019</a:t>
+              <a:t>12/2/2019</a:t>
             </a:fld>
             <a:endParaRPr lang="en-US" dirty="0"/>
           </a:p>
@@ -8165,7 +8167,7 @@
           <a:p>
             <a:fld id="{48A87A34-81AB-432B-8DAE-1953F412C126}" type="datetimeFigureOut">
               <a:rPr lang="en-US" dirty="0"/>
-              <a:t>11/29/2019</a:t>
+              <a:t>12/2/2019</a:t>
             </a:fld>
             <a:endParaRPr lang="en-US" dirty="0"/>
           </a:p>
@@ -8278,7 +8280,7 @@
           <a:p>
             <a:fld id="{48A87A34-81AB-432B-8DAE-1953F412C126}" type="datetimeFigureOut">
               <a:rPr lang="en-US" dirty="0"/>
-              <a:t>11/29/2019</a:t>
+              <a:t>12/2/2019</a:t>
             </a:fld>
             <a:endParaRPr lang="en-US" dirty="0"/>
           </a:p>
@@ -8368,7 +8370,7 @@
           <a:p>
             <a:fld id="{48A87A34-81AB-432B-8DAE-1953F412C126}" type="datetimeFigureOut">
               <a:rPr lang="en-US" dirty="0"/>
-              <a:t>11/29/2019</a:t>
+              <a:t>12/2/2019</a:t>
             </a:fld>
             <a:endParaRPr lang="en-US" dirty="0"/>
           </a:p>
@@ -8612,7 +8614,7 @@
           <a:p>
             <a:fld id="{48A87A34-81AB-432B-8DAE-1953F412C126}" type="datetimeFigureOut">
               <a:rPr lang="en-US" dirty="0"/>
-              <a:t>11/29/2019</a:t>
+              <a:t>12/2/2019</a:t>
             </a:fld>
             <a:endParaRPr lang="en-US" dirty="0"/>
           </a:p>
@@ -8887,7 +8889,7 @@
           <a:p>
             <a:fld id="{48A87A34-81AB-432B-8DAE-1953F412C126}" type="datetimeFigureOut">
               <a:rPr lang="en-US" dirty="0"/>
-              <a:t>11/29/2019</a:t>
+              <a:t>12/2/2019</a:t>
             </a:fld>
             <a:endParaRPr lang="en-US" dirty="0"/>
           </a:p>
@@ -8998,7 +9000,7 @@
           <a:noFill/>
           <a:extLst>
             <a:ext uri="{909E8E84-426E-40dd-AFC4-6F175D3DCCD1}">
-              <a14:hiddenFill xmlns="" xmlns:a14="http://schemas.microsoft.com/office/drawing/2010/main">
+              <a14:hiddenFill xmlns:a14="http://schemas.microsoft.com/office/drawing/2010/main" xmlns="">
                 <a:solidFill>
                   <a:srgbClr val="FFFFFF"/>
                 </a:solidFill>
@@ -9072,7 +9074,7 @@
               </a:ln>
               <a:extLst>
                 <a:ext uri="{91240B29-F687-4f45-9708-019B960494DF}">
-                  <a14:hiddenLine xmlns="" xmlns:a14="http://schemas.microsoft.com/office/drawing/2010/main" w="9525">
+                  <a14:hiddenLine xmlns:a14="http://schemas.microsoft.com/office/drawing/2010/main" xmlns="" w="9525">
                     <a:solidFill>
                       <a:srgbClr val="000000"/>
                     </a:solidFill>
@@ -9162,7 +9164,7 @@
               </a:ln>
               <a:extLst>
                 <a:ext uri="{91240B29-F687-4f45-9708-019B960494DF}">
-                  <a14:hiddenLine xmlns="" xmlns:a14="http://schemas.microsoft.com/office/drawing/2010/main" w="9525">
+                  <a14:hiddenLine xmlns:a14="http://schemas.microsoft.com/office/drawing/2010/main" xmlns="" w="9525">
                     <a:solidFill>
                       <a:srgbClr val="000000"/>
                     </a:solidFill>
@@ -9252,7 +9254,7 @@
               </a:ln>
               <a:extLst>
                 <a:ext uri="{91240B29-F687-4f45-9708-019B960494DF}">
-                  <a14:hiddenLine xmlns="" xmlns:a14="http://schemas.microsoft.com/office/drawing/2010/main" w="9525">
+                  <a14:hiddenLine xmlns:a14="http://schemas.microsoft.com/office/drawing/2010/main" xmlns="" w="9525">
                     <a:solidFill>
                       <a:srgbClr val="000000"/>
                     </a:solidFill>
@@ -9314,7 +9316,7 @@
               </a:ln>
               <a:extLst>
                 <a:ext uri="{91240B29-F687-4f45-9708-019B960494DF}">
-                  <a14:hiddenLine xmlns="" xmlns:a14="http://schemas.microsoft.com/office/drawing/2010/main" w="9525">
+                  <a14:hiddenLine xmlns:a14="http://schemas.microsoft.com/office/drawing/2010/main" xmlns="" w="9525">
                     <a:solidFill>
                       <a:srgbClr val="000000"/>
                     </a:solidFill>
@@ -9404,7 +9406,7 @@
               </a:ln>
               <a:extLst>
                 <a:ext uri="{91240B29-F687-4f45-9708-019B960494DF}">
-                  <a14:hiddenLine xmlns="" xmlns:a14="http://schemas.microsoft.com/office/drawing/2010/main" w="9525">
+                  <a14:hiddenLine xmlns:a14="http://schemas.microsoft.com/office/drawing/2010/main" xmlns="" w="9525">
                     <a:solidFill>
                       <a:srgbClr val="000000"/>
                     </a:solidFill>
@@ -9466,7 +9468,7 @@
               </a:ln>
               <a:extLst>
                 <a:ext uri="{91240B29-F687-4f45-9708-019B960494DF}">
-                  <a14:hiddenLine xmlns="" xmlns:a14="http://schemas.microsoft.com/office/drawing/2010/main" w="9525">
+                  <a14:hiddenLine xmlns:a14="http://schemas.microsoft.com/office/drawing/2010/main" xmlns="" w="9525">
                     <a:solidFill>
                       <a:srgbClr val="000000"/>
                     </a:solidFill>
@@ -9528,7 +9530,7 @@
               </a:ln>
               <a:extLst>
                 <a:ext uri="{91240B29-F687-4f45-9708-019B960494DF}">
-                  <a14:hiddenLine xmlns="" xmlns:a14="http://schemas.microsoft.com/office/drawing/2010/main" w="9525">
+                  <a14:hiddenLine xmlns:a14="http://schemas.microsoft.com/office/drawing/2010/main" xmlns="" w="9525">
                     <a:solidFill>
                       <a:srgbClr val="000000"/>
                     </a:solidFill>
@@ -9618,7 +9620,7 @@
               </a:ln>
               <a:extLst>
                 <a:ext uri="{91240B29-F687-4f45-9708-019B960494DF}">
-                  <a14:hiddenLine xmlns="" xmlns:a14="http://schemas.microsoft.com/office/drawing/2010/main" w="9525">
+                  <a14:hiddenLine xmlns:a14="http://schemas.microsoft.com/office/drawing/2010/main" xmlns="" w="9525">
                     <a:solidFill>
                       <a:srgbClr val="000000"/>
                     </a:solidFill>
@@ -9708,7 +9710,7 @@
               </a:ln>
               <a:extLst>
                 <a:ext uri="{91240B29-F687-4f45-9708-019B960494DF}">
-                  <a14:hiddenLine xmlns="" xmlns:a14="http://schemas.microsoft.com/office/drawing/2010/main" w="9525">
+                  <a14:hiddenLine xmlns:a14="http://schemas.microsoft.com/office/drawing/2010/main" xmlns="" w="9525">
                     <a:solidFill>
                       <a:srgbClr val="000000"/>
                     </a:solidFill>
@@ -9770,7 +9772,7 @@
               </a:ln>
               <a:extLst>
                 <a:ext uri="{91240B29-F687-4f45-9708-019B960494DF}">
-                  <a14:hiddenLine xmlns="" xmlns:a14="http://schemas.microsoft.com/office/drawing/2010/main" w="9525">
+                  <a14:hiddenLine xmlns:a14="http://schemas.microsoft.com/office/drawing/2010/main" xmlns="" w="9525">
                     <a:solidFill>
                       <a:srgbClr val="000000"/>
                     </a:solidFill>
@@ -9880,7 +9882,7 @@
               </a:ln>
               <a:extLst>
                 <a:ext uri="{91240B29-F687-4f45-9708-019B960494DF}">
-                  <a14:hiddenLine xmlns="" xmlns:a14="http://schemas.microsoft.com/office/drawing/2010/main" w="9525">
+                  <a14:hiddenLine xmlns:a14="http://schemas.microsoft.com/office/drawing/2010/main" xmlns="" w="9525">
                     <a:solidFill>
                       <a:srgbClr val="000000"/>
                     </a:solidFill>
@@ -9964,7 +9966,7 @@
               </a:ln>
               <a:extLst>
                 <a:ext uri="{91240B29-F687-4f45-9708-019B960494DF}">
-                  <a14:hiddenLine xmlns="" xmlns:a14="http://schemas.microsoft.com/office/drawing/2010/main" w="9525">
+                  <a14:hiddenLine xmlns:a14="http://schemas.microsoft.com/office/drawing/2010/main" xmlns="" w="9525">
                     <a:solidFill>
                       <a:srgbClr val="000000"/>
                     </a:solidFill>
@@ -10026,7 +10028,7 @@
               </a:ln>
               <a:extLst>
                 <a:ext uri="{91240B29-F687-4f45-9708-019B960494DF}">
-                  <a14:hiddenLine xmlns="" xmlns:a14="http://schemas.microsoft.com/office/drawing/2010/main" w="9525">
+                  <a14:hiddenLine xmlns:a14="http://schemas.microsoft.com/office/drawing/2010/main" xmlns="" w="9525">
                     <a:solidFill>
                       <a:srgbClr val="000000"/>
                     </a:solidFill>
@@ -10088,7 +10090,7 @@
               </a:ln>
               <a:extLst>
                 <a:ext uri="{91240B29-F687-4f45-9708-019B960494DF}">
-                  <a14:hiddenLine xmlns="" xmlns:a14="http://schemas.microsoft.com/office/drawing/2010/main" w="9525">
+                  <a14:hiddenLine xmlns:a14="http://schemas.microsoft.com/office/drawing/2010/main" xmlns="" w="9525">
                     <a:solidFill>
                       <a:srgbClr val="000000"/>
                     </a:solidFill>
@@ -10178,7 +10180,7 @@
               </a:ln>
               <a:extLst>
                 <a:ext uri="{91240B29-F687-4f45-9708-019B960494DF}">
-                  <a14:hiddenLine xmlns="" xmlns:a14="http://schemas.microsoft.com/office/drawing/2010/main" w="9525">
+                  <a14:hiddenLine xmlns:a14="http://schemas.microsoft.com/office/drawing/2010/main" xmlns="" w="9525">
                     <a:solidFill>
                       <a:srgbClr val="000000"/>
                     </a:solidFill>
@@ -10212,7 +10214,7 @@
               </a:ln>
               <a:extLst>
                 <a:ext uri="{91240B29-F687-4f45-9708-019B960494DF}">
-                  <a14:hiddenLine xmlns="" xmlns:a14="http://schemas.microsoft.com/office/drawing/2010/main" w="9525">
+                  <a14:hiddenLine xmlns:a14="http://schemas.microsoft.com/office/drawing/2010/main" xmlns="" w="9525">
                     <a:solidFill>
                       <a:srgbClr val="000000"/>
                     </a:solidFill>
@@ -10277,7 +10279,7 @@
               </a:ln>
               <a:extLst>
                 <a:ext uri="{91240B29-F687-4f45-9708-019B960494DF}">
-                  <a14:hiddenLine xmlns="" xmlns:a14="http://schemas.microsoft.com/office/drawing/2010/main" w="9525">
+                  <a14:hiddenLine xmlns:a14="http://schemas.microsoft.com/office/drawing/2010/main" xmlns="" w="9525">
                     <a:solidFill>
                       <a:srgbClr val="000000"/>
                     </a:solidFill>
@@ -10367,7 +10369,7 @@
               </a:ln>
               <a:extLst>
                 <a:ext uri="{91240B29-F687-4f45-9708-019B960494DF}">
-                  <a14:hiddenLine xmlns="" xmlns:a14="http://schemas.microsoft.com/office/drawing/2010/main" w="9525">
+                  <a14:hiddenLine xmlns:a14="http://schemas.microsoft.com/office/drawing/2010/main" xmlns="" w="9525">
                     <a:solidFill>
                       <a:srgbClr val="000000"/>
                     </a:solidFill>
@@ -10429,7 +10431,7 @@
               </a:ln>
               <a:extLst>
                 <a:ext uri="{91240B29-F687-4f45-9708-019B960494DF}">
-                  <a14:hiddenLine xmlns="" xmlns:a14="http://schemas.microsoft.com/office/drawing/2010/main" w="9525">
+                  <a14:hiddenLine xmlns:a14="http://schemas.microsoft.com/office/drawing/2010/main" xmlns="" w="9525">
                     <a:solidFill>
                       <a:srgbClr val="000000"/>
                     </a:solidFill>
@@ -10519,7 +10521,7 @@
               </a:ln>
               <a:extLst>
                 <a:ext uri="{91240B29-F687-4f45-9708-019B960494DF}">
-                  <a14:hiddenLine xmlns="" xmlns:a14="http://schemas.microsoft.com/office/drawing/2010/main" w="9525">
+                  <a14:hiddenLine xmlns:a14="http://schemas.microsoft.com/office/drawing/2010/main" xmlns="" w="9525">
                     <a:solidFill>
                       <a:srgbClr val="000000"/>
                     </a:solidFill>
@@ -10584,7 +10586,7 @@
               </a:ln>
               <a:extLst>
                 <a:ext uri="{91240B29-F687-4f45-9708-019B960494DF}">
-                  <a14:hiddenLine xmlns="" xmlns:a14="http://schemas.microsoft.com/office/drawing/2010/main" w="9525">
+                  <a14:hiddenLine xmlns:a14="http://schemas.microsoft.com/office/drawing/2010/main" xmlns="" w="9525">
                     <a:solidFill>
                       <a:srgbClr val="000000"/>
                     </a:solidFill>
@@ -10646,7 +10648,7 @@
               </a:ln>
               <a:extLst>
                 <a:ext uri="{91240B29-F687-4f45-9708-019B960494DF}">
-                  <a14:hiddenLine xmlns="" xmlns:a14="http://schemas.microsoft.com/office/drawing/2010/main" w="9525">
+                  <a14:hiddenLine xmlns:a14="http://schemas.microsoft.com/office/drawing/2010/main" xmlns="" w="9525">
                     <a:solidFill>
                       <a:srgbClr val="000000"/>
                     </a:solidFill>
@@ -10736,7 +10738,7 @@
               </a:ln>
               <a:extLst>
                 <a:ext uri="{91240B29-F687-4f45-9708-019B960494DF}">
-                  <a14:hiddenLine xmlns="" xmlns:a14="http://schemas.microsoft.com/office/drawing/2010/main" w="9525">
+                  <a14:hiddenLine xmlns:a14="http://schemas.microsoft.com/office/drawing/2010/main" xmlns="" w="9525">
                     <a:solidFill>
                       <a:srgbClr val="000000"/>
                     </a:solidFill>
@@ -10826,7 +10828,7 @@
               </a:ln>
               <a:extLst>
                 <a:ext uri="{91240B29-F687-4f45-9708-019B960494DF}">
-                  <a14:hiddenLine xmlns="" xmlns:a14="http://schemas.microsoft.com/office/drawing/2010/main" w="9525">
+                  <a14:hiddenLine xmlns:a14="http://schemas.microsoft.com/office/drawing/2010/main" xmlns="" w="9525">
                     <a:solidFill>
                       <a:srgbClr val="000000"/>
                     </a:solidFill>
@@ -10891,7 +10893,7 @@
               </a:ln>
               <a:extLst>
                 <a:ext uri="{91240B29-F687-4f45-9708-019B960494DF}">
-                  <a14:hiddenLine xmlns="" xmlns:a14="http://schemas.microsoft.com/office/drawing/2010/main" w="9525">
+                  <a14:hiddenLine xmlns:a14="http://schemas.microsoft.com/office/drawing/2010/main" xmlns="" w="9525">
                     <a:solidFill>
                       <a:srgbClr val="000000"/>
                     </a:solidFill>
@@ -11011,7 +11013,7 @@
               </a:ln>
               <a:extLst>
                 <a:ext uri="{91240B29-F687-4f45-9708-019B960494DF}">
-                  <a14:hiddenLine xmlns="" xmlns:a14="http://schemas.microsoft.com/office/drawing/2010/main" w="9525">
+                  <a14:hiddenLine xmlns:a14="http://schemas.microsoft.com/office/drawing/2010/main" xmlns="" w="9525">
                     <a:solidFill>
                       <a:srgbClr val="000000"/>
                     </a:solidFill>
@@ -11109,7 +11111,7 @@
               </a:ln>
               <a:extLst>
                 <a:ext uri="{91240B29-F687-4f45-9708-019B960494DF}">
-                  <a14:hiddenLine xmlns="" xmlns:a14="http://schemas.microsoft.com/office/drawing/2010/main" w="9525">
+                  <a14:hiddenLine xmlns:a14="http://schemas.microsoft.com/office/drawing/2010/main" xmlns="" w="9525">
                     <a:solidFill>
                       <a:srgbClr val="000000"/>
                     </a:solidFill>
@@ -11224,7 +11226,7 @@
               </a:ln>
               <a:extLst>
                 <a:ext uri="{91240B29-F687-4f45-9708-019B960494DF}">
-                  <a14:hiddenLine xmlns="" xmlns:a14="http://schemas.microsoft.com/office/drawing/2010/main" w="9525">
+                  <a14:hiddenLine xmlns:a14="http://schemas.microsoft.com/office/drawing/2010/main" xmlns="" w="9525">
                     <a:solidFill>
                       <a:srgbClr val="000000"/>
                     </a:solidFill>
@@ -11314,7 +11316,7 @@
               </a:ln>
               <a:extLst>
                 <a:ext uri="{91240B29-F687-4f45-9708-019B960494DF}">
-                  <a14:hiddenLine xmlns="" xmlns:a14="http://schemas.microsoft.com/office/drawing/2010/main" w="9525">
+                  <a14:hiddenLine xmlns:a14="http://schemas.microsoft.com/office/drawing/2010/main" xmlns="" w="9525">
                     <a:solidFill>
                       <a:srgbClr val="000000"/>
                     </a:solidFill>
@@ -11379,7 +11381,7 @@
               </a:ln>
               <a:extLst>
                 <a:ext uri="{91240B29-F687-4f45-9708-019B960494DF}">
-                  <a14:hiddenLine xmlns="" xmlns:a14="http://schemas.microsoft.com/office/drawing/2010/main" w="9525">
+                  <a14:hiddenLine xmlns:a14="http://schemas.microsoft.com/office/drawing/2010/main" xmlns="" w="9525">
                     <a:solidFill>
                       <a:srgbClr val="000000"/>
                     </a:solidFill>
@@ -11469,7 +11471,7 @@
               </a:ln>
               <a:extLst>
                 <a:ext uri="{91240B29-F687-4f45-9708-019B960494DF}">
-                  <a14:hiddenLine xmlns="" xmlns:a14="http://schemas.microsoft.com/office/drawing/2010/main" w="9525">
+                  <a14:hiddenLine xmlns:a14="http://schemas.microsoft.com/office/drawing/2010/main" xmlns="" w="9525">
                     <a:solidFill>
                       <a:srgbClr val="000000"/>
                     </a:solidFill>
@@ -11537,7 +11539,7 @@
               </a:ln>
               <a:extLst>
                 <a:ext uri="{91240B29-F687-4f45-9708-019B960494DF}">
-                  <a14:hiddenLine xmlns="" xmlns:a14="http://schemas.microsoft.com/office/drawing/2010/main" w="9525">
+                  <a14:hiddenLine xmlns:a14="http://schemas.microsoft.com/office/drawing/2010/main" xmlns="" w="9525">
                     <a:solidFill>
                       <a:srgbClr val="000000"/>
                     </a:solidFill>
@@ -11627,7 +11629,7 @@
               </a:ln>
               <a:extLst>
                 <a:ext uri="{91240B29-F687-4f45-9708-019B960494DF}">
-                  <a14:hiddenLine xmlns="" xmlns:a14="http://schemas.microsoft.com/office/drawing/2010/main" w="9525">
+                  <a14:hiddenLine xmlns:a14="http://schemas.microsoft.com/office/drawing/2010/main" xmlns="" w="9525">
                     <a:solidFill>
                       <a:srgbClr val="000000"/>
                     </a:solidFill>
@@ -11695,7 +11697,7 @@
               </a:ln>
               <a:extLst>
                 <a:ext uri="{91240B29-F687-4f45-9708-019B960494DF}">
-                  <a14:hiddenLine xmlns="" xmlns:a14="http://schemas.microsoft.com/office/drawing/2010/main" w="9525">
+                  <a14:hiddenLine xmlns:a14="http://schemas.microsoft.com/office/drawing/2010/main" xmlns="" w="9525">
                     <a:solidFill>
                       <a:srgbClr val="000000"/>
                     </a:solidFill>
@@ -11785,7 +11787,7 @@
               </a:ln>
               <a:extLst>
                 <a:ext uri="{91240B29-F687-4f45-9708-019B960494DF}">
-                  <a14:hiddenLine xmlns="" xmlns:a14="http://schemas.microsoft.com/office/drawing/2010/main" w="9525">
+                  <a14:hiddenLine xmlns:a14="http://schemas.microsoft.com/office/drawing/2010/main" xmlns="" w="9525">
                     <a:solidFill>
                       <a:srgbClr val="000000"/>
                     </a:solidFill>
@@ -11819,7 +11821,7 @@
               </a:ln>
               <a:extLst>
                 <a:ext uri="{91240B29-F687-4f45-9708-019B960494DF}">
-                  <a14:hiddenLine xmlns="" xmlns:a14="http://schemas.microsoft.com/office/drawing/2010/main" w="9525">
+                  <a14:hiddenLine xmlns:a14="http://schemas.microsoft.com/office/drawing/2010/main" xmlns="" w="9525">
                     <a:solidFill>
                       <a:srgbClr val="000000"/>
                     </a:solidFill>
@@ -11960,7 +11962,7 @@
             <a:fld id="{48A87A34-81AB-432B-8DAE-1953F412C126}" type="datetimeFigureOut">
               <a:rPr lang="en-US" dirty="0"/>
               <a:pPr/>
-              <a:t>11/29/2019</a:t>
+              <a:t>12/2/2019</a:t>
             </a:fld>
             <a:endParaRPr lang="en-US" dirty="0"/>
           </a:p>
@@ -12468,6 +12470,90 @@
       </p:grpSpPr>
       <p:sp>
         <p:nvSpPr>
+          <p:cNvPr id="2" name="Título 1">
+            <a:extLst>
+              <a:ext uri="{FF2B5EF4-FFF2-40B4-BE49-F238E27FC236}">
+                <a16:creationId xmlns:a16="http://schemas.microsoft.com/office/drawing/2014/main" id="{A0FEEA0D-2FFA-4A70-B63B-5B12FC7999BE}"/>
+              </a:ext>
+            </a:extLst>
+          </p:cNvPr>
+          <p:cNvSpPr>
+            <a:spLocks noGrp="1"/>
+          </p:cNvSpPr>
+          <p:nvPr>
+            <p:ph type="title"/>
+          </p:nvPr>
+        </p:nvSpPr>
+        <p:spPr/>
+        <p:txBody>
+          <a:bodyPr/>
+          <a:lstStyle/>
+          <a:p>
+            <a:r>
+              <a:rPr lang="pt-BR" dirty="0"/>
+              <a:t>O sistema</a:t>
+            </a:r>
+          </a:p>
+        </p:txBody>
+      </p:sp>
+      <p:pic>
+        <p:nvPicPr>
+          <p:cNvPr id="4" name="Espaço Reservado para Conteúdo 3"/>
+          <p:cNvPicPr>
+            <a:picLocks noGrp="1"/>
+          </p:cNvPicPr>
+          <p:nvPr>
+            <p:ph idx="1"/>
+          </p:nvPr>
+        </p:nvPicPr>
+        <p:blipFill>
+          <a:blip r:embed="rId2"/>
+          <a:stretch>
+            <a:fillRect/>
+          </a:stretch>
+        </p:blipFill>
+        <p:spPr>
+          <a:xfrm>
+            <a:off x="2403548" y="2249488"/>
+            <a:ext cx="7381730" cy="3541712"/>
+          </a:xfrm>
+          <a:prstGeom prst="rect">
+            <a:avLst/>
+          </a:prstGeom>
+        </p:spPr>
+      </p:pic>
+    </p:spTree>
+    <p:extLst>
+      <p:ext uri="{BB962C8B-B14F-4D97-AF65-F5344CB8AC3E}">
+        <p14:creationId xmlns:p14="http://schemas.microsoft.com/office/powerpoint/2010/main" val="953277695"/>
+      </p:ext>
+    </p:extLst>
+  </p:cSld>
+  <p:clrMapOvr>
+    <a:masterClrMapping/>
+  </p:clrMapOvr>
+</p:sld>
+</file>
+
+<file path=ppt/slides/slide11.xml><?xml version="1.0" encoding="utf-8"?>
+<p:sld xmlns:a="http://schemas.openxmlformats.org/drawingml/2006/main" xmlns:r="http://schemas.openxmlformats.org/officeDocument/2006/relationships" xmlns:p="http://schemas.openxmlformats.org/presentationml/2006/main">
+  <p:cSld>
+    <p:spTree>
+      <p:nvGrpSpPr>
+        <p:cNvPr id="1" name=""/>
+        <p:cNvGrpSpPr/>
+        <p:nvPr/>
+      </p:nvGrpSpPr>
+      <p:grpSpPr>
+        <a:xfrm>
+          <a:off x="0" y="0"/>
+          <a:ext cx="0" cy="0"/>
+          <a:chOff x="0" y="0"/>
+          <a:chExt cx="0" cy="0"/>
+        </a:xfrm>
+      </p:grpSpPr>
+      <p:sp>
+        <p:nvSpPr>
           <p:cNvPr id="3" name="Espaço Reservado para Conteúdo 2"/>
           <p:cNvSpPr>
             <a:spLocks noGrp="1"/>
@@ -12571,7 +12657,7 @@
 </p:sld>
 </file>
 
-<file path=ppt/slides/slide11.xml><?xml version="1.0" encoding="utf-8"?>
+<file path=ppt/slides/slide12.xml><?xml version="1.0" encoding="utf-8"?>
 <p:sld xmlns:a="http://schemas.openxmlformats.org/drawingml/2006/main" xmlns:r="http://schemas.openxmlformats.org/officeDocument/2006/relationships" xmlns:p="http://schemas.openxmlformats.org/presentationml/2006/main">
   <p:cSld>
     <p:spTree>
@@ -12693,7 +12779,112 @@
 </p:sld>
 </file>
 
-<file path=ppt/slides/slide12.xml><?xml version="1.0" encoding="utf-8"?>
+<file path=ppt/slides/slide13.xml><?xml version="1.0" encoding="utf-8"?>
+<p:sld xmlns:a="http://schemas.openxmlformats.org/drawingml/2006/main" xmlns:r="http://schemas.openxmlformats.org/officeDocument/2006/relationships" xmlns:p="http://schemas.openxmlformats.org/presentationml/2006/main">
+  <p:cSld>
+    <p:spTree>
+      <p:nvGrpSpPr>
+        <p:cNvPr id="1" name=""/>
+        <p:cNvGrpSpPr/>
+        <p:nvPr/>
+      </p:nvGrpSpPr>
+      <p:grpSpPr>
+        <a:xfrm>
+          <a:off x="0" y="0"/>
+          <a:ext cx="0" cy="0"/>
+          <a:chOff x="0" y="0"/>
+          <a:chExt cx="0" cy="0"/>
+        </a:xfrm>
+      </p:grpSpPr>
+      <p:sp>
+        <p:nvSpPr>
+          <p:cNvPr id="3" name="Espaço Reservado para Conteúdo 2">
+            <a:extLst>
+              <a:ext uri="{FF2B5EF4-FFF2-40B4-BE49-F238E27FC236}">
+                <a16:creationId xmlns:a16="http://schemas.microsoft.com/office/drawing/2014/main" id="{D3197698-9686-40E3-BF60-09E91EE9402E}"/>
+              </a:ext>
+            </a:extLst>
+          </p:cNvPr>
+          <p:cNvSpPr>
+            <a:spLocks noGrp="1"/>
+          </p:cNvSpPr>
+          <p:nvPr>
+            <p:ph idx="1"/>
+          </p:nvPr>
+        </p:nvSpPr>
+        <p:spPr>
+          <a:xfrm>
+            <a:off x="1141412" y="352338"/>
+            <a:ext cx="9905999" cy="5438863"/>
+          </a:xfrm>
+        </p:spPr>
+        <p:txBody>
+          <a:bodyPr/>
+          <a:lstStyle/>
+          <a:p>
+            <a:r>
+              <a:rPr lang="pt-BR" dirty="0"/>
+              <a:t>O sistema já possui um usuário Administrador cadastrado para o primeiro acesso e cadastros dos usuários. O login e senha deste usuário estão disponíveis na documentação para o usuário (Manual de uso).</a:t>
+            </a:r>
+          </a:p>
+          <a:p>
+            <a:r>
+              <a:rPr lang="pt-BR" dirty="0"/>
+              <a:t>É possível alterar a senha do usuário mas não o tipo de acesso.</a:t>
+            </a:r>
+          </a:p>
+          <a:p>
+            <a:r>
+              <a:rPr lang="pt-BR" dirty="0"/>
+              <a:t>Após o login o usuário tem acesso a todos os módulos conforme seu tipo de usuário e caso tente fazer um acesso não permito será encaminhado a tela de Login</a:t>
+            </a:r>
+          </a:p>
+        </p:txBody>
+      </p:sp>
+      <p:pic>
+        <p:nvPicPr>
+          <p:cNvPr id="4" name="Imagem 3">
+            <a:extLst>
+              <a:ext uri="{FF2B5EF4-FFF2-40B4-BE49-F238E27FC236}">
+                <a16:creationId xmlns:a16="http://schemas.microsoft.com/office/drawing/2014/main" id="{5968EE05-3436-40D1-B1BF-4A4815628ADA}"/>
+              </a:ext>
+            </a:extLst>
+          </p:cNvPr>
+          <p:cNvPicPr>
+            <a:picLocks noChangeAspect="1"/>
+          </p:cNvPicPr>
+          <p:nvPr/>
+        </p:nvPicPr>
+        <p:blipFill>
+          <a:blip r:embed="rId2"/>
+          <a:stretch>
+            <a:fillRect/>
+          </a:stretch>
+        </p:blipFill>
+        <p:spPr>
+          <a:xfrm>
+            <a:off x="3168010" y="3986824"/>
+            <a:ext cx="4849153" cy="2418407"/>
+          </a:xfrm>
+          <a:prstGeom prst="rect">
+            <a:avLst/>
+          </a:prstGeom>
+        </p:spPr>
+      </p:pic>
+    </p:spTree>
+    <p:extLst>
+      <p:ext uri="{BB962C8B-B14F-4D97-AF65-F5344CB8AC3E}">
+        <p14:creationId xmlns:p14="http://schemas.microsoft.com/office/powerpoint/2010/main" val="620380782"/>
+      </p:ext>
+    </p:extLst>
+  </p:cSld>
+  <p:clrMapOvr>
+    <a:masterClrMapping/>
+  </p:clrMapOvr>
+</p:sld>
+</file>
+
+<file path=ppt/slides/slide14.xml><?xml version="1.0" encoding="utf-8"?>
 <p:sld xmlns:a="http://schemas.openxmlformats.org/drawingml/2006/main" xmlns:r="http://schemas.openxmlformats.org/officeDocument/2006/relationships" xmlns:p="http://schemas.openxmlformats.org/presentationml/2006/main">
   <p:cSld>
     <p:spTree>
@@ -12771,7 +12962,7 @@
 </p:sld>
 </file>
 
-<file path=ppt/slides/slide13.xml><?xml version="1.0" encoding="utf-8"?>
+<file path=ppt/slides/slide15.xml><?xml version="1.0" encoding="utf-8"?>
 <p:sld xmlns:a="http://schemas.openxmlformats.org/drawingml/2006/main" xmlns:r="http://schemas.openxmlformats.org/officeDocument/2006/relationships" xmlns:p="http://schemas.openxmlformats.org/presentationml/2006/main">
   <p:cSld>
     <p:spTree>
@@ -12885,7 +13076,7 @@
 </p:sld>
 </file>
 
-<file path=ppt/slides/slide14.xml><?xml version="1.0" encoding="utf-8"?>
+<file path=ppt/slides/slide16.xml><?xml version="1.0" encoding="utf-8"?>
 <p:sld xmlns:a="http://schemas.openxmlformats.org/drawingml/2006/main" xmlns:r="http://schemas.openxmlformats.org/officeDocument/2006/relationships" xmlns:p="http://schemas.openxmlformats.org/presentationml/2006/main">
   <p:cSld>
     <p:spTree>
@@ -12994,7 +13185,7 @@
 </p:sld>
 </file>
 
-<file path=ppt/slides/slide15.xml><?xml version="1.0" encoding="utf-8"?>
+<file path=ppt/slides/slide17.xml><?xml version="1.0" encoding="utf-8"?>
 <p:sld xmlns:a="http://schemas.openxmlformats.org/drawingml/2006/main" xmlns:r="http://schemas.openxmlformats.org/officeDocument/2006/relationships" xmlns:p="http://schemas.openxmlformats.org/presentationml/2006/main">
   <p:cSld>
     <p:spTree>
@@ -13114,7 +13305,7 @@
 </p:sld>
 </file>
 
-<file path=ppt/slides/slide16.xml><?xml version="1.0" encoding="utf-8"?>
+<file path=ppt/slides/slide18.xml><?xml version="1.0" encoding="utf-8"?>
 <p:sld xmlns:a="http://schemas.openxmlformats.org/drawingml/2006/main" xmlns:r="http://schemas.openxmlformats.org/officeDocument/2006/relationships" xmlns:p="http://schemas.openxmlformats.org/presentationml/2006/main">
   <p:cSld>
     <p:spTree>
@@ -13192,7 +13383,7 @@
 </p:sld>
 </file>
 
-<file path=ppt/slides/slide17.xml><?xml version="1.0" encoding="utf-8"?>
+<file path=ppt/slides/slide19.xml><?xml version="1.0" encoding="utf-8"?>
 <p:sld xmlns:a="http://schemas.openxmlformats.org/drawingml/2006/main" xmlns:r="http://schemas.openxmlformats.org/officeDocument/2006/relationships" xmlns:p="http://schemas.openxmlformats.org/presentationml/2006/main">
   <p:cSld>
     <p:spTree>
@@ -13286,220 +13477,6 @@
     <p:extLst>
       <p:ext uri="{BB962C8B-B14F-4D97-AF65-F5344CB8AC3E}">
         <p14:creationId xmlns:p14="http://schemas.microsoft.com/office/powerpoint/2010/main" val="577600809"/>
-      </p:ext>
-    </p:extLst>
-  </p:cSld>
-  <p:clrMapOvr>
-    <a:masterClrMapping/>
-  </p:clrMapOvr>
-</p:sld>
-</file>
-
-<file path=ppt/slides/slide18.xml><?xml version="1.0" encoding="utf-8"?>
-<p:sld xmlns:a="http://schemas.openxmlformats.org/drawingml/2006/main" xmlns:r="http://schemas.openxmlformats.org/officeDocument/2006/relationships" xmlns:p="http://schemas.openxmlformats.org/presentationml/2006/main">
-  <p:cSld>
-    <p:spTree>
-      <p:nvGrpSpPr>
-        <p:cNvPr id="1" name=""/>
-        <p:cNvGrpSpPr/>
-        <p:nvPr/>
-      </p:nvGrpSpPr>
-      <p:grpSpPr>
-        <a:xfrm>
-          <a:off x="0" y="0"/>
-          <a:ext cx="0" cy="0"/>
-          <a:chOff x="0" y="0"/>
-          <a:chExt cx="0" cy="0"/>
-        </a:xfrm>
-      </p:grpSpPr>
-      <p:sp>
-        <p:nvSpPr>
-          <p:cNvPr id="3" name="Espaço Reservado para Conteúdo 2"/>
-          <p:cNvSpPr>
-            <a:spLocks noGrp="1"/>
-          </p:cNvSpPr>
-          <p:nvPr>
-            <p:ph idx="1"/>
-          </p:nvPr>
-        </p:nvSpPr>
-        <p:spPr>
-          <a:xfrm>
-            <a:off x="1141412" y="444137"/>
-            <a:ext cx="9905999" cy="5347064"/>
-          </a:xfrm>
-        </p:spPr>
-        <p:txBody>
-          <a:bodyPr>
-            <a:normAutofit/>
-          </a:bodyPr>
-          <a:lstStyle/>
-          <a:p>
-            <a:r>
-              <a:rPr lang="pt-BR" dirty="0"/>
-              <a:t>Ao acessar a tela de compra de bovinos temos</a:t>
-            </a:r>
-          </a:p>
-          <a:p>
-            <a:endParaRPr lang="pt-BR" dirty="0"/>
-          </a:p>
-          <a:p>
-            <a:endParaRPr lang="pt-BR" dirty="0"/>
-          </a:p>
-          <a:p>
-            <a:endParaRPr lang="pt-BR" dirty="0"/>
-          </a:p>
-          <a:p>
-            <a:endParaRPr lang="pt-BR" dirty="0"/>
-          </a:p>
-          <a:p>
-            <a:r>
-              <a:rPr lang="pt-BR" dirty="0"/>
-              <a:t>Listagem com todos os bovinos cadastrados no sistema, as funcionalidades de editar e excluir cadastros e a função para novo cadastro.</a:t>
-            </a:r>
-          </a:p>
-          <a:p>
-            <a:r>
-              <a:rPr lang="pt-BR" dirty="0"/>
-              <a:t>No caso de cadastro de compra de um bovino, o dado mais importante é o brinco do animal, com ele será feito todo o controle dentro do confinamento.</a:t>
-            </a:r>
-          </a:p>
-        </p:txBody>
-      </p:sp>
-      <p:pic>
-        <p:nvPicPr>
-          <p:cNvPr id="5" name="Imagem 4"/>
-          <p:cNvPicPr/>
-          <p:nvPr/>
-        </p:nvPicPr>
-        <p:blipFill>
-          <a:blip r:embed="rId2"/>
-          <a:stretch>
-            <a:fillRect/>
-          </a:stretch>
-        </p:blipFill>
-        <p:spPr>
-          <a:xfrm>
-            <a:off x="3394391" y="1039585"/>
-            <a:ext cx="5400040" cy="2270760"/>
-          </a:xfrm>
-          <a:prstGeom prst="rect">
-            <a:avLst/>
-          </a:prstGeom>
-        </p:spPr>
-      </p:pic>
-    </p:spTree>
-    <p:extLst>
-      <p:ext uri="{BB962C8B-B14F-4D97-AF65-F5344CB8AC3E}">
-        <p14:creationId xmlns:p14="http://schemas.microsoft.com/office/powerpoint/2010/main" val="1206710301"/>
-      </p:ext>
-    </p:extLst>
-  </p:cSld>
-  <p:clrMapOvr>
-    <a:masterClrMapping/>
-  </p:clrMapOvr>
-</p:sld>
-</file>
-
-<file path=ppt/slides/slide19.xml><?xml version="1.0" encoding="utf-8"?>
-<p:sld xmlns:a="http://schemas.openxmlformats.org/drawingml/2006/main" xmlns:r="http://schemas.openxmlformats.org/officeDocument/2006/relationships" xmlns:p="http://schemas.openxmlformats.org/presentationml/2006/main">
-  <p:cSld>
-    <p:spTree>
-      <p:nvGrpSpPr>
-        <p:cNvPr id="1" name=""/>
-        <p:cNvGrpSpPr/>
-        <p:nvPr/>
-      </p:nvGrpSpPr>
-      <p:grpSpPr>
-        <a:xfrm>
-          <a:off x="0" y="0"/>
-          <a:ext cx="0" cy="0"/>
-          <a:chOff x="0" y="0"/>
-          <a:chExt cx="0" cy="0"/>
-        </a:xfrm>
-      </p:grpSpPr>
-      <p:sp>
-        <p:nvSpPr>
-          <p:cNvPr id="3" name="Espaço Reservado para Conteúdo 2"/>
-          <p:cNvSpPr>
-            <a:spLocks noGrp="1"/>
-          </p:cNvSpPr>
-          <p:nvPr>
-            <p:ph idx="1"/>
-          </p:nvPr>
-        </p:nvSpPr>
-        <p:spPr>
-          <a:xfrm>
-            <a:off x="1141412" y="235131"/>
-            <a:ext cx="9905999" cy="6244046"/>
-          </a:xfrm>
-        </p:spPr>
-        <p:txBody>
-          <a:bodyPr>
-            <a:normAutofit/>
-          </a:bodyPr>
-          <a:lstStyle/>
-          <a:p>
-            <a:pPr algn="just"/>
-            <a:r>
-              <a:rPr lang="pt-BR" dirty="0"/>
-              <a:t>Um animal cadastrado no sistema irá automaticamente ao Confinamento porém depois da sua venda, o animal saíra do confinamento mas irá continuar aparecendo aqui, assim temos o controle de todos os  animais que já passaram pela empresa.</a:t>
-            </a:r>
-          </a:p>
-          <a:p>
-            <a:endParaRPr lang="pt-BR" dirty="0"/>
-          </a:p>
-          <a:p>
-            <a:endParaRPr lang="pt-BR" dirty="0"/>
-          </a:p>
-          <a:p>
-            <a:endParaRPr lang="pt-BR" dirty="0"/>
-          </a:p>
-          <a:p>
-            <a:endParaRPr lang="pt-BR" dirty="0"/>
-          </a:p>
-          <a:p>
-            <a:endParaRPr lang="pt-BR" dirty="0"/>
-          </a:p>
-          <a:p>
-            <a:r>
-              <a:rPr lang="pt-BR" dirty="0"/>
-              <a:t>Após incluir os dados pedidos basta selecionar Salvar para incluir no sistema e retornar a tela anterior.</a:t>
-            </a:r>
-          </a:p>
-          <a:p>
-            <a:r>
-              <a:rPr lang="pt-BR" dirty="0"/>
-              <a:t>Cada animal é um cadastro único e deve ser feito um cadastro por vez.</a:t>
-            </a:r>
-          </a:p>
-        </p:txBody>
-      </p:sp>
-      <p:pic>
-        <p:nvPicPr>
-          <p:cNvPr id="4" name="Imagem 3"/>
-          <p:cNvPicPr/>
-          <p:nvPr/>
-        </p:nvPicPr>
-        <p:blipFill>
-          <a:blip r:embed="rId2"/>
-          <a:stretch>
-            <a:fillRect/>
-          </a:stretch>
-        </p:blipFill>
-        <p:spPr>
-          <a:xfrm>
-            <a:off x="3394391" y="1900782"/>
-            <a:ext cx="5400040" cy="2638425"/>
-          </a:xfrm>
-          <a:prstGeom prst="rect">
-            <a:avLst/>
-          </a:prstGeom>
-        </p:spPr>
-      </p:pic>
-    </p:spTree>
-    <p:extLst>
-      <p:ext uri="{BB962C8B-B14F-4D97-AF65-F5344CB8AC3E}">
-        <p14:creationId xmlns:p14="http://schemas.microsoft.com/office/powerpoint/2010/main" val="3555195033"/>
       </p:ext>
     </p:extLst>
   </p:cSld>
@@ -13652,6 +13629,220 @@
       </p:grpSpPr>
       <p:sp>
         <p:nvSpPr>
+          <p:cNvPr id="3" name="Espaço Reservado para Conteúdo 2"/>
+          <p:cNvSpPr>
+            <a:spLocks noGrp="1"/>
+          </p:cNvSpPr>
+          <p:nvPr>
+            <p:ph idx="1"/>
+          </p:nvPr>
+        </p:nvSpPr>
+        <p:spPr>
+          <a:xfrm>
+            <a:off x="1141412" y="444137"/>
+            <a:ext cx="9905999" cy="5347064"/>
+          </a:xfrm>
+        </p:spPr>
+        <p:txBody>
+          <a:bodyPr>
+            <a:normAutofit/>
+          </a:bodyPr>
+          <a:lstStyle/>
+          <a:p>
+            <a:r>
+              <a:rPr lang="pt-BR" dirty="0"/>
+              <a:t>Ao acessar a tela de compra de bovinos temos</a:t>
+            </a:r>
+          </a:p>
+          <a:p>
+            <a:endParaRPr lang="pt-BR" dirty="0"/>
+          </a:p>
+          <a:p>
+            <a:endParaRPr lang="pt-BR" dirty="0"/>
+          </a:p>
+          <a:p>
+            <a:endParaRPr lang="pt-BR" dirty="0"/>
+          </a:p>
+          <a:p>
+            <a:endParaRPr lang="pt-BR" dirty="0"/>
+          </a:p>
+          <a:p>
+            <a:r>
+              <a:rPr lang="pt-BR" dirty="0"/>
+              <a:t>Listagem com todos os bovinos cadastrados no sistema, as funcionalidades de editar e excluir cadastros e a função para novo cadastro.</a:t>
+            </a:r>
+          </a:p>
+          <a:p>
+            <a:r>
+              <a:rPr lang="pt-BR" dirty="0"/>
+              <a:t>No caso de cadastro de compra de um bovino, o dado mais importante é o brinco do animal, com ele será feito todo o controle dentro do confinamento.</a:t>
+            </a:r>
+          </a:p>
+        </p:txBody>
+      </p:sp>
+      <p:pic>
+        <p:nvPicPr>
+          <p:cNvPr id="5" name="Imagem 4"/>
+          <p:cNvPicPr/>
+          <p:nvPr/>
+        </p:nvPicPr>
+        <p:blipFill>
+          <a:blip r:embed="rId2"/>
+          <a:stretch>
+            <a:fillRect/>
+          </a:stretch>
+        </p:blipFill>
+        <p:spPr>
+          <a:xfrm>
+            <a:off x="3394391" y="1039585"/>
+            <a:ext cx="5400040" cy="2270760"/>
+          </a:xfrm>
+          <a:prstGeom prst="rect">
+            <a:avLst/>
+          </a:prstGeom>
+        </p:spPr>
+      </p:pic>
+    </p:spTree>
+    <p:extLst>
+      <p:ext uri="{BB962C8B-B14F-4D97-AF65-F5344CB8AC3E}">
+        <p14:creationId xmlns:p14="http://schemas.microsoft.com/office/powerpoint/2010/main" val="1206710301"/>
+      </p:ext>
+    </p:extLst>
+  </p:cSld>
+  <p:clrMapOvr>
+    <a:masterClrMapping/>
+  </p:clrMapOvr>
+</p:sld>
+</file>
+
+<file path=ppt/slides/slide21.xml><?xml version="1.0" encoding="utf-8"?>
+<p:sld xmlns:a="http://schemas.openxmlformats.org/drawingml/2006/main" xmlns:r="http://schemas.openxmlformats.org/officeDocument/2006/relationships" xmlns:p="http://schemas.openxmlformats.org/presentationml/2006/main">
+  <p:cSld>
+    <p:spTree>
+      <p:nvGrpSpPr>
+        <p:cNvPr id="1" name=""/>
+        <p:cNvGrpSpPr/>
+        <p:nvPr/>
+      </p:nvGrpSpPr>
+      <p:grpSpPr>
+        <a:xfrm>
+          <a:off x="0" y="0"/>
+          <a:ext cx="0" cy="0"/>
+          <a:chOff x="0" y="0"/>
+          <a:chExt cx="0" cy="0"/>
+        </a:xfrm>
+      </p:grpSpPr>
+      <p:sp>
+        <p:nvSpPr>
+          <p:cNvPr id="3" name="Espaço Reservado para Conteúdo 2"/>
+          <p:cNvSpPr>
+            <a:spLocks noGrp="1"/>
+          </p:cNvSpPr>
+          <p:nvPr>
+            <p:ph idx="1"/>
+          </p:nvPr>
+        </p:nvSpPr>
+        <p:spPr>
+          <a:xfrm>
+            <a:off x="1141412" y="235131"/>
+            <a:ext cx="9905999" cy="6244046"/>
+          </a:xfrm>
+        </p:spPr>
+        <p:txBody>
+          <a:bodyPr>
+            <a:normAutofit/>
+          </a:bodyPr>
+          <a:lstStyle/>
+          <a:p>
+            <a:pPr algn="just"/>
+            <a:r>
+              <a:rPr lang="pt-BR" dirty="0"/>
+              <a:t>Um animal cadastrado no sistema irá automaticamente ao Confinamento porém depois da sua venda, o animal saíra do confinamento mas irá continuar aparecendo aqui, assim temos o controle de todos os  animais que já passaram pela empresa.</a:t>
+            </a:r>
+          </a:p>
+          <a:p>
+            <a:endParaRPr lang="pt-BR" dirty="0"/>
+          </a:p>
+          <a:p>
+            <a:endParaRPr lang="pt-BR" dirty="0"/>
+          </a:p>
+          <a:p>
+            <a:endParaRPr lang="pt-BR" dirty="0"/>
+          </a:p>
+          <a:p>
+            <a:endParaRPr lang="pt-BR" dirty="0"/>
+          </a:p>
+          <a:p>
+            <a:endParaRPr lang="pt-BR" dirty="0"/>
+          </a:p>
+          <a:p>
+            <a:r>
+              <a:rPr lang="pt-BR" dirty="0"/>
+              <a:t>Após incluir os dados pedidos basta selecionar Salvar para incluir no sistema e retornar a tela anterior.</a:t>
+            </a:r>
+          </a:p>
+          <a:p>
+            <a:r>
+              <a:rPr lang="pt-BR" dirty="0"/>
+              <a:t>Cada animal é um cadastro único e deve ser feito um cadastro por vez.</a:t>
+            </a:r>
+          </a:p>
+        </p:txBody>
+      </p:sp>
+      <p:pic>
+        <p:nvPicPr>
+          <p:cNvPr id="4" name="Imagem 3"/>
+          <p:cNvPicPr/>
+          <p:nvPr/>
+        </p:nvPicPr>
+        <p:blipFill>
+          <a:blip r:embed="rId2"/>
+          <a:stretch>
+            <a:fillRect/>
+          </a:stretch>
+        </p:blipFill>
+        <p:spPr>
+          <a:xfrm>
+            <a:off x="3394391" y="1900782"/>
+            <a:ext cx="5400040" cy="2638425"/>
+          </a:xfrm>
+          <a:prstGeom prst="rect">
+            <a:avLst/>
+          </a:prstGeom>
+        </p:spPr>
+      </p:pic>
+    </p:spTree>
+    <p:extLst>
+      <p:ext uri="{BB962C8B-B14F-4D97-AF65-F5344CB8AC3E}">
+        <p14:creationId xmlns:p14="http://schemas.microsoft.com/office/powerpoint/2010/main" val="3555195033"/>
+      </p:ext>
+    </p:extLst>
+  </p:cSld>
+  <p:clrMapOvr>
+    <a:masterClrMapping/>
+  </p:clrMapOvr>
+</p:sld>
+</file>
+
+<file path=ppt/slides/slide22.xml><?xml version="1.0" encoding="utf-8"?>
+<p:sld xmlns:a="http://schemas.openxmlformats.org/drawingml/2006/main" xmlns:r="http://schemas.openxmlformats.org/officeDocument/2006/relationships" xmlns:p="http://schemas.openxmlformats.org/presentationml/2006/main">
+  <p:cSld>
+    <p:spTree>
+      <p:nvGrpSpPr>
+        <p:cNvPr id="1" name=""/>
+        <p:cNvGrpSpPr/>
+        <p:nvPr/>
+      </p:nvGrpSpPr>
+      <p:grpSpPr>
+        <a:xfrm>
+          <a:off x="0" y="0"/>
+          <a:ext cx="0" cy="0"/>
+          <a:chOff x="0" y="0"/>
+          <a:chExt cx="0" cy="0"/>
+        </a:xfrm>
+      </p:grpSpPr>
+      <p:sp>
+        <p:nvSpPr>
           <p:cNvPr id="2" name="Título 1"/>
           <p:cNvSpPr>
             <a:spLocks noGrp="1"/>
@@ -13711,7 +13902,7 @@
 </p:sld>
 </file>
 
-<file path=ppt/slides/slide21.xml><?xml version="1.0" encoding="utf-8"?>
+<file path=ppt/slides/slide23.xml><?xml version="1.0" encoding="utf-8"?>
 <p:sld xmlns:a="http://schemas.openxmlformats.org/drawingml/2006/main" xmlns:r="http://schemas.openxmlformats.org/officeDocument/2006/relationships" xmlns:p="http://schemas.openxmlformats.org/presentationml/2006/main">
   <p:cSld>
     <p:spTree>
@@ -13817,7 +14008,7 @@
 </p:sld>
 </file>
 
-<file path=ppt/slides/slide22.xml><?xml version="1.0" encoding="utf-8"?>
+<file path=ppt/slides/slide24.xml><?xml version="1.0" encoding="utf-8"?>
 <p:sld xmlns:a="http://schemas.openxmlformats.org/drawingml/2006/main" xmlns:r="http://schemas.openxmlformats.org/officeDocument/2006/relationships" xmlns:p="http://schemas.openxmlformats.org/presentationml/2006/main">
   <p:cSld>
     <p:spTree>
@@ -13926,7 +14117,7 @@
 </p:sld>
 </file>
 
-<file path=ppt/slides/slide23.xml><?xml version="1.0" encoding="utf-8"?>
+<file path=ppt/slides/slide25.xml><?xml version="1.0" encoding="utf-8"?>
 <p:sld xmlns:a="http://schemas.openxmlformats.org/drawingml/2006/main" xmlns:r="http://schemas.openxmlformats.org/officeDocument/2006/relationships" xmlns:p="http://schemas.openxmlformats.org/presentationml/2006/main">
   <p:cSld>
     <p:spTree>
@@ -14038,7 +14229,7 @@
 </p:sld>
 </file>
 
-<file path=ppt/slides/slide24.xml><?xml version="1.0" encoding="utf-8"?>
+<file path=ppt/slides/slide26.xml><?xml version="1.0" encoding="utf-8"?>
 <p:sld xmlns:a="http://schemas.openxmlformats.org/drawingml/2006/main" xmlns:r="http://schemas.openxmlformats.org/officeDocument/2006/relationships" xmlns:p="http://schemas.openxmlformats.org/presentationml/2006/main">
   <p:cSld>
     <p:spTree>
@@ -14116,7 +14307,7 @@
 </p:sld>
 </file>
 
-<file path=ppt/slides/slide25.xml><?xml version="1.0" encoding="utf-8"?>
+<file path=ppt/slides/slide27.xml><?xml version="1.0" encoding="utf-8"?>
 <p:sld xmlns:a="http://schemas.openxmlformats.org/drawingml/2006/main" xmlns:r="http://schemas.openxmlformats.org/officeDocument/2006/relationships" xmlns:p="http://schemas.openxmlformats.org/presentationml/2006/main">
   <p:cSld>
     <p:spTree>
@@ -14228,7 +14419,7 @@
 </p:sld>
 </file>
 
-<file path=ppt/slides/slide26.xml><?xml version="1.0" encoding="utf-8"?>
+<file path=ppt/slides/slide28.xml><?xml version="1.0" encoding="utf-8"?>
 <p:sld xmlns:a="http://schemas.openxmlformats.org/drawingml/2006/main" xmlns:r="http://schemas.openxmlformats.org/officeDocument/2006/relationships" xmlns:p="http://schemas.openxmlformats.org/presentationml/2006/main">
   <p:cSld>
     <p:bg>
@@ -14377,7 +14568,7 @@
           <a:noFill/>
           <a:extLst>
             <a:ext uri="{909E8E84-426E-40dd-AFC4-6F175D3DCCD1}">
-              <a14:hiddenFill xmlns:a14="http://schemas.microsoft.com/office/drawing/2010/main" xmlns:p14="http://schemas.microsoft.com/office/powerpoint/2010/main" xmlns:a16="http://schemas.microsoft.com/office/drawing/2014/main" xmlns="">
+              <a14:hiddenFill xmlns="" xmlns:a16="http://schemas.microsoft.com/office/drawing/2014/main" xmlns:p14="http://schemas.microsoft.com/office/powerpoint/2010/main" xmlns:a14="http://schemas.microsoft.com/office/drawing/2010/main">
                 <a:solidFill>
                   <a:srgbClr val="FFFFFF"/>
                 </a:solidFill>
@@ -14607,7 +14798,7 @@
             </a:ln>
             <a:extLst>
               <a:ext uri="{91240B29-F687-4f45-9708-019B960494DF}">
-                <a14:hiddenLine xmlns:a14="http://schemas.microsoft.com/office/drawing/2010/main" xmlns:p14="http://schemas.microsoft.com/office/powerpoint/2010/main" xmlns:a16="http://schemas.microsoft.com/office/drawing/2014/main" xmlns="" w="9525">
+                <a14:hiddenLine xmlns="" xmlns:a16="http://schemas.microsoft.com/office/drawing/2014/main" xmlns:p14="http://schemas.microsoft.com/office/powerpoint/2010/main" xmlns:a14="http://schemas.microsoft.com/office/drawing/2010/main" w="9525">
                   <a:solidFill>
                     <a:srgbClr val="000000"/>
                   </a:solidFill>
@@ -14712,7 +14903,7 @@
             </a:ln>
             <a:extLst>
               <a:ext uri="{91240B29-F687-4f45-9708-019B960494DF}">
-                <a14:hiddenLine xmlns:a14="http://schemas.microsoft.com/office/drawing/2010/main" xmlns:p14="http://schemas.microsoft.com/office/powerpoint/2010/main" xmlns:a16="http://schemas.microsoft.com/office/drawing/2014/main" xmlns="" w="9525">
+                <a14:hiddenLine xmlns="" xmlns:a16="http://schemas.microsoft.com/office/drawing/2014/main" xmlns:p14="http://schemas.microsoft.com/office/powerpoint/2010/main" xmlns:a14="http://schemas.microsoft.com/office/drawing/2010/main" w="9525">
                   <a:solidFill>
                     <a:srgbClr val="000000"/>
                   </a:solidFill>
@@ -14817,7 +15008,7 @@
             </a:ln>
             <a:extLst>
               <a:ext uri="{91240B29-F687-4f45-9708-019B960494DF}">
-                <a14:hiddenLine xmlns:a14="http://schemas.microsoft.com/office/drawing/2010/main" xmlns:p14="http://schemas.microsoft.com/office/powerpoint/2010/main" xmlns:a16="http://schemas.microsoft.com/office/drawing/2014/main" xmlns="" w="9525">
+                <a14:hiddenLine xmlns="" xmlns:a16="http://schemas.microsoft.com/office/drawing/2014/main" xmlns:p14="http://schemas.microsoft.com/office/powerpoint/2010/main" xmlns:a14="http://schemas.microsoft.com/office/drawing/2010/main" w="9525">
                   <a:solidFill>
                     <a:srgbClr val="000000"/>
                   </a:solidFill>
@@ -14894,7 +15085,7 @@
             </a:ln>
             <a:extLst>
               <a:ext uri="{91240B29-F687-4f45-9708-019B960494DF}">
-                <a14:hiddenLine xmlns:a14="http://schemas.microsoft.com/office/drawing/2010/main" xmlns:p14="http://schemas.microsoft.com/office/powerpoint/2010/main" xmlns:a16="http://schemas.microsoft.com/office/drawing/2014/main" xmlns="" w="9525">
+                <a14:hiddenLine xmlns="" xmlns:a16="http://schemas.microsoft.com/office/drawing/2014/main" xmlns:p14="http://schemas.microsoft.com/office/powerpoint/2010/main" xmlns:a14="http://schemas.microsoft.com/office/drawing/2010/main" w="9525">
                   <a:solidFill>
                     <a:srgbClr val="000000"/>
                   </a:solidFill>
@@ -14999,7 +15190,7 @@
             </a:ln>
             <a:extLst>
               <a:ext uri="{91240B29-F687-4f45-9708-019B960494DF}">
-                <a14:hiddenLine xmlns:a14="http://schemas.microsoft.com/office/drawing/2010/main" xmlns:p14="http://schemas.microsoft.com/office/powerpoint/2010/main" xmlns:a16="http://schemas.microsoft.com/office/drawing/2014/main" xmlns="" w="9525">
+                <a14:hiddenLine xmlns="" xmlns:a16="http://schemas.microsoft.com/office/drawing/2014/main" xmlns:p14="http://schemas.microsoft.com/office/powerpoint/2010/main" xmlns:a14="http://schemas.microsoft.com/office/drawing/2010/main" w="9525">
                   <a:solidFill>
                     <a:srgbClr val="000000"/>
                   </a:solidFill>
@@ -15076,7 +15267,7 @@
             </a:ln>
             <a:extLst>
               <a:ext uri="{91240B29-F687-4f45-9708-019B960494DF}">
-                <a14:hiddenLine xmlns:a14="http://schemas.microsoft.com/office/drawing/2010/main" xmlns:p14="http://schemas.microsoft.com/office/powerpoint/2010/main" xmlns:a16="http://schemas.microsoft.com/office/drawing/2014/main" xmlns="" w="9525">
+                <a14:hiddenLine xmlns="" xmlns:a16="http://schemas.microsoft.com/office/drawing/2014/main" xmlns:p14="http://schemas.microsoft.com/office/powerpoint/2010/main" xmlns:a14="http://schemas.microsoft.com/office/drawing/2010/main" w="9525">
                   <a:solidFill>
                     <a:srgbClr val="000000"/>
                   </a:solidFill>
@@ -15153,7 +15344,7 @@
             </a:ln>
             <a:extLst>
               <a:ext uri="{91240B29-F687-4f45-9708-019B960494DF}">
-                <a14:hiddenLine xmlns:a14="http://schemas.microsoft.com/office/drawing/2010/main" xmlns:p14="http://schemas.microsoft.com/office/powerpoint/2010/main" xmlns:a16="http://schemas.microsoft.com/office/drawing/2014/main" xmlns="" w="9525">
+                <a14:hiddenLine xmlns="" xmlns:a16="http://schemas.microsoft.com/office/drawing/2014/main" xmlns:p14="http://schemas.microsoft.com/office/powerpoint/2010/main" xmlns:a14="http://schemas.microsoft.com/office/drawing/2010/main" w="9525">
                   <a:solidFill>
                     <a:srgbClr val="000000"/>
                   </a:solidFill>
@@ -15258,7 +15449,7 @@
             </a:ln>
             <a:extLst>
               <a:ext uri="{91240B29-F687-4f45-9708-019B960494DF}">
-                <a14:hiddenLine xmlns:a14="http://schemas.microsoft.com/office/drawing/2010/main" xmlns:p14="http://schemas.microsoft.com/office/powerpoint/2010/main" xmlns:a16="http://schemas.microsoft.com/office/drawing/2014/main" xmlns="" w="9525">
+                <a14:hiddenLine xmlns="" xmlns:a16="http://schemas.microsoft.com/office/drawing/2014/main" xmlns:p14="http://schemas.microsoft.com/office/powerpoint/2010/main" xmlns:a14="http://schemas.microsoft.com/office/drawing/2010/main" w="9525">
                   <a:solidFill>
                     <a:srgbClr val="000000"/>
                   </a:solidFill>
@@ -15363,7 +15554,7 @@
             </a:ln>
             <a:extLst>
               <a:ext uri="{91240B29-F687-4f45-9708-019B960494DF}">
-                <a14:hiddenLine xmlns:a14="http://schemas.microsoft.com/office/drawing/2010/main" xmlns:p14="http://schemas.microsoft.com/office/powerpoint/2010/main" xmlns:a16="http://schemas.microsoft.com/office/drawing/2014/main" xmlns="" w="9525">
+                <a14:hiddenLine xmlns="" xmlns:a16="http://schemas.microsoft.com/office/drawing/2014/main" xmlns:p14="http://schemas.microsoft.com/office/powerpoint/2010/main" xmlns:a14="http://schemas.microsoft.com/office/drawing/2010/main" w="9525">
                   <a:solidFill>
                     <a:srgbClr val="000000"/>
                   </a:solidFill>
@@ -15440,7 +15631,7 @@
             </a:ln>
             <a:extLst>
               <a:ext uri="{91240B29-F687-4f45-9708-019B960494DF}">
-                <a14:hiddenLine xmlns:a14="http://schemas.microsoft.com/office/drawing/2010/main" xmlns:p14="http://schemas.microsoft.com/office/powerpoint/2010/main" xmlns:a16="http://schemas.microsoft.com/office/drawing/2014/main" xmlns="" w="9525">
+                <a14:hiddenLine xmlns="" xmlns:a16="http://schemas.microsoft.com/office/drawing/2014/main" xmlns:p14="http://schemas.microsoft.com/office/powerpoint/2010/main" xmlns:a14="http://schemas.microsoft.com/office/drawing/2010/main" w="9525">
                   <a:solidFill>
                     <a:srgbClr val="000000"/>
                   </a:solidFill>
@@ -15565,7 +15756,7 @@
             </a:ln>
             <a:extLst>
               <a:ext uri="{91240B29-F687-4f45-9708-019B960494DF}">
-                <a14:hiddenLine xmlns:a14="http://schemas.microsoft.com/office/drawing/2010/main" xmlns:p14="http://schemas.microsoft.com/office/powerpoint/2010/main" xmlns:a16="http://schemas.microsoft.com/office/drawing/2014/main" xmlns="" w="9525">
+                <a14:hiddenLine xmlns="" xmlns:a16="http://schemas.microsoft.com/office/drawing/2014/main" xmlns:p14="http://schemas.microsoft.com/office/powerpoint/2010/main" xmlns:a14="http://schemas.microsoft.com/office/drawing/2010/main" w="9525">
                   <a:solidFill>
                     <a:srgbClr val="000000"/>
                   </a:solidFill>
@@ -15679,7 +15870,7 @@
             </a:ln>
             <a:extLst>
               <a:ext uri="{91240B29-F687-4f45-9708-019B960494DF}">
-                <a14:hiddenLine xmlns:a14="http://schemas.microsoft.com/office/drawing/2010/main" xmlns:p14="http://schemas.microsoft.com/office/powerpoint/2010/main" xmlns:a16="http://schemas.microsoft.com/office/drawing/2014/main" xmlns="" w="9525">
+                <a14:hiddenLine xmlns="" xmlns:a16="http://schemas.microsoft.com/office/drawing/2014/main" xmlns:p14="http://schemas.microsoft.com/office/powerpoint/2010/main" xmlns:a14="http://schemas.microsoft.com/office/drawing/2010/main" w="9525">
                   <a:solidFill>
                     <a:srgbClr val="000000"/>
                   </a:solidFill>
@@ -15756,7 +15947,7 @@
             </a:ln>
             <a:extLst>
               <a:ext uri="{91240B29-F687-4f45-9708-019B960494DF}">
-                <a14:hiddenLine xmlns:a14="http://schemas.microsoft.com/office/drawing/2010/main" xmlns:p14="http://schemas.microsoft.com/office/powerpoint/2010/main" xmlns:a16="http://schemas.microsoft.com/office/drawing/2014/main" xmlns="" w="9525">
+                <a14:hiddenLine xmlns="" xmlns:a16="http://schemas.microsoft.com/office/drawing/2014/main" xmlns:p14="http://schemas.microsoft.com/office/powerpoint/2010/main" xmlns:a14="http://schemas.microsoft.com/office/drawing/2010/main" w="9525">
                   <a:solidFill>
                     <a:srgbClr val="000000"/>
                   </a:solidFill>
@@ -15833,7 +16024,7 @@
             </a:ln>
             <a:extLst>
               <a:ext uri="{91240B29-F687-4f45-9708-019B960494DF}">
-                <a14:hiddenLine xmlns:a14="http://schemas.microsoft.com/office/drawing/2010/main" xmlns:p14="http://schemas.microsoft.com/office/powerpoint/2010/main" xmlns:a16="http://schemas.microsoft.com/office/drawing/2014/main" xmlns="" w="9525">
+                <a14:hiddenLine xmlns="" xmlns:a16="http://schemas.microsoft.com/office/drawing/2014/main" xmlns:p14="http://schemas.microsoft.com/office/powerpoint/2010/main" xmlns:a14="http://schemas.microsoft.com/office/drawing/2010/main" w="9525">
                   <a:solidFill>
                     <a:srgbClr val="000000"/>
                   </a:solidFill>
@@ -15938,7 +16129,7 @@
             </a:ln>
             <a:extLst>
               <a:ext uri="{91240B29-F687-4f45-9708-019B960494DF}">
-                <a14:hiddenLine xmlns:a14="http://schemas.microsoft.com/office/drawing/2010/main" xmlns:p14="http://schemas.microsoft.com/office/powerpoint/2010/main" xmlns:a16="http://schemas.microsoft.com/office/drawing/2014/main" xmlns="" w="9525">
+                <a14:hiddenLine xmlns="" xmlns:a16="http://schemas.microsoft.com/office/drawing/2014/main" xmlns:p14="http://schemas.microsoft.com/office/powerpoint/2010/main" xmlns:a14="http://schemas.microsoft.com/office/drawing/2010/main" w="9525">
                   <a:solidFill>
                     <a:srgbClr val="000000"/>
                   </a:solidFill>
@@ -15987,7 +16178,7 @@
             </a:ln>
             <a:extLst>
               <a:ext uri="{91240B29-F687-4f45-9708-019B960494DF}">
-                <a14:hiddenLine xmlns:a14="http://schemas.microsoft.com/office/drawing/2010/main" xmlns:p14="http://schemas.microsoft.com/office/powerpoint/2010/main" xmlns:a16="http://schemas.microsoft.com/office/drawing/2014/main" xmlns="" w="9525">
+                <a14:hiddenLine xmlns="" xmlns:a16="http://schemas.microsoft.com/office/drawing/2014/main" xmlns:p14="http://schemas.microsoft.com/office/powerpoint/2010/main" xmlns:a14="http://schemas.microsoft.com/office/drawing/2010/main" w="9525">
                   <a:solidFill>
                     <a:srgbClr val="000000"/>
                   </a:solidFill>
@@ -16067,7 +16258,7 @@
             </a:ln>
             <a:extLst>
               <a:ext uri="{91240B29-F687-4f45-9708-019B960494DF}">
-                <a14:hiddenLine xmlns:a14="http://schemas.microsoft.com/office/drawing/2010/main" xmlns:p14="http://schemas.microsoft.com/office/powerpoint/2010/main" xmlns:a16="http://schemas.microsoft.com/office/drawing/2014/main" xmlns="" w="9525">
+                <a14:hiddenLine xmlns="" xmlns:a16="http://schemas.microsoft.com/office/drawing/2014/main" xmlns:p14="http://schemas.microsoft.com/office/powerpoint/2010/main" xmlns:a14="http://schemas.microsoft.com/office/drawing/2010/main" w="9525">
                   <a:solidFill>
                     <a:srgbClr val="000000"/>
                   </a:solidFill>
@@ -16172,7 +16363,7 @@
             </a:ln>
             <a:extLst>
               <a:ext uri="{91240B29-F687-4f45-9708-019B960494DF}">
-                <a14:hiddenLine xmlns:a14="http://schemas.microsoft.com/office/drawing/2010/main" xmlns:p14="http://schemas.microsoft.com/office/powerpoint/2010/main" xmlns:a16="http://schemas.microsoft.com/office/drawing/2014/main" xmlns="" w="9525">
+                <a14:hiddenLine xmlns="" xmlns:a16="http://schemas.microsoft.com/office/drawing/2014/main" xmlns:p14="http://schemas.microsoft.com/office/powerpoint/2010/main" xmlns:a14="http://schemas.microsoft.com/office/drawing/2010/main" w="9525">
                   <a:solidFill>
                     <a:srgbClr val="000000"/>
                   </a:solidFill>
@@ -16249,7 +16440,7 @@
             </a:ln>
             <a:extLst>
               <a:ext uri="{91240B29-F687-4f45-9708-019B960494DF}">
-                <a14:hiddenLine xmlns:a14="http://schemas.microsoft.com/office/drawing/2010/main" xmlns:p14="http://schemas.microsoft.com/office/powerpoint/2010/main" xmlns:a16="http://schemas.microsoft.com/office/drawing/2014/main" xmlns="" w="9525">
+                <a14:hiddenLine xmlns="" xmlns:a16="http://schemas.microsoft.com/office/drawing/2014/main" xmlns:p14="http://schemas.microsoft.com/office/powerpoint/2010/main" xmlns:a14="http://schemas.microsoft.com/office/drawing/2010/main" w="9525">
                   <a:solidFill>
                     <a:srgbClr val="000000"/>
                   </a:solidFill>
@@ -16354,7 +16545,7 @@
             </a:ln>
             <a:extLst>
               <a:ext uri="{91240B29-F687-4f45-9708-019B960494DF}">
-                <a14:hiddenLine xmlns:a14="http://schemas.microsoft.com/office/drawing/2010/main" xmlns:p14="http://schemas.microsoft.com/office/powerpoint/2010/main" xmlns:a16="http://schemas.microsoft.com/office/drawing/2014/main" xmlns="" w="9525">
+                <a14:hiddenLine xmlns="" xmlns:a16="http://schemas.microsoft.com/office/drawing/2014/main" xmlns:p14="http://schemas.microsoft.com/office/powerpoint/2010/main" xmlns:a14="http://schemas.microsoft.com/office/drawing/2010/main" w="9525">
                   <a:solidFill>
                     <a:srgbClr val="000000"/>
                   </a:solidFill>
@@ -16434,7 +16625,7 @@
             </a:ln>
             <a:extLst>
               <a:ext uri="{91240B29-F687-4f45-9708-019B960494DF}">
-                <a14:hiddenLine xmlns:a14="http://schemas.microsoft.com/office/drawing/2010/main" xmlns:p14="http://schemas.microsoft.com/office/powerpoint/2010/main" xmlns:a16="http://schemas.microsoft.com/office/drawing/2014/main" xmlns="" w="9525">
+                <a14:hiddenLine xmlns="" xmlns:a16="http://schemas.microsoft.com/office/drawing/2014/main" xmlns:p14="http://schemas.microsoft.com/office/powerpoint/2010/main" xmlns:a14="http://schemas.microsoft.com/office/drawing/2010/main" w="9525">
                   <a:solidFill>
                     <a:srgbClr val="000000"/>
                   </a:solidFill>
@@ -16511,7 +16702,7 @@
             </a:ln>
             <a:extLst>
               <a:ext uri="{91240B29-F687-4f45-9708-019B960494DF}">
-                <a14:hiddenLine xmlns:a14="http://schemas.microsoft.com/office/drawing/2010/main" xmlns:p14="http://schemas.microsoft.com/office/powerpoint/2010/main" xmlns:a16="http://schemas.microsoft.com/office/drawing/2014/main" xmlns="" w="9525">
+                <a14:hiddenLine xmlns="" xmlns:a16="http://schemas.microsoft.com/office/drawing/2014/main" xmlns:p14="http://schemas.microsoft.com/office/powerpoint/2010/main" xmlns:a14="http://schemas.microsoft.com/office/drawing/2010/main" w="9525">
                   <a:solidFill>
                     <a:srgbClr val="000000"/>
                   </a:solidFill>
@@ -16616,7 +16807,7 @@
             </a:ln>
             <a:extLst>
               <a:ext uri="{91240B29-F687-4f45-9708-019B960494DF}">
-                <a14:hiddenLine xmlns:a14="http://schemas.microsoft.com/office/drawing/2010/main" xmlns:p14="http://schemas.microsoft.com/office/powerpoint/2010/main" xmlns:a16="http://schemas.microsoft.com/office/drawing/2014/main" xmlns="" w="9525">
+                <a14:hiddenLine xmlns="" xmlns:a16="http://schemas.microsoft.com/office/drawing/2014/main" xmlns:p14="http://schemas.microsoft.com/office/powerpoint/2010/main" xmlns:a14="http://schemas.microsoft.com/office/drawing/2010/main" w="9525">
                   <a:solidFill>
                     <a:srgbClr val="000000"/>
                   </a:solidFill>
@@ -16721,7 +16912,7 @@
             </a:ln>
             <a:extLst>
               <a:ext uri="{91240B29-F687-4f45-9708-019B960494DF}">
-                <a14:hiddenLine xmlns:a14="http://schemas.microsoft.com/office/drawing/2010/main" xmlns:p14="http://schemas.microsoft.com/office/powerpoint/2010/main" xmlns:a16="http://schemas.microsoft.com/office/drawing/2014/main" xmlns="" w="9525">
+                <a14:hiddenLine xmlns="" xmlns:a16="http://schemas.microsoft.com/office/drawing/2014/main" xmlns:p14="http://schemas.microsoft.com/office/powerpoint/2010/main" xmlns:a14="http://schemas.microsoft.com/office/drawing/2010/main" w="9525">
                   <a:solidFill>
                     <a:srgbClr val="000000"/>
                   </a:solidFill>
@@ -16801,7 +16992,7 @@
             </a:ln>
             <a:extLst>
               <a:ext uri="{91240B29-F687-4f45-9708-019B960494DF}">
-                <a14:hiddenLine xmlns:a14="http://schemas.microsoft.com/office/drawing/2010/main" xmlns:p14="http://schemas.microsoft.com/office/powerpoint/2010/main" xmlns:a16="http://schemas.microsoft.com/office/drawing/2014/main" xmlns="" w="9525">
+                <a14:hiddenLine xmlns="" xmlns:a16="http://schemas.microsoft.com/office/drawing/2014/main" xmlns:p14="http://schemas.microsoft.com/office/powerpoint/2010/main" xmlns:a14="http://schemas.microsoft.com/office/drawing/2010/main" w="9525">
                   <a:solidFill>
                     <a:srgbClr val="000000"/>
                   </a:solidFill>
@@ -16936,7 +17127,7 @@
             </a:ln>
             <a:extLst>
               <a:ext uri="{91240B29-F687-4f45-9708-019B960494DF}">
-                <a14:hiddenLine xmlns:a14="http://schemas.microsoft.com/office/drawing/2010/main" xmlns:p14="http://schemas.microsoft.com/office/powerpoint/2010/main" xmlns:a16="http://schemas.microsoft.com/office/drawing/2014/main" xmlns="" w="9525">
+                <a14:hiddenLine xmlns="" xmlns:a16="http://schemas.microsoft.com/office/drawing/2014/main" xmlns:p14="http://schemas.microsoft.com/office/powerpoint/2010/main" xmlns:a14="http://schemas.microsoft.com/office/drawing/2010/main" w="9525">
                   <a:solidFill>
                     <a:srgbClr val="000000"/>
                   </a:solidFill>
@@ -16962,7 +17153,7 @@
 </p:sld>
 </file>
 
-<file path=ppt/slides/slide27.xml><?xml version="1.0" encoding="utf-8"?>
+<file path=ppt/slides/slide29.xml><?xml version="1.0" encoding="utf-8"?>
 <p:sld xmlns:a="http://schemas.openxmlformats.org/drawingml/2006/main" xmlns:r="http://schemas.openxmlformats.org/officeDocument/2006/relationships" xmlns:p="http://schemas.openxmlformats.org/presentationml/2006/main">
   <p:cSld>
     <p:bg>
@@ -17159,7 +17350,7 @@
               </a:ln>
               <a:extLst>
                 <a:ext uri="{91240B29-F687-4f45-9708-019B960494DF}">
-                  <a14:hiddenLine xmlns:a14="http://schemas.microsoft.com/office/drawing/2010/main" xmlns:p14="http://schemas.microsoft.com/office/powerpoint/2010/main" xmlns:a16="http://schemas.microsoft.com/office/drawing/2014/main" xmlns="" w="9525">
+                  <a14:hiddenLine xmlns="" xmlns:a16="http://schemas.microsoft.com/office/drawing/2014/main" xmlns:p14="http://schemas.microsoft.com/office/powerpoint/2010/main" xmlns:a14="http://schemas.microsoft.com/office/drawing/2010/main" w="9525">
                     <a:solidFill>
                       <a:srgbClr val="000000"/>
                     </a:solidFill>
@@ -17264,7 +17455,7 @@
               </a:ln>
               <a:extLst>
                 <a:ext uri="{91240B29-F687-4f45-9708-019B960494DF}">
-                  <a14:hiddenLine xmlns:a14="http://schemas.microsoft.com/office/drawing/2010/main" xmlns:p14="http://schemas.microsoft.com/office/powerpoint/2010/main" xmlns:a16="http://schemas.microsoft.com/office/drawing/2014/main" xmlns="" w="9525">
+                  <a14:hiddenLine xmlns="" xmlns:a16="http://schemas.microsoft.com/office/drawing/2014/main" xmlns:p14="http://schemas.microsoft.com/office/powerpoint/2010/main" xmlns:a14="http://schemas.microsoft.com/office/drawing/2010/main" w="9525">
                     <a:solidFill>
                       <a:srgbClr val="000000"/>
                     </a:solidFill>
@@ -17369,7 +17560,7 @@
               </a:ln>
               <a:extLst>
                 <a:ext uri="{91240B29-F687-4f45-9708-019B960494DF}">
-                  <a14:hiddenLine xmlns:a14="http://schemas.microsoft.com/office/drawing/2010/main" xmlns:p14="http://schemas.microsoft.com/office/powerpoint/2010/main" xmlns:a16="http://schemas.microsoft.com/office/drawing/2014/main" xmlns="" w="9525">
+                  <a14:hiddenLine xmlns="" xmlns:a16="http://schemas.microsoft.com/office/drawing/2014/main" xmlns:p14="http://schemas.microsoft.com/office/powerpoint/2010/main" xmlns:a14="http://schemas.microsoft.com/office/drawing/2010/main" w="9525">
                     <a:solidFill>
                       <a:srgbClr val="000000"/>
                     </a:solidFill>
@@ -17446,7 +17637,7 @@
               </a:ln>
               <a:extLst>
                 <a:ext uri="{91240B29-F687-4f45-9708-019B960494DF}">
-                  <a14:hiddenLine xmlns:a14="http://schemas.microsoft.com/office/drawing/2010/main" xmlns:p14="http://schemas.microsoft.com/office/powerpoint/2010/main" xmlns:a16="http://schemas.microsoft.com/office/drawing/2014/main" xmlns="" w="9525">
+                  <a14:hiddenLine xmlns="" xmlns:a16="http://schemas.microsoft.com/office/drawing/2014/main" xmlns:p14="http://schemas.microsoft.com/office/powerpoint/2010/main" xmlns:a14="http://schemas.microsoft.com/office/drawing/2010/main" w="9525">
                     <a:solidFill>
                       <a:srgbClr val="000000"/>
                     </a:solidFill>
@@ -17551,7 +17742,7 @@
               </a:ln>
               <a:extLst>
                 <a:ext uri="{91240B29-F687-4f45-9708-019B960494DF}">
-                  <a14:hiddenLine xmlns:a14="http://schemas.microsoft.com/office/drawing/2010/main" xmlns:p14="http://schemas.microsoft.com/office/powerpoint/2010/main" xmlns:a16="http://schemas.microsoft.com/office/drawing/2014/main" xmlns="" w="9525">
+                  <a14:hiddenLine xmlns="" xmlns:a16="http://schemas.microsoft.com/office/drawing/2014/main" xmlns:p14="http://schemas.microsoft.com/office/powerpoint/2010/main" xmlns:a14="http://schemas.microsoft.com/office/drawing/2010/main" w="9525">
                     <a:solidFill>
                       <a:srgbClr val="000000"/>
                     </a:solidFill>
@@ -17628,7 +17819,7 @@
               </a:ln>
               <a:extLst>
                 <a:ext uri="{91240B29-F687-4f45-9708-019B960494DF}">
-                  <a14:hiddenLine xmlns:a14="http://schemas.microsoft.com/office/drawing/2010/main" xmlns:p14="http://schemas.microsoft.com/office/powerpoint/2010/main" xmlns:a16="http://schemas.microsoft.com/office/drawing/2014/main" xmlns="" w="9525">
+                  <a14:hiddenLine xmlns="" xmlns:a16="http://schemas.microsoft.com/office/drawing/2014/main" xmlns:p14="http://schemas.microsoft.com/office/powerpoint/2010/main" xmlns:a14="http://schemas.microsoft.com/office/drawing/2010/main" w="9525">
                     <a:solidFill>
                       <a:srgbClr val="000000"/>
                     </a:solidFill>
@@ -17705,7 +17896,7 @@
               </a:ln>
               <a:extLst>
                 <a:ext uri="{91240B29-F687-4f45-9708-019B960494DF}">
-                  <a14:hiddenLine xmlns:a14="http://schemas.microsoft.com/office/drawing/2010/main" xmlns:p14="http://schemas.microsoft.com/office/powerpoint/2010/main" xmlns:a16="http://schemas.microsoft.com/office/drawing/2014/main" xmlns="" w="9525">
+                  <a14:hiddenLine xmlns="" xmlns:a16="http://schemas.microsoft.com/office/drawing/2014/main" xmlns:p14="http://schemas.microsoft.com/office/powerpoint/2010/main" xmlns:a14="http://schemas.microsoft.com/office/drawing/2010/main" w="9525">
                     <a:solidFill>
                       <a:srgbClr val="000000"/>
                     </a:solidFill>
@@ -17810,7 +18001,7 @@
               </a:ln>
               <a:extLst>
                 <a:ext uri="{91240B29-F687-4f45-9708-019B960494DF}">
-                  <a14:hiddenLine xmlns:a14="http://schemas.microsoft.com/office/drawing/2010/main" xmlns:p14="http://schemas.microsoft.com/office/powerpoint/2010/main" xmlns:a16="http://schemas.microsoft.com/office/drawing/2014/main" xmlns="" w="9525">
+                  <a14:hiddenLine xmlns="" xmlns:a16="http://schemas.microsoft.com/office/drawing/2014/main" xmlns:p14="http://schemas.microsoft.com/office/powerpoint/2010/main" xmlns:a14="http://schemas.microsoft.com/office/drawing/2010/main" w="9525">
                     <a:solidFill>
                       <a:srgbClr val="000000"/>
                     </a:solidFill>
@@ -17915,7 +18106,7 @@
               </a:ln>
               <a:extLst>
                 <a:ext uri="{91240B29-F687-4f45-9708-019B960494DF}">
-                  <a14:hiddenLine xmlns:a14="http://schemas.microsoft.com/office/drawing/2010/main" xmlns:p14="http://schemas.microsoft.com/office/powerpoint/2010/main" xmlns:a16="http://schemas.microsoft.com/office/drawing/2014/main" xmlns="" w="9525">
+                  <a14:hiddenLine xmlns="" xmlns:a16="http://schemas.microsoft.com/office/drawing/2014/main" xmlns:p14="http://schemas.microsoft.com/office/powerpoint/2010/main" xmlns:a14="http://schemas.microsoft.com/office/drawing/2010/main" w="9525">
                     <a:solidFill>
                       <a:srgbClr val="000000"/>
                     </a:solidFill>
@@ -17992,7 +18183,7 @@
               </a:ln>
               <a:extLst>
                 <a:ext uri="{91240B29-F687-4f45-9708-019B960494DF}">
-                  <a14:hiddenLine xmlns:a14="http://schemas.microsoft.com/office/drawing/2010/main" xmlns:p14="http://schemas.microsoft.com/office/powerpoint/2010/main" xmlns:a16="http://schemas.microsoft.com/office/drawing/2014/main" xmlns="" w="9525">
+                  <a14:hiddenLine xmlns="" xmlns:a16="http://schemas.microsoft.com/office/drawing/2014/main" xmlns:p14="http://schemas.microsoft.com/office/powerpoint/2010/main" xmlns:a14="http://schemas.microsoft.com/office/drawing/2010/main" w="9525">
                     <a:solidFill>
                       <a:srgbClr val="000000"/>
                     </a:solidFill>
@@ -18117,7 +18308,7 @@
               </a:ln>
               <a:extLst>
                 <a:ext uri="{91240B29-F687-4f45-9708-019B960494DF}">
-                  <a14:hiddenLine xmlns:a14="http://schemas.microsoft.com/office/drawing/2010/main" xmlns:p14="http://schemas.microsoft.com/office/powerpoint/2010/main" xmlns:a16="http://schemas.microsoft.com/office/drawing/2014/main" xmlns="" w="9525">
+                  <a14:hiddenLine xmlns="" xmlns:a16="http://schemas.microsoft.com/office/drawing/2014/main" xmlns:p14="http://schemas.microsoft.com/office/powerpoint/2010/main" xmlns:a14="http://schemas.microsoft.com/office/drawing/2010/main" w="9525">
                     <a:solidFill>
                       <a:srgbClr val="000000"/>
                     </a:solidFill>
@@ -18231,7 +18422,7 @@
               </a:ln>
               <a:extLst>
                 <a:ext uri="{91240B29-F687-4f45-9708-019B960494DF}">
-                  <a14:hiddenLine xmlns:a14="http://schemas.microsoft.com/office/drawing/2010/main" xmlns:p14="http://schemas.microsoft.com/office/powerpoint/2010/main" xmlns:a16="http://schemas.microsoft.com/office/drawing/2014/main" xmlns="" w="9525">
+                  <a14:hiddenLine xmlns="" xmlns:a16="http://schemas.microsoft.com/office/drawing/2014/main" xmlns:p14="http://schemas.microsoft.com/office/powerpoint/2010/main" xmlns:a14="http://schemas.microsoft.com/office/drawing/2010/main" w="9525">
                     <a:solidFill>
                       <a:srgbClr val="000000"/>
                     </a:solidFill>
@@ -18308,7 +18499,7 @@
               </a:ln>
               <a:extLst>
                 <a:ext uri="{91240B29-F687-4f45-9708-019B960494DF}">
-                  <a14:hiddenLine xmlns:a14="http://schemas.microsoft.com/office/drawing/2010/main" xmlns:p14="http://schemas.microsoft.com/office/powerpoint/2010/main" xmlns:a16="http://schemas.microsoft.com/office/drawing/2014/main" xmlns="" w="9525">
+                  <a14:hiddenLine xmlns="" xmlns:a16="http://schemas.microsoft.com/office/drawing/2014/main" xmlns:p14="http://schemas.microsoft.com/office/powerpoint/2010/main" xmlns:a14="http://schemas.microsoft.com/office/drawing/2010/main" w="9525">
                     <a:solidFill>
                       <a:srgbClr val="000000"/>
                     </a:solidFill>
@@ -18385,7 +18576,7 @@
               </a:ln>
               <a:extLst>
                 <a:ext uri="{91240B29-F687-4f45-9708-019B960494DF}">
-                  <a14:hiddenLine xmlns:a14="http://schemas.microsoft.com/office/drawing/2010/main" xmlns:p14="http://schemas.microsoft.com/office/powerpoint/2010/main" xmlns:a16="http://schemas.microsoft.com/office/drawing/2014/main" xmlns="" w="9525">
+                  <a14:hiddenLine xmlns="" xmlns:a16="http://schemas.microsoft.com/office/drawing/2014/main" xmlns:p14="http://schemas.microsoft.com/office/powerpoint/2010/main" xmlns:a14="http://schemas.microsoft.com/office/drawing/2010/main" w="9525">
                     <a:solidFill>
                       <a:srgbClr val="000000"/>
                     </a:solidFill>
@@ -18490,7 +18681,7 @@
               </a:ln>
               <a:extLst>
                 <a:ext uri="{91240B29-F687-4f45-9708-019B960494DF}">
-                  <a14:hiddenLine xmlns:a14="http://schemas.microsoft.com/office/drawing/2010/main" xmlns:p14="http://schemas.microsoft.com/office/powerpoint/2010/main" xmlns:a16="http://schemas.microsoft.com/office/drawing/2014/main" xmlns="" w="9525">
+                  <a14:hiddenLine xmlns="" xmlns:a16="http://schemas.microsoft.com/office/drawing/2014/main" xmlns:p14="http://schemas.microsoft.com/office/powerpoint/2010/main" xmlns:a14="http://schemas.microsoft.com/office/drawing/2010/main" w="9525">
                     <a:solidFill>
                       <a:srgbClr val="000000"/>
                     </a:solidFill>
@@ -18539,7 +18730,7 @@
               </a:ln>
               <a:extLst>
                 <a:ext uri="{91240B29-F687-4f45-9708-019B960494DF}">
-                  <a14:hiddenLine xmlns:a14="http://schemas.microsoft.com/office/drawing/2010/main" xmlns:p14="http://schemas.microsoft.com/office/powerpoint/2010/main" xmlns:a16="http://schemas.microsoft.com/office/drawing/2014/main" xmlns="" w="9525">
+                  <a14:hiddenLine xmlns="" xmlns:a16="http://schemas.microsoft.com/office/drawing/2014/main" xmlns:p14="http://schemas.microsoft.com/office/powerpoint/2010/main" xmlns:a14="http://schemas.microsoft.com/office/drawing/2010/main" w="9525">
                     <a:solidFill>
                       <a:srgbClr val="000000"/>
                     </a:solidFill>
@@ -18619,7 +18810,7 @@
               </a:ln>
               <a:extLst>
                 <a:ext uri="{91240B29-F687-4f45-9708-019B960494DF}">
-                  <a14:hiddenLine xmlns:a14="http://schemas.microsoft.com/office/drawing/2010/main" xmlns:p14="http://schemas.microsoft.com/office/powerpoint/2010/main" xmlns:a16="http://schemas.microsoft.com/office/drawing/2014/main" xmlns="" w="9525">
+                  <a14:hiddenLine xmlns="" xmlns:a16="http://schemas.microsoft.com/office/drawing/2014/main" xmlns:p14="http://schemas.microsoft.com/office/powerpoint/2010/main" xmlns:a14="http://schemas.microsoft.com/office/drawing/2010/main" w="9525">
                     <a:solidFill>
                       <a:srgbClr val="000000"/>
                     </a:solidFill>
@@ -18724,7 +18915,7 @@
               </a:ln>
               <a:extLst>
                 <a:ext uri="{91240B29-F687-4f45-9708-019B960494DF}">
-                  <a14:hiddenLine xmlns:a14="http://schemas.microsoft.com/office/drawing/2010/main" xmlns:p14="http://schemas.microsoft.com/office/powerpoint/2010/main" xmlns:a16="http://schemas.microsoft.com/office/drawing/2014/main" xmlns="" w="9525">
+                  <a14:hiddenLine xmlns="" xmlns:a16="http://schemas.microsoft.com/office/drawing/2014/main" xmlns:p14="http://schemas.microsoft.com/office/powerpoint/2010/main" xmlns:a14="http://schemas.microsoft.com/office/drawing/2010/main" w="9525">
                     <a:solidFill>
                       <a:srgbClr val="000000"/>
                     </a:solidFill>
@@ -18801,7 +18992,7 @@
               </a:ln>
               <a:extLst>
                 <a:ext uri="{91240B29-F687-4f45-9708-019B960494DF}">
-                  <a14:hiddenLine xmlns:a14="http://schemas.microsoft.com/office/drawing/2010/main" xmlns:p14="http://schemas.microsoft.com/office/powerpoint/2010/main" xmlns:a16="http://schemas.microsoft.com/office/drawing/2014/main" xmlns="" w="9525">
+                  <a14:hiddenLine xmlns="" xmlns:a16="http://schemas.microsoft.com/office/drawing/2014/main" xmlns:p14="http://schemas.microsoft.com/office/powerpoint/2010/main" xmlns:a14="http://schemas.microsoft.com/office/drawing/2010/main" w="9525">
                     <a:solidFill>
                       <a:srgbClr val="000000"/>
                     </a:solidFill>
@@ -18906,7 +19097,7 @@
               </a:ln>
               <a:extLst>
                 <a:ext uri="{91240B29-F687-4f45-9708-019B960494DF}">
-                  <a14:hiddenLine xmlns:a14="http://schemas.microsoft.com/office/drawing/2010/main" xmlns:p14="http://schemas.microsoft.com/office/powerpoint/2010/main" xmlns:a16="http://schemas.microsoft.com/office/drawing/2014/main" xmlns="" w="9525">
+                  <a14:hiddenLine xmlns="" xmlns:a16="http://schemas.microsoft.com/office/drawing/2014/main" xmlns:p14="http://schemas.microsoft.com/office/powerpoint/2010/main" xmlns:a14="http://schemas.microsoft.com/office/drawing/2010/main" w="9525">
                     <a:solidFill>
                       <a:srgbClr val="000000"/>
                     </a:solidFill>
@@ -18986,7 +19177,7 @@
               </a:ln>
               <a:extLst>
                 <a:ext uri="{91240B29-F687-4f45-9708-019B960494DF}">
-                  <a14:hiddenLine xmlns:a14="http://schemas.microsoft.com/office/drawing/2010/main" xmlns:p14="http://schemas.microsoft.com/office/powerpoint/2010/main" xmlns:a16="http://schemas.microsoft.com/office/drawing/2014/main" xmlns="" w="9525">
+                  <a14:hiddenLine xmlns="" xmlns:a16="http://schemas.microsoft.com/office/drawing/2014/main" xmlns:p14="http://schemas.microsoft.com/office/powerpoint/2010/main" xmlns:a14="http://schemas.microsoft.com/office/drawing/2010/main" w="9525">
                     <a:solidFill>
                       <a:srgbClr val="000000"/>
                     </a:solidFill>
@@ -19063,7 +19254,7 @@
               </a:ln>
               <a:extLst>
                 <a:ext uri="{91240B29-F687-4f45-9708-019B960494DF}">
-                  <a14:hiddenLine xmlns:a14="http://schemas.microsoft.com/office/drawing/2010/main" xmlns:p14="http://schemas.microsoft.com/office/powerpoint/2010/main" xmlns:a16="http://schemas.microsoft.com/office/drawing/2014/main" xmlns="" w="9525">
+                  <a14:hiddenLine xmlns="" xmlns:a16="http://schemas.microsoft.com/office/drawing/2014/main" xmlns:p14="http://schemas.microsoft.com/office/powerpoint/2010/main" xmlns:a14="http://schemas.microsoft.com/office/drawing/2010/main" w="9525">
                     <a:solidFill>
                       <a:srgbClr val="000000"/>
                     </a:solidFill>
@@ -19168,7 +19359,7 @@
               </a:ln>
               <a:extLst>
                 <a:ext uri="{91240B29-F687-4f45-9708-019B960494DF}">
-                  <a14:hiddenLine xmlns:a14="http://schemas.microsoft.com/office/drawing/2010/main" xmlns:p14="http://schemas.microsoft.com/office/powerpoint/2010/main" xmlns:a16="http://schemas.microsoft.com/office/drawing/2014/main" xmlns="" w="9525">
+                  <a14:hiddenLine xmlns="" xmlns:a16="http://schemas.microsoft.com/office/drawing/2014/main" xmlns:p14="http://schemas.microsoft.com/office/powerpoint/2010/main" xmlns:a14="http://schemas.microsoft.com/office/drawing/2010/main" w="9525">
                     <a:solidFill>
                       <a:srgbClr val="000000"/>
                     </a:solidFill>
@@ -19273,7 +19464,7 @@
               </a:ln>
               <a:extLst>
                 <a:ext uri="{91240B29-F687-4f45-9708-019B960494DF}">
-                  <a14:hiddenLine xmlns:a14="http://schemas.microsoft.com/office/drawing/2010/main" xmlns:p14="http://schemas.microsoft.com/office/powerpoint/2010/main" xmlns:a16="http://schemas.microsoft.com/office/drawing/2014/main" xmlns="" w="9525">
+                  <a14:hiddenLine xmlns="" xmlns:a16="http://schemas.microsoft.com/office/drawing/2014/main" xmlns:p14="http://schemas.microsoft.com/office/powerpoint/2010/main" xmlns:a14="http://schemas.microsoft.com/office/drawing/2010/main" w="9525">
                     <a:solidFill>
                       <a:srgbClr val="000000"/>
                     </a:solidFill>
@@ -19353,7 +19544,7 @@
               </a:ln>
               <a:extLst>
                 <a:ext uri="{91240B29-F687-4f45-9708-019B960494DF}">
-                  <a14:hiddenLine xmlns:a14="http://schemas.microsoft.com/office/drawing/2010/main" xmlns:p14="http://schemas.microsoft.com/office/powerpoint/2010/main" xmlns:a16="http://schemas.microsoft.com/office/drawing/2014/main" xmlns="" w="9525">
+                  <a14:hiddenLine xmlns="" xmlns:a16="http://schemas.microsoft.com/office/drawing/2014/main" xmlns:p14="http://schemas.microsoft.com/office/powerpoint/2010/main" xmlns:a14="http://schemas.microsoft.com/office/drawing/2010/main" w="9525">
                     <a:solidFill>
                       <a:srgbClr val="000000"/>
                     </a:solidFill>
@@ -19488,7 +19679,7 @@
               </a:ln>
               <a:extLst>
                 <a:ext uri="{91240B29-F687-4f45-9708-019B960494DF}">
-                  <a14:hiddenLine xmlns:a14="http://schemas.microsoft.com/office/drawing/2010/main" xmlns:p14="http://schemas.microsoft.com/office/powerpoint/2010/main" xmlns:a16="http://schemas.microsoft.com/office/drawing/2014/main" xmlns="" w="9525">
+                  <a14:hiddenLine xmlns="" xmlns:a16="http://schemas.microsoft.com/office/drawing/2014/main" xmlns:p14="http://schemas.microsoft.com/office/powerpoint/2010/main" xmlns:a14="http://schemas.microsoft.com/office/drawing/2010/main" w="9525">
                     <a:solidFill>
                       <a:srgbClr val="000000"/>
                     </a:solidFill>
@@ -19613,7 +19804,7 @@
               </a:ln>
               <a:extLst>
                 <a:ext uri="{91240B29-F687-4f45-9708-019B960494DF}">
-                  <a14:hiddenLine xmlns:a14="http://schemas.microsoft.com/office/drawing/2010/main" xmlns:p14="http://schemas.microsoft.com/office/powerpoint/2010/main" xmlns:a16="http://schemas.microsoft.com/office/drawing/2014/main" xmlns="" w="9525">
+                  <a14:hiddenLine xmlns="" xmlns:a16="http://schemas.microsoft.com/office/drawing/2014/main" xmlns:p14="http://schemas.microsoft.com/office/powerpoint/2010/main" xmlns:a14="http://schemas.microsoft.com/office/drawing/2010/main" w="9525">
                     <a:solidFill>
                       <a:srgbClr val="000000"/>
                     </a:solidFill>
@@ -19743,7 +19934,7 @@
               </a:ln>
               <a:extLst>
                 <a:ext uri="{91240B29-F687-4f45-9708-019B960494DF}">
-                  <a14:hiddenLine xmlns:a14="http://schemas.microsoft.com/office/drawing/2010/main" xmlns:p14="http://schemas.microsoft.com/office/powerpoint/2010/main" xmlns:a16="http://schemas.microsoft.com/office/drawing/2014/main" xmlns="" w="9525">
+                  <a14:hiddenLine xmlns="" xmlns:a16="http://schemas.microsoft.com/office/drawing/2014/main" xmlns:p14="http://schemas.microsoft.com/office/powerpoint/2010/main" xmlns:a14="http://schemas.microsoft.com/office/drawing/2010/main" w="9525">
                     <a:solidFill>
                       <a:srgbClr val="000000"/>
                     </a:solidFill>
@@ -19848,7 +20039,7 @@
               </a:ln>
               <a:extLst>
                 <a:ext uri="{91240B29-F687-4f45-9708-019B960494DF}">
-                  <a14:hiddenLine xmlns:a14="http://schemas.microsoft.com/office/drawing/2010/main" xmlns:p14="http://schemas.microsoft.com/office/powerpoint/2010/main" xmlns:a16="http://schemas.microsoft.com/office/drawing/2014/main" xmlns="" w="9525">
+                  <a14:hiddenLine xmlns="" xmlns:a16="http://schemas.microsoft.com/office/drawing/2014/main" xmlns:p14="http://schemas.microsoft.com/office/powerpoint/2010/main" xmlns:a14="http://schemas.microsoft.com/office/drawing/2010/main" w="9525">
                     <a:solidFill>
                       <a:srgbClr val="000000"/>
                     </a:solidFill>
@@ -19928,7 +20119,7 @@
               </a:ln>
               <a:extLst>
                 <a:ext uri="{91240B29-F687-4f45-9708-019B960494DF}">
-                  <a14:hiddenLine xmlns:a14="http://schemas.microsoft.com/office/drawing/2010/main" xmlns:p14="http://schemas.microsoft.com/office/powerpoint/2010/main" xmlns:a16="http://schemas.microsoft.com/office/drawing/2014/main" xmlns="" w="9525">
+                  <a14:hiddenLine xmlns="" xmlns:a16="http://schemas.microsoft.com/office/drawing/2014/main" xmlns:p14="http://schemas.microsoft.com/office/powerpoint/2010/main" xmlns:a14="http://schemas.microsoft.com/office/drawing/2010/main" w="9525">
                     <a:solidFill>
                       <a:srgbClr val="000000"/>
                     </a:solidFill>
@@ -20033,7 +20224,7 @@
               </a:ln>
               <a:extLst>
                 <a:ext uri="{91240B29-F687-4f45-9708-019B960494DF}">
-                  <a14:hiddenLine xmlns:a14="http://schemas.microsoft.com/office/drawing/2010/main" xmlns:p14="http://schemas.microsoft.com/office/powerpoint/2010/main" xmlns:a16="http://schemas.microsoft.com/office/drawing/2014/main" xmlns="" w="9525">
+                  <a14:hiddenLine xmlns="" xmlns:a16="http://schemas.microsoft.com/office/drawing/2014/main" xmlns:p14="http://schemas.microsoft.com/office/powerpoint/2010/main" xmlns:a14="http://schemas.microsoft.com/office/drawing/2010/main" w="9525">
                     <a:solidFill>
                       <a:srgbClr val="000000"/>
                     </a:solidFill>
@@ -20116,7 +20307,7 @@
               </a:ln>
               <a:extLst>
                 <a:ext uri="{91240B29-F687-4f45-9708-019B960494DF}">
-                  <a14:hiddenLine xmlns:a14="http://schemas.microsoft.com/office/drawing/2010/main" xmlns:p14="http://schemas.microsoft.com/office/powerpoint/2010/main" xmlns:a16="http://schemas.microsoft.com/office/drawing/2014/main" xmlns="" w="9525">
+                  <a14:hiddenLine xmlns="" xmlns:a16="http://schemas.microsoft.com/office/drawing/2014/main" xmlns:p14="http://schemas.microsoft.com/office/powerpoint/2010/main" xmlns:a14="http://schemas.microsoft.com/office/drawing/2010/main" w="9525">
                     <a:solidFill>
                       <a:srgbClr val="000000"/>
                     </a:solidFill>
@@ -20221,7 +20412,7 @@
               </a:ln>
               <a:extLst>
                 <a:ext uri="{91240B29-F687-4f45-9708-019B960494DF}">
-                  <a14:hiddenLine xmlns:a14="http://schemas.microsoft.com/office/drawing/2010/main" xmlns:p14="http://schemas.microsoft.com/office/powerpoint/2010/main" xmlns:a16="http://schemas.microsoft.com/office/drawing/2014/main" xmlns="" w="9525">
+                  <a14:hiddenLine xmlns="" xmlns:a16="http://schemas.microsoft.com/office/drawing/2014/main" xmlns:p14="http://schemas.microsoft.com/office/powerpoint/2010/main" xmlns:a14="http://schemas.microsoft.com/office/drawing/2010/main" w="9525">
                     <a:solidFill>
                       <a:srgbClr val="000000"/>
                     </a:solidFill>
@@ -20304,7 +20495,7 @@
               </a:ln>
               <a:extLst>
                 <a:ext uri="{91240B29-F687-4f45-9708-019B960494DF}">
-                  <a14:hiddenLine xmlns:a14="http://schemas.microsoft.com/office/drawing/2010/main" xmlns:p14="http://schemas.microsoft.com/office/powerpoint/2010/main" xmlns:a16="http://schemas.microsoft.com/office/drawing/2014/main" xmlns="" w="9525">
+                  <a14:hiddenLine xmlns="" xmlns:a16="http://schemas.microsoft.com/office/drawing/2014/main" xmlns:p14="http://schemas.microsoft.com/office/powerpoint/2010/main" xmlns:a14="http://schemas.microsoft.com/office/drawing/2010/main" w="9525">
                     <a:solidFill>
                       <a:srgbClr val="000000"/>
                     </a:solidFill>
@@ -20409,7 +20600,7 @@
               </a:ln>
               <a:extLst>
                 <a:ext uri="{91240B29-F687-4f45-9708-019B960494DF}">
-                  <a14:hiddenLine xmlns:a14="http://schemas.microsoft.com/office/drawing/2010/main" xmlns:p14="http://schemas.microsoft.com/office/powerpoint/2010/main" xmlns:a16="http://schemas.microsoft.com/office/drawing/2014/main" xmlns="" w="9525">
+                  <a14:hiddenLine xmlns="" xmlns:a16="http://schemas.microsoft.com/office/drawing/2014/main" xmlns:p14="http://schemas.microsoft.com/office/powerpoint/2010/main" xmlns:a14="http://schemas.microsoft.com/office/drawing/2010/main" w="9525">
                     <a:solidFill>
                       <a:srgbClr val="000000"/>
                     </a:solidFill>
@@ -20458,7 +20649,7 @@
               </a:ln>
               <a:extLst>
                 <a:ext uri="{91240B29-F687-4f45-9708-019B960494DF}">
-                  <a14:hiddenLine xmlns:a14="http://schemas.microsoft.com/office/drawing/2010/main" xmlns:p14="http://schemas.microsoft.com/office/powerpoint/2010/main" xmlns:a16="http://schemas.microsoft.com/office/drawing/2014/main" xmlns="" w="9525">
+                  <a14:hiddenLine xmlns="" xmlns:a16="http://schemas.microsoft.com/office/drawing/2014/main" xmlns:p14="http://schemas.microsoft.com/office/powerpoint/2010/main" xmlns:a14="http://schemas.microsoft.com/office/drawing/2010/main" w="9525">
                     <a:solidFill>
                       <a:srgbClr val="000000"/>
                     </a:solidFill>
@@ -20520,7 +20711,7 @@
           <a:noFill/>
           <a:extLst>
             <a:ext uri="{909E8E84-426E-40dd-AFC4-6F175D3DCCD1}">
-              <a14:hiddenFill xmlns:a14="http://schemas.microsoft.com/office/drawing/2010/main" xmlns:p14="http://schemas.microsoft.com/office/powerpoint/2010/main" xmlns:a16="http://schemas.microsoft.com/office/drawing/2014/main" xmlns="">
+              <a14:hiddenFill xmlns="" xmlns:a16="http://schemas.microsoft.com/office/drawing/2014/main" xmlns:p14="http://schemas.microsoft.com/office/powerpoint/2010/main" xmlns:a14="http://schemas.microsoft.com/office/drawing/2010/main">
                 <a:solidFill>
                   <a:srgbClr val="FFFFFF"/>
                 </a:solidFill>
@@ -20709,7 +20900,102 @@
 </p:sld>
 </file>
 
-<file path=ppt/slides/slide28.xml><?xml version="1.0" encoding="utf-8"?>
+<file path=ppt/slides/slide3.xml><?xml version="1.0" encoding="utf-8"?>
+<p:sld xmlns:a="http://schemas.openxmlformats.org/drawingml/2006/main" xmlns:r="http://schemas.openxmlformats.org/officeDocument/2006/relationships" xmlns:p="http://schemas.openxmlformats.org/presentationml/2006/main">
+  <p:cSld>
+    <p:spTree>
+      <p:nvGrpSpPr>
+        <p:cNvPr id="1" name=""/>
+        <p:cNvGrpSpPr/>
+        <p:nvPr/>
+      </p:nvGrpSpPr>
+      <p:grpSpPr>
+        <a:xfrm>
+          <a:off x="0" y="0"/>
+          <a:ext cx="0" cy="0"/>
+          <a:chOff x="0" y="0"/>
+          <a:chExt cx="0" cy="0"/>
+        </a:xfrm>
+      </p:grpSpPr>
+      <p:sp>
+        <p:nvSpPr>
+          <p:cNvPr id="3" name="Espaço Reservado para Conteúdo 2">
+            <a:extLst>
+              <a:ext uri="{FF2B5EF4-FFF2-40B4-BE49-F238E27FC236}">
+                <a16:creationId xmlns:a16="http://schemas.microsoft.com/office/drawing/2014/main" id="{1DE0134A-D439-436D-842E-BF761EB6F589}"/>
+              </a:ext>
+            </a:extLst>
+          </p:cNvPr>
+          <p:cNvSpPr>
+            <a:spLocks noGrp="1"/>
+          </p:cNvSpPr>
+          <p:nvPr>
+            <p:ph idx="1"/>
+          </p:nvPr>
+        </p:nvSpPr>
+        <p:spPr>
+          <a:xfrm>
+            <a:off x="1143000" y="438949"/>
+            <a:ext cx="9905999" cy="5710059"/>
+          </a:xfrm>
+        </p:spPr>
+        <p:txBody>
+          <a:bodyPr>
+            <a:normAutofit fontScale="92500" lnSpcReduction="10000"/>
+          </a:bodyPr>
+          <a:lstStyle/>
+          <a:p>
+            <a:pPr algn="just"/>
+            <a:r>
+              <a:rPr lang="pt-BR" sz="2800" dirty="0"/>
+              <a:t>O controle de estoque de produtos é feito em uma tabela de </a:t>
+            </a:r>
+            <a:r>
+              <a:rPr lang="pt-BR" sz="2800" dirty="0" err="1"/>
+              <a:t>Excell</a:t>
+            </a:r>
+            <a:r>
+              <a:rPr lang="pt-BR" sz="2800" dirty="0"/>
+              <a:t>, todo pedido de compra e venda é cadastrado manualmente nessa tabela por um funcionário no fim do dia, o que gera inconsistências pois muitas vezes ao consultar um produto ele consta em estoque porem já foi vendido.</a:t>
+            </a:r>
+          </a:p>
+          <a:p>
+            <a:pPr algn="just"/>
+            <a:r>
+              <a:rPr lang="pt-BR" sz="2800" dirty="0"/>
+              <a:t>Como esses mesmos produtos também são utilizados para o consumo interno muitas vezes eles ou não são lançados na ficha do bovino ou não é dado baixa em estoque.</a:t>
+            </a:r>
+          </a:p>
+          <a:p>
+            <a:pPr algn="just"/>
+            <a:r>
+              <a:rPr lang="pt-BR" sz="2800" dirty="0"/>
+              <a:t>O calculo do custo dos bovinos em confinamento é difícil pois tem que ser feito manualmente, sendo colocado o custo de cada produto utilizados bem como os valores de consultas veterinárias.</a:t>
+            </a:r>
+          </a:p>
+          <a:p>
+            <a:pPr algn="just"/>
+            <a:r>
+              <a:rPr lang="pt-BR" sz="2800" dirty="0"/>
+              <a:t>Em caso de erro é muito difícil localizar o problema</a:t>
+            </a:r>
+          </a:p>
+        </p:txBody>
+      </p:sp>
+    </p:spTree>
+    <p:extLst>
+      <p:ext uri="{BB962C8B-B14F-4D97-AF65-F5344CB8AC3E}">
+        <p14:creationId xmlns:p14="http://schemas.microsoft.com/office/powerpoint/2010/main" val="511223781"/>
+      </p:ext>
+    </p:extLst>
+  </p:cSld>
+  <p:clrMapOvr>
+    <a:masterClrMapping/>
+  </p:clrMapOvr>
+</p:sld>
+</file>
+
+<file path=ppt/slides/slide30.xml><?xml version="1.0" encoding="utf-8"?>
 <p:sld xmlns:a="http://schemas.openxmlformats.org/drawingml/2006/main" xmlns:r="http://schemas.openxmlformats.org/officeDocument/2006/relationships" xmlns:p="http://schemas.openxmlformats.org/presentationml/2006/main">
   <p:cSld>
     <p:bg>
@@ -20906,7 +21192,7 @@
               </a:ln>
               <a:extLst>
                 <a:ext uri="{91240B29-F687-4f45-9708-019B960494DF}">
-                  <a14:hiddenLine xmlns:a14="http://schemas.microsoft.com/office/drawing/2010/main" xmlns:p14="http://schemas.microsoft.com/office/powerpoint/2010/main" xmlns:a16="http://schemas.microsoft.com/office/drawing/2014/main" xmlns="" w="9525">
+                  <a14:hiddenLine xmlns="" xmlns:a16="http://schemas.microsoft.com/office/drawing/2014/main" xmlns:p14="http://schemas.microsoft.com/office/powerpoint/2010/main" xmlns:a14="http://schemas.microsoft.com/office/drawing/2010/main" w="9525">
                     <a:solidFill>
                       <a:srgbClr val="000000"/>
                     </a:solidFill>
@@ -21011,7 +21297,7 @@
               </a:ln>
               <a:extLst>
                 <a:ext uri="{91240B29-F687-4f45-9708-019B960494DF}">
-                  <a14:hiddenLine xmlns:a14="http://schemas.microsoft.com/office/drawing/2010/main" xmlns:p14="http://schemas.microsoft.com/office/powerpoint/2010/main" xmlns:a16="http://schemas.microsoft.com/office/drawing/2014/main" xmlns="" w="9525">
+                  <a14:hiddenLine xmlns="" xmlns:a16="http://schemas.microsoft.com/office/drawing/2014/main" xmlns:p14="http://schemas.microsoft.com/office/powerpoint/2010/main" xmlns:a14="http://schemas.microsoft.com/office/drawing/2010/main" w="9525">
                     <a:solidFill>
                       <a:srgbClr val="000000"/>
                     </a:solidFill>
@@ -21116,7 +21402,7 @@
               </a:ln>
               <a:extLst>
                 <a:ext uri="{91240B29-F687-4f45-9708-019B960494DF}">
-                  <a14:hiddenLine xmlns:a14="http://schemas.microsoft.com/office/drawing/2010/main" xmlns:p14="http://schemas.microsoft.com/office/powerpoint/2010/main" xmlns:a16="http://schemas.microsoft.com/office/drawing/2014/main" xmlns="" w="9525">
+                  <a14:hiddenLine xmlns="" xmlns:a16="http://schemas.microsoft.com/office/drawing/2014/main" xmlns:p14="http://schemas.microsoft.com/office/powerpoint/2010/main" xmlns:a14="http://schemas.microsoft.com/office/drawing/2010/main" w="9525">
                     <a:solidFill>
                       <a:srgbClr val="000000"/>
                     </a:solidFill>
@@ -21193,7 +21479,7 @@
               </a:ln>
               <a:extLst>
                 <a:ext uri="{91240B29-F687-4f45-9708-019B960494DF}">
-                  <a14:hiddenLine xmlns:a14="http://schemas.microsoft.com/office/drawing/2010/main" xmlns:p14="http://schemas.microsoft.com/office/powerpoint/2010/main" xmlns:a16="http://schemas.microsoft.com/office/drawing/2014/main" xmlns="" w="9525">
+                  <a14:hiddenLine xmlns="" xmlns:a16="http://schemas.microsoft.com/office/drawing/2014/main" xmlns:p14="http://schemas.microsoft.com/office/powerpoint/2010/main" xmlns:a14="http://schemas.microsoft.com/office/drawing/2010/main" w="9525">
                     <a:solidFill>
                       <a:srgbClr val="000000"/>
                     </a:solidFill>
@@ -21298,7 +21584,7 @@
               </a:ln>
               <a:extLst>
                 <a:ext uri="{91240B29-F687-4f45-9708-019B960494DF}">
-                  <a14:hiddenLine xmlns:a14="http://schemas.microsoft.com/office/drawing/2010/main" xmlns:p14="http://schemas.microsoft.com/office/powerpoint/2010/main" xmlns:a16="http://schemas.microsoft.com/office/drawing/2014/main" xmlns="" w="9525">
+                  <a14:hiddenLine xmlns="" xmlns:a16="http://schemas.microsoft.com/office/drawing/2014/main" xmlns:p14="http://schemas.microsoft.com/office/powerpoint/2010/main" xmlns:a14="http://schemas.microsoft.com/office/drawing/2010/main" w="9525">
                     <a:solidFill>
                       <a:srgbClr val="000000"/>
                     </a:solidFill>
@@ -21375,7 +21661,7 @@
               </a:ln>
               <a:extLst>
                 <a:ext uri="{91240B29-F687-4f45-9708-019B960494DF}">
-                  <a14:hiddenLine xmlns:a14="http://schemas.microsoft.com/office/drawing/2010/main" xmlns:p14="http://schemas.microsoft.com/office/powerpoint/2010/main" xmlns:a16="http://schemas.microsoft.com/office/drawing/2014/main" xmlns="" w="9525">
+                  <a14:hiddenLine xmlns="" xmlns:a16="http://schemas.microsoft.com/office/drawing/2014/main" xmlns:p14="http://schemas.microsoft.com/office/powerpoint/2010/main" xmlns:a14="http://schemas.microsoft.com/office/drawing/2010/main" w="9525">
                     <a:solidFill>
                       <a:srgbClr val="000000"/>
                     </a:solidFill>
@@ -21452,7 +21738,7 @@
               </a:ln>
               <a:extLst>
                 <a:ext uri="{91240B29-F687-4f45-9708-019B960494DF}">
-                  <a14:hiddenLine xmlns:a14="http://schemas.microsoft.com/office/drawing/2010/main" xmlns:p14="http://schemas.microsoft.com/office/powerpoint/2010/main" xmlns:a16="http://schemas.microsoft.com/office/drawing/2014/main" xmlns="" w="9525">
+                  <a14:hiddenLine xmlns="" xmlns:a16="http://schemas.microsoft.com/office/drawing/2014/main" xmlns:p14="http://schemas.microsoft.com/office/powerpoint/2010/main" xmlns:a14="http://schemas.microsoft.com/office/drawing/2010/main" w="9525">
                     <a:solidFill>
                       <a:srgbClr val="000000"/>
                     </a:solidFill>
@@ -21557,7 +21843,7 @@
               </a:ln>
               <a:extLst>
                 <a:ext uri="{91240B29-F687-4f45-9708-019B960494DF}">
-                  <a14:hiddenLine xmlns:a14="http://schemas.microsoft.com/office/drawing/2010/main" xmlns:p14="http://schemas.microsoft.com/office/powerpoint/2010/main" xmlns:a16="http://schemas.microsoft.com/office/drawing/2014/main" xmlns="" w="9525">
+                  <a14:hiddenLine xmlns="" xmlns:a16="http://schemas.microsoft.com/office/drawing/2014/main" xmlns:p14="http://schemas.microsoft.com/office/powerpoint/2010/main" xmlns:a14="http://schemas.microsoft.com/office/drawing/2010/main" w="9525">
                     <a:solidFill>
                       <a:srgbClr val="000000"/>
                     </a:solidFill>
@@ -21662,7 +21948,7 @@
               </a:ln>
               <a:extLst>
                 <a:ext uri="{91240B29-F687-4f45-9708-019B960494DF}">
-                  <a14:hiddenLine xmlns:a14="http://schemas.microsoft.com/office/drawing/2010/main" xmlns:p14="http://schemas.microsoft.com/office/powerpoint/2010/main" xmlns:a16="http://schemas.microsoft.com/office/drawing/2014/main" xmlns="" w="9525">
+                  <a14:hiddenLine xmlns="" xmlns:a16="http://schemas.microsoft.com/office/drawing/2014/main" xmlns:p14="http://schemas.microsoft.com/office/powerpoint/2010/main" xmlns:a14="http://schemas.microsoft.com/office/drawing/2010/main" w="9525">
                     <a:solidFill>
                       <a:srgbClr val="000000"/>
                     </a:solidFill>
@@ -21739,7 +22025,7 @@
               </a:ln>
               <a:extLst>
                 <a:ext uri="{91240B29-F687-4f45-9708-019B960494DF}">
-                  <a14:hiddenLine xmlns:a14="http://schemas.microsoft.com/office/drawing/2010/main" xmlns:p14="http://schemas.microsoft.com/office/powerpoint/2010/main" xmlns:a16="http://schemas.microsoft.com/office/drawing/2014/main" xmlns="" w="9525">
+                  <a14:hiddenLine xmlns="" xmlns:a16="http://schemas.microsoft.com/office/drawing/2014/main" xmlns:p14="http://schemas.microsoft.com/office/powerpoint/2010/main" xmlns:a14="http://schemas.microsoft.com/office/drawing/2010/main" w="9525">
                     <a:solidFill>
                       <a:srgbClr val="000000"/>
                     </a:solidFill>
@@ -21864,7 +22150,7 @@
               </a:ln>
               <a:extLst>
                 <a:ext uri="{91240B29-F687-4f45-9708-019B960494DF}">
-                  <a14:hiddenLine xmlns:a14="http://schemas.microsoft.com/office/drawing/2010/main" xmlns:p14="http://schemas.microsoft.com/office/powerpoint/2010/main" xmlns:a16="http://schemas.microsoft.com/office/drawing/2014/main" xmlns="" w="9525">
+                  <a14:hiddenLine xmlns="" xmlns:a16="http://schemas.microsoft.com/office/drawing/2014/main" xmlns:p14="http://schemas.microsoft.com/office/powerpoint/2010/main" xmlns:a14="http://schemas.microsoft.com/office/drawing/2010/main" w="9525">
                     <a:solidFill>
                       <a:srgbClr val="000000"/>
                     </a:solidFill>
@@ -21978,7 +22264,7 @@
               </a:ln>
               <a:extLst>
                 <a:ext uri="{91240B29-F687-4f45-9708-019B960494DF}">
-                  <a14:hiddenLine xmlns:a14="http://schemas.microsoft.com/office/drawing/2010/main" xmlns:p14="http://schemas.microsoft.com/office/powerpoint/2010/main" xmlns:a16="http://schemas.microsoft.com/office/drawing/2014/main" xmlns="" w="9525">
+                  <a14:hiddenLine xmlns="" xmlns:a16="http://schemas.microsoft.com/office/drawing/2014/main" xmlns:p14="http://schemas.microsoft.com/office/powerpoint/2010/main" xmlns:a14="http://schemas.microsoft.com/office/drawing/2010/main" w="9525">
                     <a:solidFill>
                       <a:srgbClr val="000000"/>
                     </a:solidFill>
@@ -22055,7 +22341,7 @@
               </a:ln>
               <a:extLst>
                 <a:ext uri="{91240B29-F687-4f45-9708-019B960494DF}">
-                  <a14:hiddenLine xmlns:a14="http://schemas.microsoft.com/office/drawing/2010/main" xmlns:p14="http://schemas.microsoft.com/office/powerpoint/2010/main" xmlns:a16="http://schemas.microsoft.com/office/drawing/2014/main" xmlns="" w="9525">
+                  <a14:hiddenLine xmlns="" xmlns:a16="http://schemas.microsoft.com/office/drawing/2014/main" xmlns:p14="http://schemas.microsoft.com/office/powerpoint/2010/main" xmlns:a14="http://schemas.microsoft.com/office/drawing/2010/main" w="9525">
                     <a:solidFill>
                       <a:srgbClr val="000000"/>
                     </a:solidFill>
@@ -22132,7 +22418,7 @@
               </a:ln>
               <a:extLst>
                 <a:ext uri="{91240B29-F687-4f45-9708-019B960494DF}">
-                  <a14:hiddenLine xmlns:a14="http://schemas.microsoft.com/office/drawing/2010/main" xmlns:p14="http://schemas.microsoft.com/office/powerpoint/2010/main" xmlns:a16="http://schemas.microsoft.com/office/drawing/2014/main" xmlns="" w="9525">
+                  <a14:hiddenLine xmlns="" xmlns:a16="http://schemas.microsoft.com/office/drawing/2014/main" xmlns:p14="http://schemas.microsoft.com/office/powerpoint/2010/main" xmlns:a14="http://schemas.microsoft.com/office/drawing/2010/main" w="9525">
                     <a:solidFill>
                       <a:srgbClr val="000000"/>
                     </a:solidFill>
@@ -22237,7 +22523,7 @@
               </a:ln>
               <a:extLst>
                 <a:ext uri="{91240B29-F687-4f45-9708-019B960494DF}">
-                  <a14:hiddenLine xmlns:a14="http://schemas.microsoft.com/office/drawing/2010/main" xmlns:p14="http://schemas.microsoft.com/office/powerpoint/2010/main" xmlns:a16="http://schemas.microsoft.com/office/drawing/2014/main" xmlns="" w="9525">
+                  <a14:hiddenLine xmlns="" xmlns:a16="http://schemas.microsoft.com/office/drawing/2014/main" xmlns:p14="http://schemas.microsoft.com/office/powerpoint/2010/main" xmlns:a14="http://schemas.microsoft.com/office/drawing/2010/main" w="9525">
                     <a:solidFill>
                       <a:srgbClr val="000000"/>
                     </a:solidFill>
@@ -22286,7 +22572,7 @@
               </a:ln>
               <a:extLst>
                 <a:ext uri="{91240B29-F687-4f45-9708-019B960494DF}">
-                  <a14:hiddenLine xmlns:a14="http://schemas.microsoft.com/office/drawing/2010/main" xmlns:p14="http://schemas.microsoft.com/office/powerpoint/2010/main" xmlns:a16="http://schemas.microsoft.com/office/drawing/2014/main" xmlns="" w="9525">
+                  <a14:hiddenLine xmlns="" xmlns:a16="http://schemas.microsoft.com/office/drawing/2014/main" xmlns:p14="http://schemas.microsoft.com/office/powerpoint/2010/main" xmlns:a14="http://schemas.microsoft.com/office/drawing/2010/main" w="9525">
                     <a:solidFill>
                       <a:srgbClr val="000000"/>
                     </a:solidFill>
@@ -22366,7 +22652,7 @@
               </a:ln>
               <a:extLst>
                 <a:ext uri="{91240B29-F687-4f45-9708-019B960494DF}">
-                  <a14:hiddenLine xmlns:a14="http://schemas.microsoft.com/office/drawing/2010/main" xmlns:p14="http://schemas.microsoft.com/office/powerpoint/2010/main" xmlns:a16="http://schemas.microsoft.com/office/drawing/2014/main" xmlns="" w="9525">
+                  <a14:hiddenLine xmlns="" xmlns:a16="http://schemas.microsoft.com/office/drawing/2014/main" xmlns:p14="http://schemas.microsoft.com/office/powerpoint/2010/main" xmlns:a14="http://schemas.microsoft.com/office/drawing/2010/main" w="9525">
                     <a:solidFill>
                       <a:srgbClr val="000000"/>
                     </a:solidFill>
@@ -22471,7 +22757,7 @@
               </a:ln>
               <a:extLst>
                 <a:ext uri="{91240B29-F687-4f45-9708-019B960494DF}">
-                  <a14:hiddenLine xmlns:a14="http://schemas.microsoft.com/office/drawing/2010/main" xmlns:p14="http://schemas.microsoft.com/office/powerpoint/2010/main" xmlns:a16="http://schemas.microsoft.com/office/drawing/2014/main" xmlns="" w="9525">
+                  <a14:hiddenLine xmlns="" xmlns:a16="http://schemas.microsoft.com/office/drawing/2014/main" xmlns:p14="http://schemas.microsoft.com/office/powerpoint/2010/main" xmlns:a14="http://schemas.microsoft.com/office/drawing/2010/main" w="9525">
                     <a:solidFill>
                       <a:srgbClr val="000000"/>
                     </a:solidFill>
@@ -22548,7 +22834,7 @@
               </a:ln>
               <a:extLst>
                 <a:ext uri="{91240B29-F687-4f45-9708-019B960494DF}">
-                  <a14:hiddenLine xmlns:a14="http://schemas.microsoft.com/office/drawing/2010/main" xmlns:p14="http://schemas.microsoft.com/office/powerpoint/2010/main" xmlns:a16="http://schemas.microsoft.com/office/drawing/2014/main" xmlns="" w="9525">
+                  <a14:hiddenLine xmlns="" xmlns:a16="http://schemas.microsoft.com/office/drawing/2014/main" xmlns:p14="http://schemas.microsoft.com/office/powerpoint/2010/main" xmlns:a14="http://schemas.microsoft.com/office/drawing/2010/main" w="9525">
                     <a:solidFill>
                       <a:srgbClr val="000000"/>
                     </a:solidFill>
@@ -22653,7 +22939,7 @@
               </a:ln>
               <a:extLst>
                 <a:ext uri="{91240B29-F687-4f45-9708-019B960494DF}">
-                  <a14:hiddenLine xmlns:a14="http://schemas.microsoft.com/office/drawing/2010/main" xmlns:p14="http://schemas.microsoft.com/office/powerpoint/2010/main" xmlns:a16="http://schemas.microsoft.com/office/drawing/2014/main" xmlns="" w="9525">
+                  <a14:hiddenLine xmlns="" xmlns:a16="http://schemas.microsoft.com/office/drawing/2014/main" xmlns:p14="http://schemas.microsoft.com/office/powerpoint/2010/main" xmlns:a14="http://schemas.microsoft.com/office/drawing/2010/main" w="9525">
                     <a:solidFill>
                       <a:srgbClr val="000000"/>
                     </a:solidFill>
@@ -22733,7 +23019,7 @@
               </a:ln>
               <a:extLst>
                 <a:ext uri="{91240B29-F687-4f45-9708-019B960494DF}">
-                  <a14:hiddenLine xmlns:a14="http://schemas.microsoft.com/office/drawing/2010/main" xmlns:p14="http://schemas.microsoft.com/office/powerpoint/2010/main" xmlns:a16="http://schemas.microsoft.com/office/drawing/2014/main" xmlns="" w="9525">
+                  <a14:hiddenLine xmlns="" xmlns:a16="http://schemas.microsoft.com/office/drawing/2014/main" xmlns:p14="http://schemas.microsoft.com/office/powerpoint/2010/main" xmlns:a14="http://schemas.microsoft.com/office/drawing/2010/main" w="9525">
                     <a:solidFill>
                       <a:srgbClr val="000000"/>
                     </a:solidFill>
@@ -22810,7 +23096,7 @@
               </a:ln>
               <a:extLst>
                 <a:ext uri="{91240B29-F687-4f45-9708-019B960494DF}">
-                  <a14:hiddenLine xmlns:a14="http://schemas.microsoft.com/office/drawing/2010/main" xmlns:p14="http://schemas.microsoft.com/office/powerpoint/2010/main" xmlns:a16="http://schemas.microsoft.com/office/drawing/2014/main" xmlns="" w="9525">
+                  <a14:hiddenLine xmlns="" xmlns:a16="http://schemas.microsoft.com/office/drawing/2014/main" xmlns:p14="http://schemas.microsoft.com/office/powerpoint/2010/main" xmlns:a14="http://schemas.microsoft.com/office/drawing/2010/main" w="9525">
                     <a:solidFill>
                       <a:srgbClr val="000000"/>
                     </a:solidFill>
@@ -22915,7 +23201,7 @@
               </a:ln>
               <a:extLst>
                 <a:ext uri="{91240B29-F687-4f45-9708-019B960494DF}">
-                  <a14:hiddenLine xmlns:a14="http://schemas.microsoft.com/office/drawing/2010/main" xmlns:p14="http://schemas.microsoft.com/office/powerpoint/2010/main" xmlns:a16="http://schemas.microsoft.com/office/drawing/2014/main" xmlns="" w="9525">
+                  <a14:hiddenLine xmlns="" xmlns:a16="http://schemas.microsoft.com/office/drawing/2014/main" xmlns:p14="http://schemas.microsoft.com/office/powerpoint/2010/main" xmlns:a14="http://schemas.microsoft.com/office/drawing/2010/main" w="9525">
                     <a:solidFill>
                       <a:srgbClr val="000000"/>
                     </a:solidFill>
@@ -23020,7 +23306,7 @@
               </a:ln>
               <a:extLst>
                 <a:ext uri="{91240B29-F687-4f45-9708-019B960494DF}">
-                  <a14:hiddenLine xmlns:a14="http://schemas.microsoft.com/office/drawing/2010/main" xmlns:p14="http://schemas.microsoft.com/office/powerpoint/2010/main" xmlns:a16="http://schemas.microsoft.com/office/drawing/2014/main" xmlns="" w="9525">
+                  <a14:hiddenLine xmlns="" xmlns:a16="http://schemas.microsoft.com/office/drawing/2014/main" xmlns:p14="http://schemas.microsoft.com/office/powerpoint/2010/main" xmlns:a14="http://schemas.microsoft.com/office/drawing/2010/main" w="9525">
                     <a:solidFill>
                       <a:srgbClr val="000000"/>
                     </a:solidFill>
@@ -23100,7 +23386,7 @@
               </a:ln>
               <a:extLst>
                 <a:ext uri="{91240B29-F687-4f45-9708-019B960494DF}">
-                  <a14:hiddenLine xmlns:a14="http://schemas.microsoft.com/office/drawing/2010/main" xmlns:p14="http://schemas.microsoft.com/office/powerpoint/2010/main" xmlns:a16="http://schemas.microsoft.com/office/drawing/2014/main" xmlns="" w="9525">
+                  <a14:hiddenLine xmlns="" xmlns:a16="http://schemas.microsoft.com/office/drawing/2014/main" xmlns:p14="http://schemas.microsoft.com/office/powerpoint/2010/main" xmlns:a14="http://schemas.microsoft.com/office/drawing/2010/main" w="9525">
                     <a:solidFill>
                       <a:srgbClr val="000000"/>
                     </a:solidFill>
@@ -23235,7 +23521,7 @@
               </a:ln>
               <a:extLst>
                 <a:ext uri="{91240B29-F687-4f45-9708-019B960494DF}">
-                  <a14:hiddenLine xmlns:a14="http://schemas.microsoft.com/office/drawing/2010/main" xmlns:p14="http://schemas.microsoft.com/office/powerpoint/2010/main" xmlns:a16="http://schemas.microsoft.com/office/drawing/2014/main" xmlns="" w="9525">
+                  <a14:hiddenLine xmlns="" xmlns:a16="http://schemas.microsoft.com/office/drawing/2014/main" xmlns:p14="http://schemas.microsoft.com/office/powerpoint/2010/main" xmlns:a14="http://schemas.microsoft.com/office/drawing/2010/main" w="9525">
                     <a:solidFill>
                       <a:srgbClr val="000000"/>
                     </a:solidFill>
@@ -23360,7 +23646,7 @@
               </a:ln>
               <a:extLst>
                 <a:ext uri="{91240B29-F687-4f45-9708-019B960494DF}">
-                  <a14:hiddenLine xmlns:a14="http://schemas.microsoft.com/office/drawing/2010/main" xmlns:p14="http://schemas.microsoft.com/office/powerpoint/2010/main" xmlns:a16="http://schemas.microsoft.com/office/drawing/2014/main" xmlns="" w="9525">
+                  <a14:hiddenLine xmlns="" xmlns:a16="http://schemas.microsoft.com/office/drawing/2014/main" xmlns:p14="http://schemas.microsoft.com/office/powerpoint/2010/main" xmlns:a14="http://schemas.microsoft.com/office/drawing/2010/main" w="9525">
                     <a:solidFill>
                       <a:srgbClr val="000000"/>
                     </a:solidFill>
@@ -23490,7 +23776,7 @@
               </a:ln>
               <a:extLst>
                 <a:ext uri="{91240B29-F687-4f45-9708-019B960494DF}">
-                  <a14:hiddenLine xmlns:a14="http://schemas.microsoft.com/office/drawing/2010/main" xmlns:p14="http://schemas.microsoft.com/office/powerpoint/2010/main" xmlns:a16="http://schemas.microsoft.com/office/drawing/2014/main" xmlns="" w="9525">
+                  <a14:hiddenLine xmlns="" xmlns:a16="http://schemas.microsoft.com/office/drawing/2014/main" xmlns:p14="http://schemas.microsoft.com/office/powerpoint/2010/main" xmlns:a14="http://schemas.microsoft.com/office/drawing/2010/main" w="9525">
                     <a:solidFill>
                       <a:srgbClr val="000000"/>
                     </a:solidFill>
@@ -23595,7 +23881,7 @@
               </a:ln>
               <a:extLst>
                 <a:ext uri="{91240B29-F687-4f45-9708-019B960494DF}">
-                  <a14:hiddenLine xmlns:a14="http://schemas.microsoft.com/office/drawing/2010/main" xmlns:p14="http://schemas.microsoft.com/office/powerpoint/2010/main" xmlns:a16="http://schemas.microsoft.com/office/drawing/2014/main" xmlns="" w="9525">
+                  <a14:hiddenLine xmlns="" xmlns:a16="http://schemas.microsoft.com/office/drawing/2014/main" xmlns:p14="http://schemas.microsoft.com/office/powerpoint/2010/main" xmlns:a14="http://schemas.microsoft.com/office/drawing/2010/main" w="9525">
                     <a:solidFill>
                       <a:srgbClr val="000000"/>
                     </a:solidFill>
@@ -23675,7 +23961,7 @@
               </a:ln>
               <a:extLst>
                 <a:ext uri="{91240B29-F687-4f45-9708-019B960494DF}">
-                  <a14:hiddenLine xmlns:a14="http://schemas.microsoft.com/office/drawing/2010/main" xmlns:p14="http://schemas.microsoft.com/office/powerpoint/2010/main" xmlns:a16="http://schemas.microsoft.com/office/drawing/2014/main" xmlns="" w="9525">
+                  <a14:hiddenLine xmlns="" xmlns:a16="http://schemas.microsoft.com/office/drawing/2014/main" xmlns:p14="http://schemas.microsoft.com/office/powerpoint/2010/main" xmlns:a14="http://schemas.microsoft.com/office/drawing/2010/main" w="9525">
                     <a:solidFill>
                       <a:srgbClr val="000000"/>
                     </a:solidFill>
@@ -23780,7 +24066,7 @@
               </a:ln>
               <a:extLst>
                 <a:ext uri="{91240B29-F687-4f45-9708-019B960494DF}">
-                  <a14:hiddenLine xmlns:a14="http://schemas.microsoft.com/office/drawing/2010/main" xmlns:p14="http://schemas.microsoft.com/office/powerpoint/2010/main" xmlns:a16="http://schemas.microsoft.com/office/drawing/2014/main" xmlns="" w="9525">
+                  <a14:hiddenLine xmlns="" xmlns:a16="http://schemas.microsoft.com/office/drawing/2014/main" xmlns:p14="http://schemas.microsoft.com/office/powerpoint/2010/main" xmlns:a14="http://schemas.microsoft.com/office/drawing/2010/main" w="9525">
                     <a:solidFill>
                       <a:srgbClr val="000000"/>
                     </a:solidFill>
@@ -23863,7 +24149,7 @@
               </a:ln>
               <a:extLst>
                 <a:ext uri="{91240B29-F687-4f45-9708-019B960494DF}">
-                  <a14:hiddenLine xmlns:a14="http://schemas.microsoft.com/office/drawing/2010/main" xmlns:p14="http://schemas.microsoft.com/office/powerpoint/2010/main" xmlns:a16="http://schemas.microsoft.com/office/drawing/2014/main" xmlns="" w="9525">
+                  <a14:hiddenLine xmlns="" xmlns:a16="http://schemas.microsoft.com/office/drawing/2014/main" xmlns:p14="http://schemas.microsoft.com/office/powerpoint/2010/main" xmlns:a14="http://schemas.microsoft.com/office/drawing/2010/main" w="9525">
                     <a:solidFill>
                       <a:srgbClr val="000000"/>
                     </a:solidFill>
@@ -23968,7 +24254,7 @@
               </a:ln>
               <a:extLst>
                 <a:ext uri="{91240B29-F687-4f45-9708-019B960494DF}">
-                  <a14:hiddenLine xmlns:a14="http://schemas.microsoft.com/office/drawing/2010/main" xmlns:p14="http://schemas.microsoft.com/office/powerpoint/2010/main" xmlns:a16="http://schemas.microsoft.com/office/drawing/2014/main" xmlns="" w="9525">
+                  <a14:hiddenLine xmlns="" xmlns:a16="http://schemas.microsoft.com/office/drawing/2014/main" xmlns:p14="http://schemas.microsoft.com/office/powerpoint/2010/main" xmlns:a14="http://schemas.microsoft.com/office/drawing/2010/main" w="9525">
                     <a:solidFill>
                       <a:srgbClr val="000000"/>
                     </a:solidFill>
@@ -24051,7 +24337,7 @@
               </a:ln>
               <a:extLst>
                 <a:ext uri="{91240B29-F687-4f45-9708-019B960494DF}">
-                  <a14:hiddenLine xmlns:a14="http://schemas.microsoft.com/office/drawing/2010/main" xmlns:p14="http://schemas.microsoft.com/office/powerpoint/2010/main" xmlns:a16="http://schemas.microsoft.com/office/drawing/2014/main" xmlns="" w="9525">
+                  <a14:hiddenLine xmlns="" xmlns:a16="http://schemas.microsoft.com/office/drawing/2014/main" xmlns:p14="http://schemas.microsoft.com/office/powerpoint/2010/main" xmlns:a14="http://schemas.microsoft.com/office/drawing/2010/main" w="9525">
                     <a:solidFill>
                       <a:srgbClr val="000000"/>
                     </a:solidFill>
@@ -24156,7 +24442,7 @@
               </a:ln>
               <a:extLst>
                 <a:ext uri="{91240B29-F687-4f45-9708-019B960494DF}">
-                  <a14:hiddenLine xmlns:a14="http://schemas.microsoft.com/office/drawing/2010/main" xmlns:p14="http://schemas.microsoft.com/office/powerpoint/2010/main" xmlns:a16="http://schemas.microsoft.com/office/drawing/2014/main" xmlns="" w="9525">
+                  <a14:hiddenLine xmlns="" xmlns:a16="http://schemas.microsoft.com/office/drawing/2014/main" xmlns:p14="http://schemas.microsoft.com/office/powerpoint/2010/main" xmlns:a14="http://schemas.microsoft.com/office/drawing/2010/main" w="9525">
                     <a:solidFill>
                       <a:srgbClr val="000000"/>
                     </a:solidFill>
@@ -24205,7 +24491,7 @@
               </a:ln>
               <a:extLst>
                 <a:ext uri="{91240B29-F687-4f45-9708-019B960494DF}">
-                  <a14:hiddenLine xmlns:a14="http://schemas.microsoft.com/office/drawing/2010/main" xmlns:p14="http://schemas.microsoft.com/office/powerpoint/2010/main" xmlns:a16="http://schemas.microsoft.com/office/drawing/2014/main" xmlns="" w="9525">
+                  <a14:hiddenLine xmlns="" xmlns:a16="http://schemas.microsoft.com/office/drawing/2014/main" xmlns:p14="http://schemas.microsoft.com/office/powerpoint/2010/main" xmlns:a14="http://schemas.microsoft.com/office/drawing/2010/main" w="9525">
                     <a:solidFill>
                       <a:srgbClr val="000000"/>
                     </a:solidFill>
@@ -24267,7 +24553,7 @@
           <a:noFill/>
           <a:extLst>
             <a:ext uri="{909E8E84-426E-40dd-AFC4-6F175D3DCCD1}">
-              <a14:hiddenFill xmlns:a14="http://schemas.microsoft.com/office/drawing/2010/main" xmlns:p14="http://schemas.microsoft.com/office/powerpoint/2010/main" xmlns:a16="http://schemas.microsoft.com/office/drawing/2014/main" xmlns="">
+              <a14:hiddenFill xmlns="" xmlns:a16="http://schemas.microsoft.com/office/drawing/2014/main" xmlns:p14="http://schemas.microsoft.com/office/powerpoint/2010/main" xmlns:a14="http://schemas.microsoft.com/office/drawing/2010/main">
                 <a:solidFill>
                   <a:srgbClr val="FFFFFF"/>
                 </a:solidFill>
@@ -24500,7 +24786,7 @@
 </p:sld>
 </file>
 
-<file path=ppt/slides/slide29.xml><?xml version="1.0" encoding="utf-8"?>
+<file path=ppt/slides/slide31.xml><?xml version="1.0" encoding="utf-8"?>
 <p:sld xmlns:a="http://schemas.openxmlformats.org/drawingml/2006/main" xmlns:r="http://schemas.openxmlformats.org/officeDocument/2006/relationships" xmlns:p="http://schemas.openxmlformats.org/presentationml/2006/main">
   <p:cSld>
     <p:bg>
@@ -24697,7 +24983,7 @@
               </a:ln>
               <a:extLst>
                 <a:ext uri="{91240B29-F687-4f45-9708-019B960494DF}">
-                  <a14:hiddenLine xmlns:a14="http://schemas.microsoft.com/office/drawing/2010/main" xmlns:p14="http://schemas.microsoft.com/office/powerpoint/2010/main" xmlns:a16="http://schemas.microsoft.com/office/drawing/2014/main" xmlns="" w="9525">
+                  <a14:hiddenLine xmlns="" xmlns:a16="http://schemas.microsoft.com/office/drawing/2014/main" xmlns:p14="http://schemas.microsoft.com/office/powerpoint/2010/main" xmlns:a14="http://schemas.microsoft.com/office/drawing/2010/main" w="9525">
                     <a:solidFill>
                       <a:srgbClr val="000000"/>
                     </a:solidFill>
@@ -24802,7 +25088,7 @@
               </a:ln>
               <a:extLst>
                 <a:ext uri="{91240B29-F687-4f45-9708-019B960494DF}">
-                  <a14:hiddenLine xmlns:a14="http://schemas.microsoft.com/office/drawing/2010/main" xmlns:p14="http://schemas.microsoft.com/office/powerpoint/2010/main" xmlns:a16="http://schemas.microsoft.com/office/drawing/2014/main" xmlns="" w="9525">
+                  <a14:hiddenLine xmlns="" xmlns:a16="http://schemas.microsoft.com/office/drawing/2014/main" xmlns:p14="http://schemas.microsoft.com/office/powerpoint/2010/main" xmlns:a14="http://schemas.microsoft.com/office/drawing/2010/main" w="9525">
                     <a:solidFill>
                       <a:srgbClr val="000000"/>
                     </a:solidFill>
@@ -24907,7 +25193,7 @@
               </a:ln>
               <a:extLst>
                 <a:ext uri="{91240B29-F687-4f45-9708-019B960494DF}">
-                  <a14:hiddenLine xmlns:a14="http://schemas.microsoft.com/office/drawing/2010/main" xmlns:p14="http://schemas.microsoft.com/office/powerpoint/2010/main" xmlns:a16="http://schemas.microsoft.com/office/drawing/2014/main" xmlns="" w="9525">
+                  <a14:hiddenLine xmlns="" xmlns:a16="http://schemas.microsoft.com/office/drawing/2014/main" xmlns:p14="http://schemas.microsoft.com/office/powerpoint/2010/main" xmlns:a14="http://schemas.microsoft.com/office/drawing/2010/main" w="9525">
                     <a:solidFill>
                       <a:srgbClr val="000000"/>
                     </a:solidFill>
@@ -24984,7 +25270,7 @@
               </a:ln>
               <a:extLst>
                 <a:ext uri="{91240B29-F687-4f45-9708-019B960494DF}">
-                  <a14:hiddenLine xmlns:a14="http://schemas.microsoft.com/office/drawing/2010/main" xmlns:p14="http://schemas.microsoft.com/office/powerpoint/2010/main" xmlns:a16="http://schemas.microsoft.com/office/drawing/2014/main" xmlns="" w="9525">
+                  <a14:hiddenLine xmlns="" xmlns:a16="http://schemas.microsoft.com/office/drawing/2014/main" xmlns:p14="http://schemas.microsoft.com/office/powerpoint/2010/main" xmlns:a14="http://schemas.microsoft.com/office/drawing/2010/main" w="9525">
                     <a:solidFill>
                       <a:srgbClr val="000000"/>
                     </a:solidFill>
@@ -25089,7 +25375,7 @@
               </a:ln>
               <a:extLst>
                 <a:ext uri="{91240B29-F687-4f45-9708-019B960494DF}">
-                  <a14:hiddenLine xmlns:a14="http://schemas.microsoft.com/office/drawing/2010/main" xmlns:p14="http://schemas.microsoft.com/office/powerpoint/2010/main" xmlns:a16="http://schemas.microsoft.com/office/drawing/2014/main" xmlns="" w="9525">
+                  <a14:hiddenLine xmlns="" xmlns:a16="http://schemas.microsoft.com/office/drawing/2014/main" xmlns:p14="http://schemas.microsoft.com/office/powerpoint/2010/main" xmlns:a14="http://schemas.microsoft.com/office/drawing/2010/main" w="9525">
                     <a:solidFill>
                       <a:srgbClr val="000000"/>
                     </a:solidFill>
@@ -25166,7 +25452,7 @@
               </a:ln>
               <a:extLst>
                 <a:ext uri="{91240B29-F687-4f45-9708-019B960494DF}">
-                  <a14:hiddenLine xmlns:a14="http://schemas.microsoft.com/office/drawing/2010/main" xmlns:p14="http://schemas.microsoft.com/office/powerpoint/2010/main" xmlns:a16="http://schemas.microsoft.com/office/drawing/2014/main" xmlns="" w="9525">
+                  <a14:hiddenLine xmlns="" xmlns:a16="http://schemas.microsoft.com/office/drawing/2014/main" xmlns:p14="http://schemas.microsoft.com/office/powerpoint/2010/main" xmlns:a14="http://schemas.microsoft.com/office/drawing/2010/main" w="9525">
                     <a:solidFill>
                       <a:srgbClr val="000000"/>
                     </a:solidFill>
@@ -25243,7 +25529,7 @@
               </a:ln>
               <a:extLst>
                 <a:ext uri="{91240B29-F687-4f45-9708-019B960494DF}">
-                  <a14:hiddenLine xmlns:a14="http://schemas.microsoft.com/office/drawing/2010/main" xmlns:p14="http://schemas.microsoft.com/office/powerpoint/2010/main" xmlns:a16="http://schemas.microsoft.com/office/drawing/2014/main" xmlns="" w="9525">
+                  <a14:hiddenLine xmlns="" xmlns:a16="http://schemas.microsoft.com/office/drawing/2014/main" xmlns:p14="http://schemas.microsoft.com/office/powerpoint/2010/main" xmlns:a14="http://schemas.microsoft.com/office/drawing/2010/main" w="9525">
                     <a:solidFill>
                       <a:srgbClr val="000000"/>
                     </a:solidFill>
@@ -25348,7 +25634,7 @@
               </a:ln>
               <a:extLst>
                 <a:ext uri="{91240B29-F687-4f45-9708-019B960494DF}">
-                  <a14:hiddenLine xmlns:a14="http://schemas.microsoft.com/office/drawing/2010/main" xmlns:p14="http://schemas.microsoft.com/office/powerpoint/2010/main" xmlns:a16="http://schemas.microsoft.com/office/drawing/2014/main" xmlns="" w="9525">
+                  <a14:hiddenLine xmlns="" xmlns:a16="http://schemas.microsoft.com/office/drawing/2014/main" xmlns:p14="http://schemas.microsoft.com/office/powerpoint/2010/main" xmlns:a14="http://schemas.microsoft.com/office/drawing/2010/main" w="9525">
                     <a:solidFill>
                       <a:srgbClr val="000000"/>
                     </a:solidFill>
@@ -25453,7 +25739,7 @@
               </a:ln>
               <a:extLst>
                 <a:ext uri="{91240B29-F687-4f45-9708-019B960494DF}">
-                  <a14:hiddenLine xmlns:a14="http://schemas.microsoft.com/office/drawing/2010/main" xmlns:p14="http://schemas.microsoft.com/office/powerpoint/2010/main" xmlns:a16="http://schemas.microsoft.com/office/drawing/2014/main" xmlns="" w="9525">
+                  <a14:hiddenLine xmlns="" xmlns:a16="http://schemas.microsoft.com/office/drawing/2014/main" xmlns:p14="http://schemas.microsoft.com/office/powerpoint/2010/main" xmlns:a14="http://schemas.microsoft.com/office/drawing/2010/main" w="9525">
                     <a:solidFill>
                       <a:srgbClr val="000000"/>
                     </a:solidFill>
@@ -25530,7 +25816,7 @@
               </a:ln>
               <a:extLst>
                 <a:ext uri="{91240B29-F687-4f45-9708-019B960494DF}">
-                  <a14:hiddenLine xmlns:a14="http://schemas.microsoft.com/office/drawing/2010/main" xmlns:p14="http://schemas.microsoft.com/office/powerpoint/2010/main" xmlns:a16="http://schemas.microsoft.com/office/drawing/2014/main" xmlns="" w="9525">
+                  <a14:hiddenLine xmlns="" xmlns:a16="http://schemas.microsoft.com/office/drawing/2014/main" xmlns:p14="http://schemas.microsoft.com/office/powerpoint/2010/main" xmlns:a14="http://schemas.microsoft.com/office/drawing/2010/main" w="9525">
                     <a:solidFill>
                       <a:srgbClr val="000000"/>
                     </a:solidFill>
@@ -25655,7 +25941,7 @@
               </a:ln>
               <a:extLst>
                 <a:ext uri="{91240B29-F687-4f45-9708-019B960494DF}">
-                  <a14:hiddenLine xmlns:a14="http://schemas.microsoft.com/office/drawing/2010/main" xmlns:p14="http://schemas.microsoft.com/office/powerpoint/2010/main" xmlns:a16="http://schemas.microsoft.com/office/drawing/2014/main" xmlns="" w="9525">
+                  <a14:hiddenLine xmlns="" xmlns:a16="http://schemas.microsoft.com/office/drawing/2014/main" xmlns:p14="http://schemas.microsoft.com/office/powerpoint/2010/main" xmlns:a14="http://schemas.microsoft.com/office/drawing/2010/main" w="9525">
                     <a:solidFill>
                       <a:srgbClr val="000000"/>
                     </a:solidFill>
@@ -25769,7 +26055,7 @@
               </a:ln>
               <a:extLst>
                 <a:ext uri="{91240B29-F687-4f45-9708-019B960494DF}">
-                  <a14:hiddenLine xmlns:a14="http://schemas.microsoft.com/office/drawing/2010/main" xmlns:p14="http://schemas.microsoft.com/office/powerpoint/2010/main" xmlns:a16="http://schemas.microsoft.com/office/drawing/2014/main" xmlns="" w="9525">
+                  <a14:hiddenLine xmlns="" xmlns:a16="http://schemas.microsoft.com/office/drawing/2014/main" xmlns:p14="http://schemas.microsoft.com/office/powerpoint/2010/main" xmlns:a14="http://schemas.microsoft.com/office/drawing/2010/main" w="9525">
                     <a:solidFill>
                       <a:srgbClr val="000000"/>
                     </a:solidFill>
@@ -25846,7 +26132,7 @@
               </a:ln>
               <a:extLst>
                 <a:ext uri="{91240B29-F687-4f45-9708-019B960494DF}">
-                  <a14:hiddenLine xmlns:a14="http://schemas.microsoft.com/office/drawing/2010/main" xmlns:p14="http://schemas.microsoft.com/office/powerpoint/2010/main" xmlns:a16="http://schemas.microsoft.com/office/drawing/2014/main" xmlns="" w="9525">
+                  <a14:hiddenLine xmlns="" xmlns:a16="http://schemas.microsoft.com/office/drawing/2014/main" xmlns:p14="http://schemas.microsoft.com/office/powerpoint/2010/main" xmlns:a14="http://schemas.microsoft.com/office/drawing/2010/main" w="9525">
                     <a:solidFill>
                       <a:srgbClr val="000000"/>
                     </a:solidFill>
@@ -25923,7 +26209,7 @@
               </a:ln>
               <a:extLst>
                 <a:ext uri="{91240B29-F687-4f45-9708-019B960494DF}">
-                  <a14:hiddenLine xmlns:a14="http://schemas.microsoft.com/office/drawing/2010/main" xmlns:p14="http://schemas.microsoft.com/office/powerpoint/2010/main" xmlns:a16="http://schemas.microsoft.com/office/drawing/2014/main" xmlns="" w="9525">
+                  <a14:hiddenLine xmlns="" xmlns:a16="http://schemas.microsoft.com/office/drawing/2014/main" xmlns:p14="http://schemas.microsoft.com/office/powerpoint/2010/main" xmlns:a14="http://schemas.microsoft.com/office/drawing/2010/main" w="9525">
                     <a:solidFill>
                       <a:srgbClr val="000000"/>
                     </a:solidFill>
@@ -26028,7 +26314,7 @@
               </a:ln>
               <a:extLst>
                 <a:ext uri="{91240B29-F687-4f45-9708-019B960494DF}">
-                  <a14:hiddenLine xmlns:a14="http://schemas.microsoft.com/office/drawing/2010/main" xmlns:p14="http://schemas.microsoft.com/office/powerpoint/2010/main" xmlns:a16="http://schemas.microsoft.com/office/drawing/2014/main" xmlns="" w="9525">
+                  <a14:hiddenLine xmlns="" xmlns:a16="http://schemas.microsoft.com/office/drawing/2014/main" xmlns:p14="http://schemas.microsoft.com/office/powerpoint/2010/main" xmlns:a14="http://schemas.microsoft.com/office/drawing/2010/main" w="9525">
                     <a:solidFill>
                       <a:srgbClr val="000000"/>
                     </a:solidFill>
@@ -26077,7 +26363,7 @@
               </a:ln>
               <a:extLst>
                 <a:ext uri="{91240B29-F687-4f45-9708-019B960494DF}">
-                  <a14:hiddenLine xmlns:a14="http://schemas.microsoft.com/office/drawing/2010/main" xmlns:p14="http://schemas.microsoft.com/office/powerpoint/2010/main" xmlns:a16="http://schemas.microsoft.com/office/drawing/2014/main" xmlns="" w="9525">
+                  <a14:hiddenLine xmlns="" xmlns:a16="http://schemas.microsoft.com/office/drawing/2014/main" xmlns:p14="http://schemas.microsoft.com/office/powerpoint/2010/main" xmlns:a14="http://schemas.microsoft.com/office/drawing/2010/main" w="9525">
                     <a:solidFill>
                       <a:srgbClr val="000000"/>
                     </a:solidFill>
@@ -26157,7 +26443,7 @@
               </a:ln>
               <a:extLst>
                 <a:ext uri="{91240B29-F687-4f45-9708-019B960494DF}">
-                  <a14:hiddenLine xmlns:a14="http://schemas.microsoft.com/office/drawing/2010/main" xmlns:p14="http://schemas.microsoft.com/office/powerpoint/2010/main" xmlns:a16="http://schemas.microsoft.com/office/drawing/2014/main" xmlns="" w="9525">
+                  <a14:hiddenLine xmlns="" xmlns:a16="http://schemas.microsoft.com/office/drawing/2014/main" xmlns:p14="http://schemas.microsoft.com/office/powerpoint/2010/main" xmlns:a14="http://schemas.microsoft.com/office/drawing/2010/main" w="9525">
                     <a:solidFill>
                       <a:srgbClr val="000000"/>
                     </a:solidFill>
@@ -26262,7 +26548,7 @@
               </a:ln>
               <a:extLst>
                 <a:ext uri="{91240B29-F687-4f45-9708-019B960494DF}">
-                  <a14:hiddenLine xmlns:a14="http://schemas.microsoft.com/office/drawing/2010/main" xmlns:p14="http://schemas.microsoft.com/office/powerpoint/2010/main" xmlns:a16="http://schemas.microsoft.com/office/drawing/2014/main" xmlns="" w="9525">
+                  <a14:hiddenLine xmlns="" xmlns:a16="http://schemas.microsoft.com/office/drawing/2014/main" xmlns:p14="http://schemas.microsoft.com/office/powerpoint/2010/main" xmlns:a14="http://schemas.microsoft.com/office/drawing/2010/main" w="9525">
                     <a:solidFill>
                       <a:srgbClr val="000000"/>
                     </a:solidFill>
@@ -26339,7 +26625,7 @@
               </a:ln>
               <a:extLst>
                 <a:ext uri="{91240B29-F687-4f45-9708-019B960494DF}">
-                  <a14:hiddenLine xmlns:a14="http://schemas.microsoft.com/office/drawing/2010/main" xmlns:p14="http://schemas.microsoft.com/office/powerpoint/2010/main" xmlns:a16="http://schemas.microsoft.com/office/drawing/2014/main" xmlns="" w="9525">
+                  <a14:hiddenLine xmlns="" xmlns:a16="http://schemas.microsoft.com/office/drawing/2014/main" xmlns:p14="http://schemas.microsoft.com/office/powerpoint/2010/main" xmlns:a14="http://schemas.microsoft.com/office/drawing/2010/main" w="9525">
                     <a:solidFill>
                       <a:srgbClr val="000000"/>
                     </a:solidFill>
@@ -26444,7 +26730,7 @@
               </a:ln>
               <a:extLst>
                 <a:ext uri="{91240B29-F687-4f45-9708-019B960494DF}">
-                  <a14:hiddenLine xmlns:a14="http://schemas.microsoft.com/office/drawing/2010/main" xmlns:p14="http://schemas.microsoft.com/office/powerpoint/2010/main" xmlns:a16="http://schemas.microsoft.com/office/drawing/2014/main" xmlns="" w="9525">
+                  <a14:hiddenLine xmlns="" xmlns:a16="http://schemas.microsoft.com/office/drawing/2014/main" xmlns:p14="http://schemas.microsoft.com/office/powerpoint/2010/main" xmlns:a14="http://schemas.microsoft.com/office/drawing/2010/main" w="9525">
                     <a:solidFill>
                       <a:srgbClr val="000000"/>
                     </a:solidFill>
@@ -26524,7 +26810,7 @@
               </a:ln>
               <a:extLst>
                 <a:ext uri="{91240B29-F687-4f45-9708-019B960494DF}">
-                  <a14:hiddenLine xmlns:a14="http://schemas.microsoft.com/office/drawing/2010/main" xmlns:p14="http://schemas.microsoft.com/office/powerpoint/2010/main" xmlns:a16="http://schemas.microsoft.com/office/drawing/2014/main" xmlns="" w="9525">
+                  <a14:hiddenLine xmlns="" xmlns:a16="http://schemas.microsoft.com/office/drawing/2014/main" xmlns:p14="http://schemas.microsoft.com/office/powerpoint/2010/main" xmlns:a14="http://schemas.microsoft.com/office/drawing/2010/main" w="9525">
                     <a:solidFill>
                       <a:srgbClr val="000000"/>
                     </a:solidFill>
@@ -26601,7 +26887,7 @@
               </a:ln>
               <a:extLst>
                 <a:ext uri="{91240B29-F687-4f45-9708-019B960494DF}">
-                  <a14:hiddenLine xmlns:a14="http://schemas.microsoft.com/office/drawing/2010/main" xmlns:p14="http://schemas.microsoft.com/office/powerpoint/2010/main" xmlns:a16="http://schemas.microsoft.com/office/drawing/2014/main" xmlns="" w="9525">
+                  <a14:hiddenLine xmlns="" xmlns:a16="http://schemas.microsoft.com/office/drawing/2014/main" xmlns:p14="http://schemas.microsoft.com/office/powerpoint/2010/main" xmlns:a14="http://schemas.microsoft.com/office/drawing/2010/main" w="9525">
                     <a:solidFill>
                       <a:srgbClr val="000000"/>
                     </a:solidFill>
@@ -26706,7 +26992,7 @@
               </a:ln>
               <a:extLst>
                 <a:ext uri="{91240B29-F687-4f45-9708-019B960494DF}">
-                  <a14:hiddenLine xmlns:a14="http://schemas.microsoft.com/office/drawing/2010/main" xmlns:p14="http://schemas.microsoft.com/office/powerpoint/2010/main" xmlns:a16="http://schemas.microsoft.com/office/drawing/2014/main" xmlns="" w="9525">
+                  <a14:hiddenLine xmlns="" xmlns:a16="http://schemas.microsoft.com/office/drawing/2014/main" xmlns:p14="http://schemas.microsoft.com/office/powerpoint/2010/main" xmlns:a14="http://schemas.microsoft.com/office/drawing/2010/main" w="9525">
                     <a:solidFill>
                       <a:srgbClr val="000000"/>
                     </a:solidFill>
@@ -26811,7 +27097,7 @@
               </a:ln>
               <a:extLst>
                 <a:ext uri="{91240B29-F687-4f45-9708-019B960494DF}">
-                  <a14:hiddenLine xmlns:a14="http://schemas.microsoft.com/office/drawing/2010/main" xmlns:p14="http://schemas.microsoft.com/office/powerpoint/2010/main" xmlns:a16="http://schemas.microsoft.com/office/drawing/2014/main" xmlns="" w="9525">
+                  <a14:hiddenLine xmlns="" xmlns:a16="http://schemas.microsoft.com/office/drawing/2014/main" xmlns:p14="http://schemas.microsoft.com/office/powerpoint/2010/main" xmlns:a14="http://schemas.microsoft.com/office/drawing/2010/main" w="9525">
                     <a:solidFill>
                       <a:srgbClr val="000000"/>
                     </a:solidFill>
@@ -26891,7 +27177,7 @@
               </a:ln>
               <a:extLst>
                 <a:ext uri="{91240B29-F687-4f45-9708-019B960494DF}">
-                  <a14:hiddenLine xmlns:a14="http://schemas.microsoft.com/office/drawing/2010/main" xmlns:p14="http://schemas.microsoft.com/office/powerpoint/2010/main" xmlns:a16="http://schemas.microsoft.com/office/drawing/2014/main" xmlns="" w="9525">
+                  <a14:hiddenLine xmlns="" xmlns:a16="http://schemas.microsoft.com/office/drawing/2014/main" xmlns:p14="http://schemas.microsoft.com/office/powerpoint/2010/main" xmlns:a14="http://schemas.microsoft.com/office/drawing/2010/main" w="9525">
                     <a:solidFill>
                       <a:srgbClr val="000000"/>
                     </a:solidFill>
@@ -27026,7 +27312,7 @@
               </a:ln>
               <a:extLst>
                 <a:ext uri="{91240B29-F687-4f45-9708-019B960494DF}">
-                  <a14:hiddenLine xmlns:a14="http://schemas.microsoft.com/office/drawing/2010/main" xmlns:p14="http://schemas.microsoft.com/office/powerpoint/2010/main" xmlns:a16="http://schemas.microsoft.com/office/drawing/2014/main" xmlns="" w="9525">
+                  <a14:hiddenLine xmlns="" xmlns:a16="http://schemas.microsoft.com/office/drawing/2014/main" xmlns:p14="http://schemas.microsoft.com/office/powerpoint/2010/main" xmlns:a14="http://schemas.microsoft.com/office/drawing/2010/main" w="9525">
                     <a:solidFill>
                       <a:srgbClr val="000000"/>
                     </a:solidFill>
@@ -27151,7 +27437,7 @@
               </a:ln>
               <a:extLst>
                 <a:ext uri="{91240B29-F687-4f45-9708-019B960494DF}">
-                  <a14:hiddenLine xmlns:a14="http://schemas.microsoft.com/office/drawing/2010/main" xmlns:p14="http://schemas.microsoft.com/office/powerpoint/2010/main" xmlns:a16="http://schemas.microsoft.com/office/drawing/2014/main" xmlns="" w="9525">
+                  <a14:hiddenLine xmlns="" xmlns:a16="http://schemas.microsoft.com/office/drawing/2014/main" xmlns:p14="http://schemas.microsoft.com/office/powerpoint/2010/main" xmlns:a14="http://schemas.microsoft.com/office/drawing/2010/main" w="9525">
                     <a:solidFill>
                       <a:srgbClr val="000000"/>
                     </a:solidFill>
@@ -27281,7 +27567,7 @@
               </a:ln>
               <a:extLst>
                 <a:ext uri="{91240B29-F687-4f45-9708-019B960494DF}">
-                  <a14:hiddenLine xmlns:a14="http://schemas.microsoft.com/office/drawing/2010/main" xmlns:p14="http://schemas.microsoft.com/office/powerpoint/2010/main" xmlns:a16="http://schemas.microsoft.com/office/drawing/2014/main" xmlns="" w="9525">
+                  <a14:hiddenLine xmlns="" xmlns:a16="http://schemas.microsoft.com/office/drawing/2014/main" xmlns:p14="http://schemas.microsoft.com/office/powerpoint/2010/main" xmlns:a14="http://schemas.microsoft.com/office/drawing/2010/main" w="9525">
                     <a:solidFill>
                       <a:srgbClr val="000000"/>
                     </a:solidFill>
@@ -27386,7 +27672,7 @@
               </a:ln>
               <a:extLst>
                 <a:ext uri="{91240B29-F687-4f45-9708-019B960494DF}">
-                  <a14:hiddenLine xmlns:a14="http://schemas.microsoft.com/office/drawing/2010/main" xmlns:p14="http://schemas.microsoft.com/office/powerpoint/2010/main" xmlns:a16="http://schemas.microsoft.com/office/drawing/2014/main" xmlns="" w="9525">
+                  <a14:hiddenLine xmlns="" xmlns:a16="http://schemas.microsoft.com/office/drawing/2014/main" xmlns:p14="http://schemas.microsoft.com/office/powerpoint/2010/main" xmlns:a14="http://schemas.microsoft.com/office/drawing/2010/main" w="9525">
                     <a:solidFill>
                       <a:srgbClr val="000000"/>
                     </a:solidFill>
@@ -27466,7 +27752,7 @@
               </a:ln>
               <a:extLst>
                 <a:ext uri="{91240B29-F687-4f45-9708-019B960494DF}">
-                  <a14:hiddenLine xmlns:a14="http://schemas.microsoft.com/office/drawing/2010/main" xmlns:p14="http://schemas.microsoft.com/office/powerpoint/2010/main" xmlns:a16="http://schemas.microsoft.com/office/drawing/2014/main" xmlns="" w="9525">
+                  <a14:hiddenLine xmlns="" xmlns:a16="http://schemas.microsoft.com/office/drawing/2014/main" xmlns:p14="http://schemas.microsoft.com/office/powerpoint/2010/main" xmlns:a14="http://schemas.microsoft.com/office/drawing/2010/main" w="9525">
                     <a:solidFill>
                       <a:srgbClr val="000000"/>
                     </a:solidFill>
@@ -27571,7 +27857,7 @@
               </a:ln>
               <a:extLst>
                 <a:ext uri="{91240B29-F687-4f45-9708-019B960494DF}">
-                  <a14:hiddenLine xmlns:a14="http://schemas.microsoft.com/office/drawing/2010/main" xmlns:p14="http://schemas.microsoft.com/office/powerpoint/2010/main" xmlns:a16="http://schemas.microsoft.com/office/drawing/2014/main" xmlns="" w="9525">
+                  <a14:hiddenLine xmlns="" xmlns:a16="http://schemas.microsoft.com/office/drawing/2014/main" xmlns:p14="http://schemas.microsoft.com/office/powerpoint/2010/main" xmlns:a14="http://schemas.microsoft.com/office/drawing/2010/main" w="9525">
                     <a:solidFill>
                       <a:srgbClr val="000000"/>
                     </a:solidFill>
@@ -27654,7 +27940,7 @@
               </a:ln>
               <a:extLst>
                 <a:ext uri="{91240B29-F687-4f45-9708-019B960494DF}">
-                  <a14:hiddenLine xmlns:a14="http://schemas.microsoft.com/office/drawing/2010/main" xmlns:p14="http://schemas.microsoft.com/office/powerpoint/2010/main" xmlns:a16="http://schemas.microsoft.com/office/drawing/2014/main" xmlns="" w="9525">
+                  <a14:hiddenLine xmlns="" xmlns:a16="http://schemas.microsoft.com/office/drawing/2014/main" xmlns:p14="http://schemas.microsoft.com/office/powerpoint/2010/main" xmlns:a14="http://schemas.microsoft.com/office/drawing/2010/main" w="9525">
                     <a:solidFill>
                       <a:srgbClr val="000000"/>
                     </a:solidFill>
@@ -27759,7 +28045,7 @@
               </a:ln>
               <a:extLst>
                 <a:ext uri="{91240B29-F687-4f45-9708-019B960494DF}">
-                  <a14:hiddenLine xmlns:a14="http://schemas.microsoft.com/office/drawing/2010/main" xmlns:p14="http://schemas.microsoft.com/office/powerpoint/2010/main" xmlns:a16="http://schemas.microsoft.com/office/drawing/2014/main" xmlns="" w="9525">
+                  <a14:hiddenLine xmlns="" xmlns:a16="http://schemas.microsoft.com/office/drawing/2014/main" xmlns:p14="http://schemas.microsoft.com/office/powerpoint/2010/main" xmlns:a14="http://schemas.microsoft.com/office/drawing/2010/main" w="9525">
                     <a:solidFill>
                       <a:srgbClr val="000000"/>
                     </a:solidFill>
@@ -27842,7 +28128,7 @@
               </a:ln>
               <a:extLst>
                 <a:ext uri="{91240B29-F687-4f45-9708-019B960494DF}">
-                  <a14:hiddenLine xmlns:a14="http://schemas.microsoft.com/office/drawing/2010/main" xmlns:p14="http://schemas.microsoft.com/office/powerpoint/2010/main" xmlns:a16="http://schemas.microsoft.com/office/drawing/2014/main" xmlns="" w="9525">
+                  <a14:hiddenLine xmlns="" xmlns:a16="http://schemas.microsoft.com/office/drawing/2014/main" xmlns:p14="http://schemas.microsoft.com/office/powerpoint/2010/main" xmlns:a14="http://schemas.microsoft.com/office/drawing/2010/main" w="9525">
                     <a:solidFill>
                       <a:srgbClr val="000000"/>
                     </a:solidFill>
@@ -27947,7 +28233,7 @@
               </a:ln>
               <a:extLst>
                 <a:ext uri="{91240B29-F687-4f45-9708-019B960494DF}">
-                  <a14:hiddenLine xmlns:a14="http://schemas.microsoft.com/office/drawing/2010/main" xmlns:p14="http://schemas.microsoft.com/office/powerpoint/2010/main" xmlns:a16="http://schemas.microsoft.com/office/drawing/2014/main" xmlns="" w="9525">
+                  <a14:hiddenLine xmlns="" xmlns:a16="http://schemas.microsoft.com/office/drawing/2014/main" xmlns:p14="http://schemas.microsoft.com/office/powerpoint/2010/main" xmlns:a14="http://schemas.microsoft.com/office/drawing/2010/main" w="9525">
                     <a:solidFill>
                       <a:srgbClr val="000000"/>
                     </a:solidFill>
@@ -27996,7 +28282,7 @@
               </a:ln>
               <a:extLst>
                 <a:ext uri="{91240B29-F687-4f45-9708-019B960494DF}">
-                  <a14:hiddenLine xmlns:a14="http://schemas.microsoft.com/office/drawing/2010/main" xmlns:p14="http://schemas.microsoft.com/office/powerpoint/2010/main" xmlns:a16="http://schemas.microsoft.com/office/drawing/2014/main" xmlns="" w="9525">
+                  <a14:hiddenLine xmlns="" xmlns:a16="http://schemas.microsoft.com/office/drawing/2014/main" xmlns:p14="http://schemas.microsoft.com/office/powerpoint/2010/main" xmlns:a14="http://schemas.microsoft.com/office/drawing/2010/main" w="9525">
                     <a:solidFill>
                       <a:srgbClr val="000000"/>
                     </a:solidFill>
@@ -28058,7 +28344,7 @@
           <a:noFill/>
           <a:extLst>
             <a:ext uri="{909E8E84-426E-40dd-AFC4-6F175D3DCCD1}">
-              <a14:hiddenFill xmlns:a14="http://schemas.microsoft.com/office/drawing/2010/main" xmlns:p14="http://schemas.microsoft.com/office/powerpoint/2010/main" xmlns:a16="http://schemas.microsoft.com/office/drawing/2014/main" xmlns="">
+              <a14:hiddenFill xmlns="" xmlns:a16="http://schemas.microsoft.com/office/drawing/2014/main" xmlns:p14="http://schemas.microsoft.com/office/powerpoint/2010/main" xmlns:a14="http://schemas.microsoft.com/office/drawing/2010/main">
                 <a:solidFill>
                   <a:srgbClr val="FFFFFF"/>
                 </a:solidFill>
@@ -28277,101 +28563,6 @@
 </p:sld>
 </file>
 
-<file path=ppt/slides/slide3.xml><?xml version="1.0" encoding="utf-8"?>
-<p:sld xmlns:a="http://schemas.openxmlformats.org/drawingml/2006/main" xmlns:r="http://schemas.openxmlformats.org/officeDocument/2006/relationships" xmlns:p="http://schemas.openxmlformats.org/presentationml/2006/main">
-  <p:cSld>
-    <p:spTree>
-      <p:nvGrpSpPr>
-        <p:cNvPr id="1" name=""/>
-        <p:cNvGrpSpPr/>
-        <p:nvPr/>
-      </p:nvGrpSpPr>
-      <p:grpSpPr>
-        <a:xfrm>
-          <a:off x="0" y="0"/>
-          <a:ext cx="0" cy="0"/>
-          <a:chOff x="0" y="0"/>
-          <a:chExt cx="0" cy="0"/>
-        </a:xfrm>
-      </p:grpSpPr>
-      <p:sp>
-        <p:nvSpPr>
-          <p:cNvPr id="3" name="Espaço Reservado para Conteúdo 2">
-            <a:extLst>
-              <a:ext uri="{FF2B5EF4-FFF2-40B4-BE49-F238E27FC236}">
-                <a16:creationId xmlns:a16="http://schemas.microsoft.com/office/drawing/2014/main" id="{1DE0134A-D439-436D-842E-BF761EB6F589}"/>
-              </a:ext>
-            </a:extLst>
-          </p:cNvPr>
-          <p:cNvSpPr>
-            <a:spLocks noGrp="1"/>
-          </p:cNvSpPr>
-          <p:nvPr>
-            <p:ph idx="1"/>
-          </p:nvPr>
-        </p:nvSpPr>
-        <p:spPr>
-          <a:xfrm>
-            <a:off x="1143000" y="438949"/>
-            <a:ext cx="9905999" cy="5710059"/>
-          </a:xfrm>
-        </p:spPr>
-        <p:txBody>
-          <a:bodyPr>
-            <a:normAutofit fontScale="92500" lnSpcReduction="10000"/>
-          </a:bodyPr>
-          <a:lstStyle/>
-          <a:p>
-            <a:pPr algn="just"/>
-            <a:r>
-              <a:rPr lang="pt-BR" sz="2800" dirty="0"/>
-              <a:t>O controle de estoque de produtos é feito em uma tabela de </a:t>
-            </a:r>
-            <a:r>
-              <a:rPr lang="pt-BR" sz="2800" dirty="0" err="1"/>
-              <a:t>Excell</a:t>
-            </a:r>
-            <a:r>
-              <a:rPr lang="pt-BR" sz="2800" dirty="0"/>
-              <a:t>, todo pedido de compra e venda é cadastrado manualmente nessa tabela por um funcionário no fim do dia, o que gera inconsistências pois muitas vezes ao consultar um produto ele consta em estoque porem já foi vendido.</a:t>
-            </a:r>
-          </a:p>
-          <a:p>
-            <a:pPr algn="just"/>
-            <a:r>
-              <a:rPr lang="pt-BR" sz="2800" dirty="0"/>
-              <a:t>Como esses mesmos produtos também são utilizados para o consumo interno muitas vezes eles ou não são lançados na ficha do bovino ou não é dado baixa em estoque.</a:t>
-            </a:r>
-          </a:p>
-          <a:p>
-            <a:pPr algn="just"/>
-            <a:r>
-              <a:rPr lang="pt-BR" sz="2800" dirty="0"/>
-              <a:t>O calculo do custo dos bovinos em confinamento é difícil pois tem que ser feito manualmente, sendo colocado o custo de cada produto utilizados bem como os valores de consultas veterinárias.</a:t>
-            </a:r>
-          </a:p>
-          <a:p>
-            <a:pPr algn="just"/>
-            <a:r>
-              <a:rPr lang="pt-BR" sz="2800" dirty="0"/>
-              <a:t>Em caso de erro é muito difícil localizar o problema</a:t>
-            </a:r>
-          </a:p>
-        </p:txBody>
-      </p:sp>
-    </p:spTree>
-    <p:extLst>
-      <p:ext uri="{BB962C8B-B14F-4D97-AF65-F5344CB8AC3E}">
-        <p14:creationId xmlns:p14="http://schemas.microsoft.com/office/powerpoint/2010/main" val="511223781"/>
-      </p:ext>
-    </p:extLst>
-  </p:cSld>
-  <p:clrMapOvr>
-    <a:masterClrMapping/>
-  </p:clrMapOvr>
-</p:sld>
-</file>
-
 <file path=ppt/slides/slide4.xml><?xml version="1.0" encoding="utf-8"?>
 <p:sld xmlns:a="http://schemas.openxmlformats.org/drawingml/2006/main" xmlns:r="http://schemas.openxmlformats.org/officeDocument/2006/relationships" xmlns:p="http://schemas.openxmlformats.org/presentationml/2006/main">
   <p:cSld>
@@ -28771,21 +28962,24 @@
           </a:bodyPr>
           <a:lstStyle/>
           <a:p>
+            <a:pPr algn="just"/>
             <a:r>
               <a:rPr lang="pt-BR" dirty="0"/>
-              <a:t>Após as reuniões iniciais onde foram analisadas a documentação inicial, ou seja, as entrevistas, estórias, primeiros casos de usos e requisitos, a equipe definiu as diretrizes do programa, gerando seu mapa mental e outras documentações necessárias para o inicio da codificação.</a:t>
+              <a:t>Após as reuniões iniciais, onde foram analisadas a documentação inicial, ou seja, as entrevistas, estórias, primeiros casos de usos e requisitos, a equipe definiu as diretrizes do programa, gerando seu mapa mental e outras documentações necessárias para o inicio da codificação.</a:t>
             </a:r>
           </a:p>
           <a:p>
+            <a:pPr algn="just"/>
             <a:r>
               <a:rPr lang="pt-BR" dirty="0"/>
               <a:t>A linguagem escolhida foi o C# devido a grande familiaridade dessa linguagem de um dos membros da equipe e das ferramentas ofertadas que auxiliariam a confecção do sistema.</a:t>
             </a:r>
           </a:p>
           <a:p>
+            <a:pPr algn="just"/>
             <a:r>
               <a:rPr lang="pt-BR" dirty="0"/>
-              <a:t>Assim o integrante Carlos deu inicio a codificação fazendo a base do programa. A equipe inteira participou no inicio da programação, cadastrando classes, CRUDS, elementos de design.</a:t>
+              <a:t>Assim o integrante Carlos deu inicio a codificação fazendo a base do programa. A equipe inteira participou no inicio da programação, cadastrando classes, CRUDS e elementos de design.</a:t>
             </a:r>
           </a:p>
           <a:p>
@@ -28849,18 +29043,52 @@
           </a:xfrm>
         </p:spPr>
         <p:txBody>
-          <a:bodyPr/>
+          <a:bodyPr>
+            <a:normAutofit fontScale="92500" lnSpcReduction="20000"/>
+          </a:bodyPr>
           <a:lstStyle/>
           <a:p>
+            <a:pPr algn="just"/>
             <a:r>
               <a:rPr lang="pt-BR" dirty="0"/>
-              <a:t>Após o estagio inicial do programa estar finalizado foram separados as funções dos integrantes da equipe para um melhor resultado </a:t>
+              <a:t>Após o estagio inicial do programa estar finalizado foram separados as funções dos integrantes da equipe para um melhor resultado e aproveitamento do tempo.</a:t>
+            </a:r>
+          </a:p>
+          <a:p>
+            <a:pPr algn="just"/>
+            <a:r>
+              <a:rPr lang="pt-BR" dirty="0"/>
+              <a:t>Carlos – Responsável principal pela codificação e desenvolvimento, desenvolveu a base do sistema e seu design inicial, depois codificou os módulos de compras, vendas e Confinamento.</a:t>
+            </a:r>
+          </a:p>
+          <a:p>
+            <a:pPr algn="just"/>
+            <a:r>
+              <a:rPr lang="pt-BR" dirty="0"/>
+              <a:t>João – Colaborou com as regras de negocio e casos de uso, pois tem acesso a empresa citada e foi o responsável pelo sistema de controle de usuário.</a:t>
+            </a:r>
+          </a:p>
+          <a:p>
+            <a:pPr algn="just"/>
+            <a:r>
+              <a:rPr lang="pt-BR" dirty="0"/>
+              <a:t>Bruno – Responsável pela documentação total do sistema e pelas regras de negocio utilizadas. Foram criadas as documentações técnicas e o manual de </a:t>
             </a:r>
             <a:r>
-              <a:rPr lang="pt-BR"/>
-              <a:t>e aproveitamento do tempo.</a:t>
+              <a:rPr lang="pt-BR" dirty="0" err="1"/>
+              <a:t>Usuario</a:t>
             </a:r>
-            <a:endParaRPr lang="pt-BR" dirty="0"/>
+            <a:r>
+              <a:rPr lang="pt-BR" dirty="0"/>
+              <a:t>.</a:t>
+            </a:r>
+          </a:p>
+          <a:p>
+            <a:pPr algn="just"/>
+            <a:r>
+              <a:rPr lang="pt-BR" dirty="0"/>
+              <a:t>A equipe toda participou no desenvolvimento do sistema, principalmente na parte inicial, replicando o design inicial em todas as paginas do sistema e na codificação do módulo de cadastros. A equipe toda também participou dos testes dos sistemas, testando todas as funcionalidades durante o desenvolvimento e após estar finalizado.</a:t>
+            </a:r>
           </a:p>
         </p:txBody>
       </p:sp>
@@ -28896,10 +29124,10 @@
       </p:grpSpPr>
       <p:sp>
         <p:nvSpPr>
-          <p:cNvPr id="2" name="Título 1">
+          <p:cNvPr id="3" name="Espaço Reservado para Conteúdo 2">
             <a:extLst>
               <a:ext uri="{FF2B5EF4-FFF2-40B4-BE49-F238E27FC236}">
-                <a16:creationId xmlns:a16="http://schemas.microsoft.com/office/drawing/2014/main" id="{A0FEEA0D-2FFA-4A70-B63B-5B12FC7999BE}"/>
+                <a16:creationId xmlns:a16="http://schemas.microsoft.com/office/drawing/2014/main" id="{AA974D86-AD9E-41E4-836D-1113C7960ED9}"/>
               </a:ext>
             </a:extLst>
           </p:cNvPr>
@@ -28907,51 +29135,65 @@
             <a:spLocks noGrp="1"/>
           </p:cNvSpPr>
           <p:nvPr>
-            <p:ph type="title"/>
+            <p:ph idx="1"/>
           </p:nvPr>
         </p:nvSpPr>
-        <p:spPr/>
+        <p:spPr>
+          <a:xfrm>
+            <a:off x="1141412" y="444617"/>
+            <a:ext cx="9905999" cy="5346584"/>
+          </a:xfrm>
+        </p:spPr>
         <p:txBody>
           <a:bodyPr/>
           <a:lstStyle/>
           <a:p>
             <a:r>
               <a:rPr lang="pt-BR" dirty="0"/>
-              <a:t>O sistema</a:t>
+              <a:t>O sistema completo, bem como a documentação está disponível através do GitHub</a:t>
+            </a:r>
+          </a:p>
+          <a:p>
+            <a:r>
+              <a:rPr lang="pt-BR" u="sng" dirty="0">
+                <a:hlinkClick r:id="rId2"/>
+              </a:rPr>
+              <a:t>https://github.com/chav1985/GerenciamentoBovinos.git</a:t>
+            </a:r>
+            <a:endParaRPr lang="pt-BR" u="sng" dirty="0"/>
+          </a:p>
+          <a:p>
+            <a:r>
+              <a:rPr lang="pt-BR" dirty="0"/>
+              <a:t>Foram utilizadas diversas </a:t>
+            </a:r>
+            <a:r>
+              <a:rPr lang="pt-BR" dirty="0" err="1"/>
+              <a:t>Branchs</a:t>
+            </a:r>
+            <a:r>
+              <a:rPr lang="pt-BR" dirty="0"/>
+              <a:t> no desenvolvimento sendo a “Final2” com o sistema final.</a:t>
+            </a:r>
+          </a:p>
+          <a:p>
+            <a:r>
+              <a:rPr lang="pt-BR" dirty="0"/>
+              <a:t>Toda a documentação desenvolvida está contida na pasta Documentação separadas como Usuário (Manual de uso) e técnica (com toda a documentação técnica gerada durante o desenvolvimento).</a:t>
+            </a:r>
+          </a:p>
+          <a:p>
+            <a:r>
+              <a:rPr lang="pt-BR" dirty="0"/>
+              <a:t>Não estamos contemplando a implantação do sistema nesse trabalho.</a:t>
             </a:r>
           </a:p>
         </p:txBody>
       </p:sp>
-      <p:pic>
-        <p:nvPicPr>
-          <p:cNvPr id="4" name="Espaço Reservado para Conteúdo 3"/>
-          <p:cNvPicPr>
-            <a:picLocks noGrp="1"/>
-          </p:cNvPicPr>
-          <p:nvPr>
-            <p:ph idx="1"/>
-          </p:nvPr>
-        </p:nvPicPr>
-        <p:blipFill>
-          <a:blip r:embed="rId2"/>
-          <a:stretch>
-            <a:fillRect/>
-          </a:stretch>
-        </p:blipFill>
-        <p:spPr>
-          <a:xfrm>
-            <a:off x="2403548" y="2249488"/>
-            <a:ext cx="7381730" cy="3541712"/>
-          </a:xfrm>
-          <a:prstGeom prst="rect">
-            <a:avLst/>
-          </a:prstGeom>
-        </p:spPr>
-      </p:pic>
     </p:spTree>
     <p:extLst>
       <p:ext uri="{BB962C8B-B14F-4D97-AF65-F5344CB8AC3E}">
-        <p14:creationId xmlns:p14="http://schemas.microsoft.com/office/powerpoint/2010/main" val="953277695"/>
+        <p14:creationId xmlns:p14="http://schemas.microsoft.com/office/powerpoint/2010/main" val="2720174755"/>
       </p:ext>
     </p:extLst>
   </p:cSld>
